--- a/Milestone_5_Final_Documentation_Presentation/Final Presentation/Customer Churn Presentation v5 last.pptx
+++ b/Milestone_5_Final_Documentation_Presentation/Final Presentation/Customer Churn Presentation v5 last.pptx
@@ -23341,7 +23341,7 @@
           <p:nvPr>
             <p:extLst>
               <p:ext uri="{D42A27DB-BD31-4B8C-83A1-F6EECF244321}">
-                <p14:modId xmlns:p14="http://schemas.microsoft.com/office/powerpoint/2010/main" val="513590336"/>
+                <p14:modId xmlns:p14="http://schemas.microsoft.com/office/powerpoint/2010/main" val="738672188"/>
               </p:ext>
             </p:extLst>
           </p:nvPr>
@@ -24023,10 +24023,10 @@
                     <a:p>
                       <a:pPr algn="l" fontAlgn="ctr"/>
                       <a:r>
-                        <a:rPr lang="en-US" sz="1100" u="none" strike="noStrike" dirty="0">
-                          <a:effectLst/>
-                        </a:rPr>
-                        <a:t>❌ Drop</a:t>
+                        <a:rPr lang="en-US" sz="1100" u="none" strike="noStrike">
+                          <a:effectLst/>
+                        </a:rPr>
+                        <a:t>✅ Keep</a:t>
                       </a:r>
                       <a:endParaRPr lang="en-US" sz="1100" b="0" i="0" u="none" strike="noStrike" dirty="0">
                         <a:solidFill>
@@ -45282,24 +45282,6 @@
 </file>
 
 <file path=customXml/item1.xml><?xml version="1.0" encoding="utf-8"?>
-<?mso-contentType ?>
-<FormTemplates xmlns="http://schemas.microsoft.com/sharepoint/v3/contenttype/forms">
-  <Display>DocumentLibraryForm</Display>
-  <Edit>DocumentLibraryForm</Edit>
-  <New>DocumentLibraryForm</New>
-</FormTemplates>
-</file>
-
-<file path=customXml/item2.xml><?xml version="1.0" encoding="utf-8"?>
-<p:properties xmlns:p="http://schemas.microsoft.com/office/2006/metadata/properties" xmlns:xsi="http://www.w3.org/2001/XMLSchema-instance" xmlns:pc="http://schemas.microsoft.com/office/infopath/2007/PartnerControls">
-  <documentManagement>
-    <Status xmlns="71af3243-3dd4-4a8d-8c0d-dd76da1f02a5">Not started</Status>
-    <MediaServiceKeyPoints xmlns="71af3243-3dd4-4a8d-8c0d-dd76da1f02a5" xsi:nil="true"/>
-  </documentManagement>
-</p:properties>
-</file>
-
-<file path=customXml/item3.xml><?xml version="1.0" encoding="utf-8"?>
 <ct:contentTypeSchema xmlns:ct="http://schemas.microsoft.com/office/2006/metadata/contentType" xmlns:ma="http://schemas.microsoft.com/office/2006/metadata/properties/metaAttributes" ct:_="" ma:_="" ma:contentTypeName="Document" ma:contentTypeID="0x01010079F111ED35F8CC479449609E8A0923A6" ma:contentTypeVersion="12" ma:contentTypeDescription="Create a new document." ma:contentTypeScope="" ma:versionID="426e97fa315356fffbdcd9876fe988c2">
   <xsd:schema xmlns:xsd="http://www.w3.org/2001/XMLSchema" xmlns:xs="http://www.w3.org/2001/XMLSchema" xmlns:p="http://schemas.microsoft.com/office/2006/metadata/properties" xmlns:ns2="71af3243-3dd4-4a8d-8c0d-dd76da1f02a5" xmlns:ns3="16c05727-aa75-4e4a-9b5f-8a80a1165891" targetNamespace="http://schemas.microsoft.com/office/2006/metadata/properties" ma:root="true" ma:fieldsID="14b8f0def80e6d70ce3def20c90759ae" ns2:_="" ns3:_="">
     <xsd:import namespace="71af3243-3dd4-4a8d-8c0d-dd76da1f02a5"/>
@@ -45520,32 +45502,25 @@
 </ct:contentTypeSchema>
 </file>
 
-<file path=customXml/itemProps1.xml><?xml version="1.0" encoding="utf-8"?>
-<ds:datastoreItem xmlns:ds="http://schemas.openxmlformats.org/officeDocument/2006/customXml" ds:itemID="{DFD056C4-A927-4BAC-8BD5-4F73ED8EFD72}">
-  <ds:schemaRefs>
-    <ds:schemaRef ds:uri="http://schemas.microsoft.com/sharepoint/v3/contenttype/forms"/>
-  </ds:schemaRefs>
-</ds:datastoreItem>
+<file path=customXml/item2.xml><?xml version="1.0" encoding="utf-8"?>
+<?mso-contentType ?>
+<FormTemplates xmlns="http://schemas.microsoft.com/sharepoint/v3/contenttype/forms">
+  <Display>DocumentLibraryForm</Display>
+  <Edit>DocumentLibraryForm</Edit>
+  <New>DocumentLibraryForm</New>
+</FormTemplates>
 </file>
 
-<file path=customXml/itemProps2.xml><?xml version="1.0" encoding="utf-8"?>
-<ds:datastoreItem xmlns:ds="http://schemas.openxmlformats.org/officeDocument/2006/customXml" ds:itemID="{BFDE7DE8-0743-4BE4-AE4C-DC7F07012C0F}">
-  <ds:schemaRefs>
-    <ds:schemaRef ds:uri="http://purl.org/dc/elements/1.1/"/>
-    <ds:schemaRef ds:uri="http://schemas.microsoft.com/office/2006/metadata/properties"/>
-    <ds:schemaRef ds:uri="http://schemas.microsoft.com/office/2006/documentManagement/types"/>
-    <ds:schemaRef ds:uri="http://purl.org/dc/terms/"/>
-    <ds:schemaRef ds:uri="http://schemas.openxmlformats.org/package/2006/metadata/core-properties"/>
-    <ds:schemaRef ds:uri="16c05727-aa75-4e4a-9b5f-8a80a1165891"/>
-    <ds:schemaRef ds:uri="http://purl.org/dc/dcmitype/"/>
-    <ds:schemaRef ds:uri="http://schemas.microsoft.com/office/infopath/2007/PartnerControls"/>
-    <ds:schemaRef ds:uri="71af3243-3dd4-4a8d-8c0d-dd76da1f02a5"/>
-    <ds:schemaRef ds:uri="http://www.w3.org/XML/1998/namespace"/>
-  </ds:schemaRefs>
-</ds:datastoreItem>
+<file path=customXml/item3.xml><?xml version="1.0" encoding="utf-8"?>
+<p:properties xmlns:p="http://schemas.microsoft.com/office/2006/metadata/properties" xmlns:xsi="http://www.w3.org/2001/XMLSchema-instance" xmlns:pc="http://schemas.microsoft.com/office/infopath/2007/PartnerControls">
+  <documentManagement>
+    <Status xmlns="71af3243-3dd4-4a8d-8c0d-dd76da1f02a5">Not started</Status>
+    <MediaServiceKeyPoints xmlns="71af3243-3dd4-4a8d-8c0d-dd76da1f02a5" xsi:nil="true"/>
+  </documentManagement>
+</p:properties>
 </file>
 
-<file path=customXml/itemProps3.xml><?xml version="1.0" encoding="utf-8"?>
+<file path=customXml/itemProps1.xml><?xml version="1.0" encoding="utf-8"?>
 <ds:datastoreItem xmlns:ds="http://schemas.openxmlformats.org/officeDocument/2006/customXml" ds:itemID="{BFB4A24C-CCE9-4740-BAFA-219F1C86C74B}">
   <ds:schemaRefs>
     <ds:schemaRef ds:uri="http://schemas.microsoft.com/office/2006/metadata/contentType"/>
@@ -45562,4 +45537,29 @@
     <ds:schemaRef ds:uri="http://schemas.microsoft.com/internal/obd"/>
   </ds:schemaRefs>
 </ds:datastoreItem>
+</file>
+
+<file path=customXml/itemProps2.xml><?xml version="1.0" encoding="utf-8"?>
+<ds:datastoreItem xmlns:ds="http://schemas.openxmlformats.org/officeDocument/2006/customXml" ds:itemID="{DFD056C4-A927-4BAC-8BD5-4F73ED8EFD72}">
+  <ds:schemaRefs>
+    <ds:schemaRef ds:uri="http://schemas.microsoft.com/sharepoint/v3/contenttype/forms"/>
+  </ds:schemaRefs>
+</ds:datastoreItem>
+</file>
+
+<file path=customXml/itemProps3.xml><?xml version="1.0" encoding="utf-8"?>
+<ds:datastoreItem xmlns:ds="http://schemas.openxmlformats.org/officeDocument/2006/customXml" ds:itemID="{BFDE7DE8-0743-4BE4-AE4C-DC7F07012C0F}">
+  <ds:schemaRefs>
+    <ds:schemaRef ds:uri="http://purl.org/dc/elements/1.1/"/>
+    <ds:schemaRef ds:uri="http://schemas.microsoft.com/office/2006/metadata/properties"/>
+    <ds:schemaRef ds:uri="http://schemas.microsoft.com/office/2006/documentManagement/types"/>
+    <ds:schemaRef ds:uri="http://purl.org/dc/terms/"/>
+    <ds:schemaRef ds:uri="http://schemas.openxmlformats.org/package/2006/metadata/core-properties"/>
+    <ds:schemaRef ds:uri="16c05727-aa75-4e4a-9b5f-8a80a1165891"/>
+    <ds:schemaRef ds:uri="http://purl.org/dc/dcmitype/"/>
+    <ds:schemaRef ds:uri="http://schemas.microsoft.com/office/infopath/2007/PartnerControls"/>
+    <ds:schemaRef ds:uri="71af3243-3dd4-4a8d-8c0d-dd76da1f02a5"/>
+    <ds:schemaRef ds:uri="http://www.w3.org/XML/1998/namespace"/>
+  </ds:schemaRefs>
+</ds:datastoreItem>
 </file>
--- a/Milestone_5_Final_Documentation_Presentation/Final Presentation/Customer Churn Presentation v5 last.pptx
+++ b/Milestone_5_Final_Documentation_Presentation/Final Presentation/Customer Churn Presentation v5 last.pptx
@@ -5,10 +5,10 @@
     <p:sldMasterId id="2147483685" r:id="rId4"/>
   </p:sldMasterIdLst>
   <p:notesMasterIdLst>
-    <p:notesMasterId r:id="rId81"/>
+    <p:notesMasterId r:id="rId80"/>
   </p:notesMasterIdLst>
   <p:handoutMasterIdLst>
-    <p:handoutMasterId r:id="rId82"/>
+    <p:handoutMasterId r:id="rId81"/>
   </p:handoutMasterIdLst>
   <p:sldIdLst>
     <p:sldId id="356" r:id="rId5"/>
@@ -19,74 +19,73 @@
     <p:sldId id="364" r:id="rId10"/>
     <p:sldId id="365" r:id="rId11"/>
     <p:sldId id="366" r:id="rId12"/>
-    <p:sldId id="367" r:id="rId13"/>
-    <p:sldId id="372" r:id="rId14"/>
-    <p:sldId id="459" r:id="rId15"/>
-    <p:sldId id="374" r:id="rId16"/>
-    <p:sldId id="284" r:id="rId17"/>
-    <p:sldId id="437" r:id="rId18"/>
-    <p:sldId id="477" r:id="rId19"/>
-    <p:sldId id="478" r:id="rId20"/>
-    <p:sldId id="439" r:id="rId21"/>
-    <p:sldId id="461" r:id="rId22"/>
-    <p:sldId id="479" r:id="rId23"/>
-    <p:sldId id="480" r:id="rId24"/>
-    <p:sldId id="481" r:id="rId25"/>
-    <p:sldId id="482" r:id="rId26"/>
-    <p:sldId id="465" r:id="rId27"/>
-    <p:sldId id="483" r:id="rId28"/>
-    <p:sldId id="467" r:id="rId29"/>
-    <p:sldId id="486" r:id="rId30"/>
-    <p:sldId id="487" r:id="rId31"/>
-    <p:sldId id="488" r:id="rId32"/>
-    <p:sldId id="471" r:id="rId33"/>
-    <p:sldId id="392" r:id="rId34"/>
-    <p:sldId id="454" r:id="rId35"/>
-    <p:sldId id="455" r:id="rId36"/>
-    <p:sldId id="456" r:id="rId37"/>
-    <p:sldId id="457" r:id="rId38"/>
-    <p:sldId id="458" r:id="rId39"/>
-    <p:sldId id="383" r:id="rId40"/>
-    <p:sldId id="502" r:id="rId41"/>
-    <p:sldId id="424" r:id="rId42"/>
-    <p:sldId id="401" r:id="rId43"/>
-    <p:sldId id="435" r:id="rId44"/>
-    <p:sldId id="436" r:id="rId45"/>
-    <p:sldId id="434" r:id="rId46"/>
-    <p:sldId id="406" r:id="rId47"/>
-    <p:sldId id="426" r:id="rId48"/>
-    <p:sldId id="427" r:id="rId49"/>
-    <p:sldId id="428" r:id="rId50"/>
-    <p:sldId id="429" r:id="rId51"/>
-    <p:sldId id="430" r:id="rId52"/>
-    <p:sldId id="431" r:id="rId53"/>
-    <p:sldId id="433" r:id="rId54"/>
-    <p:sldId id="408" r:id="rId55"/>
-    <p:sldId id="510" r:id="rId56"/>
-    <p:sldId id="512" r:id="rId57"/>
-    <p:sldId id="511" r:id="rId58"/>
-    <p:sldId id="490" r:id="rId59"/>
-    <p:sldId id="494" r:id="rId60"/>
-    <p:sldId id="495" r:id="rId61"/>
-    <p:sldId id="496" r:id="rId62"/>
-    <p:sldId id="497" r:id="rId63"/>
-    <p:sldId id="498" r:id="rId64"/>
-    <p:sldId id="499" r:id="rId65"/>
-    <p:sldId id="500" r:id="rId66"/>
-    <p:sldId id="521" r:id="rId67"/>
-    <p:sldId id="504" r:id="rId68"/>
-    <p:sldId id="506" r:id="rId69"/>
-    <p:sldId id="522" r:id="rId70"/>
-    <p:sldId id="509" r:id="rId71"/>
-    <p:sldId id="514" r:id="rId72"/>
-    <p:sldId id="417" r:id="rId73"/>
-    <p:sldId id="515" r:id="rId74"/>
-    <p:sldId id="523" r:id="rId75"/>
-    <p:sldId id="524" r:id="rId76"/>
-    <p:sldId id="520" r:id="rId77"/>
-    <p:sldId id="525" r:id="rId78"/>
-    <p:sldId id="503" r:id="rId79"/>
-    <p:sldId id="347" r:id="rId80"/>
+    <p:sldId id="372" r:id="rId13"/>
+    <p:sldId id="459" r:id="rId14"/>
+    <p:sldId id="374" r:id="rId15"/>
+    <p:sldId id="284" r:id="rId16"/>
+    <p:sldId id="437" r:id="rId17"/>
+    <p:sldId id="477" r:id="rId18"/>
+    <p:sldId id="478" r:id="rId19"/>
+    <p:sldId id="439" r:id="rId20"/>
+    <p:sldId id="461" r:id="rId21"/>
+    <p:sldId id="479" r:id="rId22"/>
+    <p:sldId id="480" r:id="rId23"/>
+    <p:sldId id="481" r:id="rId24"/>
+    <p:sldId id="482" r:id="rId25"/>
+    <p:sldId id="465" r:id="rId26"/>
+    <p:sldId id="483" r:id="rId27"/>
+    <p:sldId id="467" r:id="rId28"/>
+    <p:sldId id="486" r:id="rId29"/>
+    <p:sldId id="487" r:id="rId30"/>
+    <p:sldId id="488" r:id="rId31"/>
+    <p:sldId id="471" r:id="rId32"/>
+    <p:sldId id="392" r:id="rId33"/>
+    <p:sldId id="454" r:id="rId34"/>
+    <p:sldId id="455" r:id="rId35"/>
+    <p:sldId id="456" r:id="rId36"/>
+    <p:sldId id="457" r:id="rId37"/>
+    <p:sldId id="458" r:id="rId38"/>
+    <p:sldId id="383" r:id="rId39"/>
+    <p:sldId id="502" r:id="rId40"/>
+    <p:sldId id="424" r:id="rId41"/>
+    <p:sldId id="401" r:id="rId42"/>
+    <p:sldId id="435" r:id="rId43"/>
+    <p:sldId id="436" r:id="rId44"/>
+    <p:sldId id="434" r:id="rId45"/>
+    <p:sldId id="406" r:id="rId46"/>
+    <p:sldId id="426" r:id="rId47"/>
+    <p:sldId id="427" r:id="rId48"/>
+    <p:sldId id="428" r:id="rId49"/>
+    <p:sldId id="429" r:id="rId50"/>
+    <p:sldId id="430" r:id="rId51"/>
+    <p:sldId id="431" r:id="rId52"/>
+    <p:sldId id="433" r:id="rId53"/>
+    <p:sldId id="408" r:id="rId54"/>
+    <p:sldId id="510" r:id="rId55"/>
+    <p:sldId id="512" r:id="rId56"/>
+    <p:sldId id="511" r:id="rId57"/>
+    <p:sldId id="490" r:id="rId58"/>
+    <p:sldId id="494" r:id="rId59"/>
+    <p:sldId id="495" r:id="rId60"/>
+    <p:sldId id="496" r:id="rId61"/>
+    <p:sldId id="497" r:id="rId62"/>
+    <p:sldId id="498" r:id="rId63"/>
+    <p:sldId id="499" r:id="rId64"/>
+    <p:sldId id="500" r:id="rId65"/>
+    <p:sldId id="521" r:id="rId66"/>
+    <p:sldId id="504" r:id="rId67"/>
+    <p:sldId id="506" r:id="rId68"/>
+    <p:sldId id="522" r:id="rId69"/>
+    <p:sldId id="509" r:id="rId70"/>
+    <p:sldId id="514" r:id="rId71"/>
+    <p:sldId id="417" r:id="rId72"/>
+    <p:sldId id="515" r:id="rId73"/>
+    <p:sldId id="523" r:id="rId74"/>
+    <p:sldId id="524" r:id="rId75"/>
+    <p:sldId id="520" r:id="rId76"/>
+    <p:sldId id="525" r:id="rId77"/>
+    <p:sldId id="503" r:id="rId78"/>
+    <p:sldId id="347" r:id="rId79"/>
   </p:sldIdLst>
   <p:sldSz cx="12192000" cy="6858000"/>
   <p:notesSz cx="6858000" cy="9144000"/>
@@ -783,7 +782,7 @@
           <a:p>
             <a:fld id="{767E557C-9E66-43F1-9F87-179A985BA47D}" type="slidenum">
               <a:rPr lang="en-US" smtClean="0"/>
-              <a:t>9</a:t>
+              <a:t>54</a:t>
             </a:fld>
             <a:endParaRPr lang="en-US" dirty="0"/>
           </a:p>
@@ -792,7 +791,7 @@
     </p:spTree>
     <p:extLst>
       <p:ext uri="{BB962C8B-B14F-4D97-AF65-F5344CB8AC3E}">
-        <p14:creationId xmlns:p14="http://schemas.microsoft.com/office/powerpoint/2010/main" val="528285089"/>
+        <p14:creationId xmlns:p14="http://schemas.microsoft.com/office/powerpoint/2010/main" val="1781452228"/>
       </p:ext>
     </p:extLst>
   </p:cSld>
@@ -867,7 +866,7 @@
           <a:p>
             <a:fld id="{767E557C-9E66-43F1-9F87-179A985BA47D}" type="slidenum">
               <a:rPr lang="en-US" smtClean="0"/>
-              <a:t>55</a:t>
+              <a:t>62</a:t>
             </a:fld>
             <a:endParaRPr lang="en-US" dirty="0"/>
           </a:p>
@@ -876,7 +875,7 @@
     </p:spTree>
     <p:extLst>
       <p:ext uri="{BB962C8B-B14F-4D97-AF65-F5344CB8AC3E}">
-        <p14:creationId xmlns:p14="http://schemas.microsoft.com/office/powerpoint/2010/main" val="1781452228"/>
+        <p14:creationId xmlns:p14="http://schemas.microsoft.com/office/powerpoint/2010/main" val="581682872"/>
       </p:ext>
     </p:extLst>
   </p:cSld>
@@ -951,7 +950,7 @@
           <a:p>
             <a:fld id="{767E557C-9E66-43F1-9F87-179A985BA47D}" type="slidenum">
               <a:rPr lang="en-US" smtClean="0"/>
-              <a:t>63</a:t>
+              <a:t>65</a:t>
             </a:fld>
             <a:endParaRPr lang="en-US" dirty="0"/>
           </a:p>
@@ -960,7 +959,7 @@
     </p:spTree>
     <p:extLst>
       <p:ext uri="{BB962C8B-B14F-4D97-AF65-F5344CB8AC3E}">
-        <p14:creationId xmlns:p14="http://schemas.microsoft.com/office/powerpoint/2010/main" val="581682872"/>
+        <p14:creationId xmlns:p14="http://schemas.microsoft.com/office/powerpoint/2010/main" val="3140092172"/>
       </p:ext>
     </p:extLst>
   </p:cSld>
@@ -1035,91 +1034,7 @@
           <a:p>
             <a:fld id="{767E557C-9E66-43F1-9F87-179A985BA47D}" type="slidenum">
               <a:rPr lang="en-US" smtClean="0"/>
-              <a:t>66</a:t>
-            </a:fld>
-            <a:endParaRPr lang="en-US" dirty="0"/>
-          </a:p>
-        </p:txBody>
-      </p:sp>
-    </p:spTree>
-    <p:extLst>
-      <p:ext uri="{BB962C8B-B14F-4D97-AF65-F5344CB8AC3E}">
-        <p14:creationId xmlns:p14="http://schemas.microsoft.com/office/powerpoint/2010/main" val="3140092172"/>
-      </p:ext>
-    </p:extLst>
-  </p:cSld>
-  <p:clrMapOvr>
-    <a:masterClrMapping/>
-  </p:clrMapOvr>
-</p:notes>
-</file>
-
-<file path=ppt/notesSlides/notesSlide5.xml><?xml version="1.0" encoding="utf-8"?>
-<p:notes xmlns:a="http://schemas.openxmlformats.org/drawingml/2006/main" xmlns:r="http://schemas.openxmlformats.org/officeDocument/2006/relationships" xmlns:p="http://schemas.openxmlformats.org/presentationml/2006/main">
-  <p:cSld>
-    <p:spTree>
-      <p:nvGrpSpPr>
-        <p:cNvPr id="1" name=""/>
-        <p:cNvGrpSpPr/>
-        <p:nvPr/>
-      </p:nvGrpSpPr>
-      <p:grpSpPr>
-        <a:xfrm>
-          <a:off x="0" y="0"/>
-          <a:ext cx="0" cy="0"/>
-          <a:chOff x="0" y="0"/>
-          <a:chExt cx="0" cy="0"/>
-        </a:xfrm>
-      </p:grpSpPr>
-      <p:sp>
-        <p:nvSpPr>
-          <p:cNvPr id="2" name="Slide Image Placeholder 1"/>
-          <p:cNvSpPr>
-            <a:spLocks noGrp="1" noRot="1" noChangeAspect="1"/>
-          </p:cNvSpPr>
-          <p:nvPr>
-            <p:ph type="sldImg"/>
-          </p:nvPr>
-        </p:nvSpPr>
-        <p:spPr/>
-      </p:sp>
-      <p:sp>
-        <p:nvSpPr>
-          <p:cNvPr id="3" name="Notes Placeholder 2"/>
-          <p:cNvSpPr>
-            <a:spLocks noGrp="1"/>
-          </p:cNvSpPr>
-          <p:nvPr>
-            <p:ph type="body" idx="1"/>
-          </p:nvPr>
-        </p:nvSpPr>
-        <p:spPr/>
-        <p:txBody>
-          <a:bodyPr/>
-          <a:lstStyle/>
-          <a:p>
-            <a:endParaRPr lang="en-US" dirty="0"/>
-          </a:p>
-        </p:txBody>
-      </p:sp>
-      <p:sp>
-        <p:nvSpPr>
-          <p:cNvPr id="4" name="Slide Number Placeholder 3"/>
-          <p:cNvSpPr>
-            <a:spLocks noGrp="1"/>
-          </p:cNvSpPr>
-          <p:nvPr>
-            <p:ph type="sldNum" sz="quarter" idx="10"/>
-          </p:nvPr>
-        </p:nvSpPr>
-        <p:spPr/>
-        <p:txBody>
-          <a:bodyPr/>
-          <a:lstStyle/>
-          <a:p>
-            <a:fld id="{767E557C-9E66-43F1-9F87-179A985BA47D}" type="slidenum">
-              <a:rPr lang="en-US" smtClean="0"/>
-              <a:t>72</a:t>
+              <a:t>71</a:t>
             </a:fld>
             <a:endParaRPr lang="en-US" dirty="0"/>
           </a:p>
@@ -5214,106 +5129,6 @@
   <p:cSld>
     <p:spTree>
       <p:nvGrpSpPr>
-        <p:cNvPr id="1" name=""/>
-        <p:cNvGrpSpPr/>
-        <p:nvPr/>
-      </p:nvGrpSpPr>
-      <p:grpSpPr>
-        <a:xfrm>
-          <a:off x="0" y="0"/>
-          <a:ext cx="0" cy="0"/>
-          <a:chOff x="0" y="0"/>
-          <a:chExt cx="0" cy="0"/>
-        </a:xfrm>
-      </p:grpSpPr>
-      <p:sp>
-        <p:nvSpPr>
-          <p:cNvPr id="3" name="Title 2"/>
-          <p:cNvSpPr>
-            <a:spLocks noGrp="1"/>
-          </p:cNvSpPr>
-          <p:nvPr>
-            <p:ph type="title"/>
-          </p:nvPr>
-        </p:nvSpPr>
-        <p:spPr/>
-        <p:txBody>
-          <a:bodyPr/>
-          <a:lstStyle/>
-          <a:p>
-            <a:r>
-              <a:rPr lang="en-US" dirty="0">
-                <a:solidFill>
-                  <a:schemeClr val="tx1"/>
-                </a:solidFill>
-              </a:rPr>
-              <a:t>Metadata</a:t>
-            </a:r>
-            <a:endParaRPr lang="en-US" dirty="0"/>
-          </a:p>
-        </p:txBody>
-      </p:sp>
-      <p:pic>
-        <p:nvPicPr>
-          <p:cNvPr id="1026" name="Picture 2" descr="Output image"/>
-          <p:cNvPicPr>
-            <a:picLocks noGrp="1" noChangeAspect="1" noChangeArrowheads="1"/>
-          </p:cNvPicPr>
-          <p:nvPr>
-            <p:ph idx="1"/>
-          </p:nvPr>
-        </p:nvPicPr>
-        <p:blipFill>
-          <a:blip r:embed="rId2">
-            <a:extLst>
-              <a:ext uri="{28A0092B-C50C-407E-A947-70E740481C1C}">
-                <a14:useLocalDpi xmlns:a14="http://schemas.microsoft.com/office/drawing/2010/main" val="0"/>
-              </a:ext>
-            </a:extLst>
-          </a:blip>
-          <a:srcRect/>
-          <a:stretch>
-            <a:fillRect/>
-          </a:stretch>
-        </p:blipFill>
-        <p:spPr bwMode="auto">
-          <a:xfrm>
-            <a:off x="1097280" y="2062064"/>
-            <a:ext cx="10058400" cy="3589121"/>
-          </a:xfrm>
-          <a:prstGeom prst="rect">
-            <a:avLst/>
-          </a:prstGeom>
-          <a:noFill/>
-          <a:extLst>
-            <a:ext uri="{909E8E84-426E-40DD-AFC4-6F175D3DCCD1}">
-              <a14:hiddenFill xmlns:a14="http://schemas.microsoft.com/office/drawing/2010/main">
-                <a:solidFill>
-                  <a:srgbClr val="FFFFFF"/>
-                </a:solidFill>
-              </a14:hiddenFill>
-            </a:ext>
-          </a:extLst>
-        </p:spPr>
-      </p:pic>
-    </p:spTree>
-    <p:extLst>
-      <p:ext uri="{BB962C8B-B14F-4D97-AF65-F5344CB8AC3E}">
-        <p14:creationId xmlns:p14="http://schemas.microsoft.com/office/powerpoint/2010/main" val="3042920637"/>
-      </p:ext>
-    </p:extLst>
-  </p:cSld>
-  <p:clrMapOvr>
-    <a:masterClrMapping/>
-  </p:clrMapOvr>
-</p:sld>
-</file>
-
-<file path=ppt/slides/slide11.xml><?xml version="1.0" encoding="utf-8"?>
-<p:sld xmlns:a="http://schemas.openxmlformats.org/drawingml/2006/main" xmlns:r="http://schemas.openxmlformats.org/officeDocument/2006/relationships" xmlns:p="http://schemas.openxmlformats.org/presentationml/2006/main">
-  <p:cSld>
-    <p:spTree>
-      <p:nvGrpSpPr>
         <p:cNvPr id="1" name="">
           <a:extLst>
             <a:ext uri="{FF2B5EF4-FFF2-40B4-BE49-F238E27FC236}">
@@ -5403,7 +5218,7 @@
 </p:sld>
 </file>
 
-<file path=ppt/slides/slide12.xml><?xml version="1.0" encoding="utf-8"?>
+<file path=ppt/slides/slide11.xml><?xml version="1.0" encoding="utf-8"?>
 <p:sld xmlns:a="http://schemas.openxmlformats.org/drawingml/2006/main" xmlns:r="http://schemas.openxmlformats.org/officeDocument/2006/relationships" xmlns:p="http://schemas.openxmlformats.org/presentationml/2006/main">
   <p:cSld>
     <p:spTree>
@@ -5479,7 +5294,7 @@
 </p:sld>
 </file>
 
-<file path=ppt/slides/slide13.xml><?xml version="1.0" encoding="utf-8"?>
+<file path=ppt/slides/slide12.xml><?xml version="1.0" encoding="utf-8"?>
 <p:sld xmlns:a="http://schemas.openxmlformats.org/drawingml/2006/main" xmlns:r="http://schemas.openxmlformats.org/officeDocument/2006/relationships" xmlns:p="http://schemas.openxmlformats.org/presentationml/2006/main">
   <p:cSld>
     <p:bg>
@@ -5651,7 +5466,7 @@
 </p:sld>
 </file>
 
-<file path=ppt/slides/slide14.xml><?xml version="1.0" encoding="utf-8"?>
+<file path=ppt/slides/slide13.xml><?xml version="1.0" encoding="utf-8"?>
 <p:sld xmlns:a="http://schemas.openxmlformats.org/drawingml/2006/main" xmlns:r="http://schemas.openxmlformats.org/officeDocument/2006/relationships" xmlns:p="http://schemas.openxmlformats.org/presentationml/2006/main">
   <p:cSld>
     <p:spTree>
@@ -5813,7 +5628,7 @@
 </p:sld>
 </file>
 
-<file path=ppt/slides/slide15.xml><?xml version="1.0" encoding="utf-8"?>
+<file path=ppt/slides/slide14.xml><?xml version="1.0" encoding="utf-8"?>
 <p:sld xmlns:a="http://schemas.openxmlformats.org/drawingml/2006/main" xmlns:r="http://schemas.openxmlformats.org/officeDocument/2006/relationships" xmlns:p="http://schemas.openxmlformats.org/presentationml/2006/main">
   <p:cSld>
     <p:spTree>
@@ -7310,7 +7125,7 @@
 </p:sld>
 </file>
 
-<file path=ppt/slides/slide16.xml><?xml version="1.0" encoding="utf-8"?>
+<file path=ppt/slides/slide15.xml><?xml version="1.0" encoding="utf-8"?>
 <p:sld xmlns:a="http://schemas.openxmlformats.org/drawingml/2006/main" xmlns:r="http://schemas.openxmlformats.org/officeDocument/2006/relationships" xmlns:p="http://schemas.openxmlformats.org/presentationml/2006/main">
   <p:cSld>
     <p:spTree>
@@ -8875,7 +8690,7 @@
 </p:sld>
 </file>
 
-<file path=ppt/slides/slide17.xml><?xml version="1.0" encoding="utf-8"?>
+<file path=ppt/slides/slide16.xml><?xml version="1.0" encoding="utf-8"?>
 <p:sld xmlns:a="http://schemas.openxmlformats.org/drawingml/2006/main" xmlns:r="http://schemas.openxmlformats.org/officeDocument/2006/relationships" xmlns:p="http://schemas.openxmlformats.org/presentationml/2006/main">
   <p:cSld>
     <p:spTree>
@@ -8968,7 +8783,7 @@
 </p:sld>
 </file>
 
-<file path=ppt/slides/slide18.xml><?xml version="1.0" encoding="utf-8"?>
+<file path=ppt/slides/slide17.xml><?xml version="1.0" encoding="utf-8"?>
 <p:sld xmlns:a="http://schemas.openxmlformats.org/drawingml/2006/main" xmlns:r="http://schemas.openxmlformats.org/officeDocument/2006/relationships" xmlns:p="http://schemas.openxmlformats.org/presentationml/2006/main">
   <p:cSld>
     <p:spTree>
@@ -9739,12 +9554,12 @@
                     <a:p>
                       <a:pPr algn="r" fontAlgn="ctr"/>
                       <a:r>
-                        <a:rPr lang="en-US" sz="1400" u="none" strike="noStrike">
+                        <a:rPr lang="en-US" sz="1400" u="none" strike="noStrike" dirty="0">
                           <a:effectLst/>
                         </a:rPr>
                         <a:t>1</a:t>
                       </a:r>
-                      <a:endParaRPr lang="en-US" sz="1400" b="0" i="0" u="none" strike="noStrike">
+                      <a:endParaRPr lang="en-US" sz="1400" b="0" i="0" u="none" strike="noStrike" dirty="0">
                         <a:solidFill>
                           <a:srgbClr val="000000"/>
                         </a:solidFill>
@@ -10029,12 +9844,12 @@
                     <a:p>
                       <a:pPr algn="r" fontAlgn="ctr"/>
                       <a:r>
-                        <a:rPr lang="en-US" sz="1400" u="none" strike="noStrike">
+                        <a:rPr lang="en-US" sz="1400" u="none" strike="noStrike" dirty="0">
                           <a:effectLst/>
                         </a:rPr>
                         <a:t>5001.5</a:t>
                       </a:r>
-                      <a:endParaRPr lang="en-US" sz="1400" b="0" i="0" u="none" strike="noStrike">
+                      <a:endParaRPr lang="en-US" sz="1400" b="0" i="0" u="none" strike="noStrike" dirty="0">
                         <a:solidFill>
                           <a:srgbClr val="000000"/>
                         </a:solidFill>
@@ -10481,7 +10296,7 @@
 </p:sld>
 </file>
 
-<file path=ppt/slides/slide19.xml><?xml version="1.0" encoding="utf-8"?>
+<file path=ppt/slides/slide18.xml><?xml version="1.0" encoding="utf-8"?>
 <p:sld xmlns:a="http://schemas.openxmlformats.org/drawingml/2006/main" xmlns:r="http://schemas.openxmlformats.org/officeDocument/2006/relationships" xmlns:p="http://schemas.openxmlformats.org/presentationml/2006/main">
   <p:cSld>
     <p:spTree>
@@ -11946,6 +11761,178 @@
     <p:extLst>
       <p:ext uri="{BB962C8B-B14F-4D97-AF65-F5344CB8AC3E}">
         <p14:creationId xmlns:p14="http://schemas.microsoft.com/office/powerpoint/2010/main" val="3752414210"/>
+      </p:ext>
+    </p:extLst>
+  </p:cSld>
+  <p:clrMapOvr>
+    <a:masterClrMapping/>
+  </p:clrMapOvr>
+</p:sld>
+</file>
+
+<file path=ppt/slides/slide19.xml><?xml version="1.0" encoding="utf-8"?>
+<p:sld xmlns:a="http://schemas.openxmlformats.org/drawingml/2006/main" xmlns:r="http://schemas.openxmlformats.org/officeDocument/2006/relationships" xmlns:p="http://schemas.openxmlformats.org/presentationml/2006/main">
+  <p:cSld>
+    <p:spTree>
+      <p:nvGrpSpPr>
+        <p:cNvPr id="1" name=""/>
+        <p:cNvGrpSpPr/>
+        <p:nvPr/>
+      </p:nvGrpSpPr>
+      <p:grpSpPr>
+        <a:xfrm>
+          <a:off x="0" y="0"/>
+          <a:ext cx="0" cy="0"/>
+          <a:chOff x="0" y="0"/>
+          <a:chExt cx="0" cy="0"/>
+        </a:xfrm>
+      </p:grpSpPr>
+      <p:pic>
+        <p:nvPicPr>
+          <p:cNvPr id="16" name="Picture Placeholder 15">
+            <a:extLst>
+              <a:ext uri="{FF2B5EF4-FFF2-40B4-BE49-F238E27FC236}">
+                <a16:creationId xmlns:a16="http://schemas.microsoft.com/office/drawing/2014/main" id="{23243FEB-9C4F-9365-DB10-0F9D4649BD0E}"/>
+              </a:ext>
+            </a:extLst>
+          </p:cNvPr>
+          <p:cNvPicPr>
+            <a:picLocks noGrp="1" noChangeAspect="1"/>
+          </p:cNvPicPr>
+          <p:nvPr>
+            <p:ph type="pic" sz="quarter" idx="13"/>
+          </p:nvPr>
+        </p:nvPicPr>
+        <p:blipFill>
+          <a:blip r:embed="rId2"/>
+          <a:srcRect l="2161" r="2161"/>
+          <a:stretch>
+            <a:fillRect/>
+          </a:stretch>
+        </p:blipFill>
+        <p:spPr>
+          <a:xfrm>
+            <a:off x="2066925" y="2163763"/>
+            <a:ext cx="2390775" cy="2919412"/>
+          </a:xfrm>
+          <a:prstGeom prst="rect">
+            <a:avLst/>
+          </a:prstGeom>
+        </p:spPr>
+      </p:pic>
+      <p:sp>
+        <p:nvSpPr>
+          <p:cNvPr id="5" name="Text Placeholder 4"/>
+          <p:cNvSpPr>
+            <a:spLocks noGrp="1"/>
+          </p:cNvSpPr>
+          <p:nvPr>
+            <p:ph type="body" sz="half" idx="2"/>
+          </p:nvPr>
+        </p:nvSpPr>
+        <p:spPr>
+          <a:xfrm>
+            <a:off x="1097279" y="5257321"/>
+            <a:ext cx="4723229" cy="583534"/>
+          </a:xfrm>
+        </p:spPr>
+        <p:txBody>
+          <a:bodyPr/>
+          <a:lstStyle/>
+          <a:p>
+            <a:r>
+              <a:rPr lang="en-US" dirty="0"/>
+              <a:t>Credit Score</a:t>
+            </a:r>
+          </a:p>
+        </p:txBody>
+      </p:sp>
+      <p:sp>
+        <p:nvSpPr>
+          <p:cNvPr id="7" name="Text Placeholder 6"/>
+          <p:cNvSpPr>
+            <a:spLocks noGrp="1"/>
+          </p:cNvSpPr>
+          <p:nvPr>
+            <p:ph type="body" sz="half" idx="17"/>
+          </p:nvPr>
+        </p:nvSpPr>
+        <p:spPr>
+          <a:xfrm>
+            <a:off x="5934809" y="5257321"/>
+            <a:ext cx="5220872" cy="583534"/>
+          </a:xfrm>
+        </p:spPr>
+        <p:txBody>
+          <a:bodyPr/>
+          <a:lstStyle/>
+          <a:p>
+            <a:r>
+              <a:rPr lang="en-US" dirty="0"/>
+              <a:t>Age</a:t>
+            </a:r>
+          </a:p>
+        </p:txBody>
+      </p:sp>
+      <p:sp>
+        <p:nvSpPr>
+          <p:cNvPr id="8" name="Title 7"/>
+          <p:cNvSpPr>
+            <a:spLocks noGrp="1"/>
+          </p:cNvSpPr>
+          <p:nvPr>
+            <p:ph type="title"/>
+          </p:nvPr>
+        </p:nvSpPr>
+        <p:spPr/>
+        <p:txBody>
+          <a:bodyPr/>
+          <a:lstStyle/>
+          <a:p>
+            <a:r>
+              <a:rPr lang="en-US" dirty="0"/>
+              <a:t>Box Plot</a:t>
+            </a:r>
+          </a:p>
+        </p:txBody>
+      </p:sp>
+      <p:pic>
+        <p:nvPicPr>
+          <p:cNvPr id="17" name="Picture Placeholder 16">
+            <a:extLst>
+              <a:ext uri="{FF2B5EF4-FFF2-40B4-BE49-F238E27FC236}">
+                <a16:creationId xmlns:a16="http://schemas.microsoft.com/office/drawing/2014/main" id="{19B6A04E-9C25-3760-3414-AE3DF52D426B}"/>
+              </a:ext>
+            </a:extLst>
+          </p:cNvPr>
+          <p:cNvPicPr>
+            <a:picLocks noGrp="1" noChangeAspect="1"/>
+          </p:cNvPicPr>
+          <p:nvPr>
+            <p:ph type="pic" sz="quarter" idx="15"/>
+          </p:nvPr>
+        </p:nvPicPr>
+        <p:blipFill>
+          <a:blip r:embed="rId3"/>
+          <a:srcRect l="1533" r="1533"/>
+          <a:stretch>
+            <a:fillRect/>
+          </a:stretch>
+        </p:blipFill>
+        <p:spPr>
+          <a:xfrm>
+            <a:off x="7350125" y="2163763"/>
+            <a:ext cx="2390775" cy="2919412"/>
+          </a:xfrm>
+          <a:prstGeom prst="rect">
+            <a:avLst/>
+          </a:prstGeom>
+        </p:spPr>
+      </p:pic>
+    </p:spTree>
+    <p:extLst>
+      <p:ext uri="{BB962C8B-B14F-4D97-AF65-F5344CB8AC3E}">
+        <p14:creationId xmlns:p14="http://schemas.microsoft.com/office/powerpoint/2010/main" val="1963092243"/>
       </p:ext>
     </p:extLst>
   </p:cSld>
@@ -12399,178 +12386,6 @@
       </p:grpSpPr>
       <p:pic>
         <p:nvPicPr>
-          <p:cNvPr id="16" name="Picture Placeholder 15">
-            <a:extLst>
-              <a:ext uri="{FF2B5EF4-FFF2-40B4-BE49-F238E27FC236}">
-                <a16:creationId xmlns:a16="http://schemas.microsoft.com/office/drawing/2014/main" id="{23243FEB-9C4F-9365-DB10-0F9D4649BD0E}"/>
-              </a:ext>
-            </a:extLst>
-          </p:cNvPr>
-          <p:cNvPicPr>
-            <a:picLocks noGrp="1" noChangeAspect="1"/>
-          </p:cNvPicPr>
-          <p:nvPr>
-            <p:ph type="pic" sz="quarter" idx="13"/>
-          </p:nvPr>
-        </p:nvPicPr>
-        <p:blipFill>
-          <a:blip r:embed="rId2"/>
-          <a:srcRect l="2161" r="2161"/>
-          <a:stretch>
-            <a:fillRect/>
-          </a:stretch>
-        </p:blipFill>
-        <p:spPr>
-          <a:xfrm>
-            <a:off x="2066925" y="2163763"/>
-            <a:ext cx="2390775" cy="2919412"/>
-          </a:xfrm>
-          <a:prstGeom prst="rect">
-            <a:avLst/>
-          </a:prstGeom>
-        </p:spPr>
-      </p:pic>
-      <p:sp>
-        <p:nvSpPr>
-          <p:cNvPr id="5" name="Text Placeholder 4"/>
-          <p:cNvSpPr>
-            <a:spLocks noGrp="1"/>
-          </p:cNvSpPr>
-          <p:nvPr>
-            <p:ph type="body" sz="half" idx="2"/>
-          </p:nvPr>
-        </p:nvSpPr>
-        <p:spPr>
-          <a:xfrm>
-            <a:off x="1097279" y="5257321"/>
-            <a:ext cx="4723229" cy="583534"/>
-          </a:xfrm>
-        </p:spPr>
-        <p:txBody>
-          <a:bodyPr/>
-          <a:lstStyle/>
-          <a:p>
-            <a:r>
-              <a:rPr lang="en-US" dirty="0"/>
-              <a:t>Credit Score</a:t>
-            </a:r>
-          </a:p>
-        </p:txBody>
-      </p:sp>
-      <p:sp>
-        <p:nvSpPr>
-          <p:cNvPr id="7" name="Text Placeholder 6"/>
-          <p:cNvSpPr>
-            <a:spLocks noGrp="1"/>
-          </p:cNvSpPr>
-          <p:nvPr>
-            <p:ph type="body" sz="half" idx="17"/>
-          </p:nvPr>
-        </p:nvSpPr>
-        <p:spPr>
-          <a:xfrm>
-            <a:off x="5934809" y="5257321"/>
-            <a:ext cx="5220872" cy="583534"/>
-          </a:xfrm>
-        </p:spPr>
-        <p:txBody>
-          <a:bodyPr/>
-          <a:lstStyle/>
-          <a:p>
-            <a:r>
-              <a:rPr lang="en-US" dirty="0"/>
-              <a:t>Age</a:t>
-            </a:r>
-          </a:p>
-        </p:txBody>
-      </p:sp>
-      <p:sp>
-        <p:nvSpPr>
-          <p:cNvPr id="8" name="Title 7"/>
-          <p:cNvSpPr>
-            <a:spLocks noGrp="1"/>
-          </p:cNvSpPr>
-          <p:nvPr>
-            <p:ph type="title"/>
-          </p:nvPr>
-        </p:nvSpPr>
-        <p:spPr/>
-        <p:txBody>
-          <a:bodyPr/>
-          <a:lstStyle/>
-          <a:p>
-            <a:r>
-              <a:rPr lang="en-US" dirty="0"/>
-              <a:t>Box Plot</a:t>
-            </a:r>
-          </a:p>
-        </p:txBody>
-      </p:sp>
-      <p:pic>
-        <p:nvPicPr>
-          <p:cNvPr id="17" name="Picture Placeholder 16">
-            <a:extLst>
-              <a:ext uri="{FF2B5EF4-FFF2-40B4-BE49-F238E27FC236}">
-                <a16:creationId xmlns:a16="http://schemas.microsoft.com/office/drawing/2014/main" id="{19B6A04E-9C25-3760-3414-AE3DF52D426B}"/>
-              </a:ext>
-            </a:extLst>
-          </p:cNvPr>
-          <p:cNvPicPr>
-            <a:picLocks noGrp="1" noChangeAspect="1"/>
-          </p:cNvPicPr>
-          <p:nvPr>
-            <p:ph type="pic" sz="quarter" idx="15"/>
-          </p:nvPr>
-        </p:nvPicPr>
-        <p:blipFill>
-          <a:blip r:embed="rId3"/>
-          <a:srcRect l="1533" r="1533"/>
-          <a:stretch>
-            <a:fillRect/>
-          </a:stretch>
-        </p:blipFill>
-        <p:spPr>
-          <a:xfrm>
-            <a:off x="7350125" y="2163763"/>
-            <a:ext cx="2390775" cy="2919412"/>
-          </a:xfrm>
-          <a:prstGeom prst="rect">
-            <a:avLst/>
-          </a:prstGeom>
-        </p:spPr>
-      </p:pic>
-    </p:spTree>
-    <p:extLst>
-      <p:ext uri="{BB962C8B-B14F-4D97-AF65-F5344CB8AC3E}">
-        <p14:creationId xmlns:p14="http://schemas.microsoft.com/office/powerpoint/2010/main" val="1963092243"/>
-      </p:ext>
-    </p:extLst>
-  </p:cSld>
-  <p:clrMapOvr>
-    <a:masterClrMapping/>
-  </p:clrMapOvr>
-</p:sld>
-</file>
-
-<file path=ppt/slides/slide21.xml><?xml version="1.0" encoding="utf-8"?>
-<p:sld xmlns:a="http://schemas.openxmlformats.org/drawingml/2006/main" xmlns:r="http://schemas.openxmlformats.org/officeDocument/2006/relationships" xmlns:p="http://schemas.openxmlformats.org/presentationml/2006/main">
-  <p:cSld>
-    <p:spTree>
-      <p:nvGrpSpPr>
-        <p:cNvPr id="1" name=""/>
-        <p:cNvGrpSpPr/>
-        <p:nvPr/>
-      </p:nvGrpSpPr>
-      <p:grpSpPr>
-        <a:xfrm>
-          <a:off x="0" y="0"/>
-          <a:ext cx="0" cy="0"/>
-          <a:chOff x="0" y="0"/>
-          <a:chExt cx="0" cy="0"/>
-        </a:xfrm>
-      </p:grpSpPr>
-      <p:pic>
-        <p:nvPicPr>
           <p:cNvPr id="13" name="Picture Placeholder 12">
             <a:extLst>
               <a:ext uri="{FF2B5EF4-FFF2-40B4-BE49-F238E27FC236}">
@@ -12724,7 +12539,7 @@
 </p:sld>
 </file>
 
-<file path=ppt/slides/slide22.xml><?xml version="1.0" encoding="utf-8"?>
+<file path=ppt/slides/slide21.xml><?xml version="1.0" encoding="utf-8"?>
 <p:sld xmlns:a="http://schemas.openxmlformats.org/drawingml/2006/main" xmlns:r="http://schemas.openxmlformats.org/officeDocument/2006/relationships" xmlns:p="http://schemas.openxmlformats.org/presentationml/2006/main">
   <p:cSld>
     <p:spTree>
@@ -12896,7 +12711,7 @@
 </p:sld>
 </file>
 
-<file path=ppt/slides/slide23.xml><?xml version="1.0" encoding="utf-8"?>
+<file path=ppt/slides/slide22.xml><?xml version="1.0" encoding="utf-8"?>
 <p:sld xmlns:a="http://schemas.openxmlformats.org/drawingml/2006/main" xmlns:r="http://schemas.openxmlformats.org/officeDocument/2006/relationships" xmlns:p="http://schemas.openxmlformats.org/presentationml/2006/main">
   <p:cSld>
     <p:spTree>
@@ -13106,7 +12921,7 @@
 </p:sld>
 </file>
 
-<file path=ppt/slides/slide24.xml><?xml version="1.0" encoding="utf-8"?>
+<file path=ppt/slides/slide23.xml><?xml version="1.0" encoding="utf-8"?>
 <p:sld xmlns:a="http://schemas.openxmlformats.org/drawingml/2006/main" xmlns:r="http://schemas.openxmlformats.org/officeDocument/2006/relationships" xmlns:p="http://schemas.openxmlformats.org/presentationml/2006/main">
   <p:cSld>
     <p:spTree>
@@ -13332,7 +13147,7 @@
 </p:sld>
 </file>
 
-<file path=ppt/slides/slide25.xml><?xml version="1.0" encoding="utf-8"?>
+<file path=ppt/slides/slide24.xml><?xml version="1.0" encoding="utf-8"?>
 <p:sld xmlns:a="http://schemas.openxmlformats.org/drawingml/2006/main" xmlns:r="http://schemas.openxmlformats.org/officeDocument/2006/relationships" xmlns:p="http://schemas.openxmlformats.org/presentationml/2006/main">
   <p:cSld>
     <p:spTree>
@@ -16062,7 +15877,7 @@
 </p:sld>
 </file>
 
-<file path=ppt/slides/slide26.xml><?xml version="1.0" encoding="utf-8"?>
+<file path=ppt/slides/slide25.xml><?xml version="1.0" encoding="utf-8"?>
 <p:sld xmlns:a="http://schemas.openxmlformats.org/drawingml/2006/main" xmlns:r="http://schemas.openxmlformats.org/officeDocument/2006/relationships" xmlns:p="http://schemas.openxmlformats.org/presentationml/2006/main">
   <p:cSld>
     <p:spTree>
@@ -16839,12 +16654,12 @@
                     <a:p>
                       <a:pPr algn="r" fontAlgn="b"/>
                       <a:r>
-                        <a:rPr lang="en-US" sz="1200" u="none" strike="noStrike">
+                        <a:rPr lang="en-US" sz="1200" u="none" strike="noStrike" dirty="0">
                           <a:effectLst/>
                         </a:rPr>
                         <a:t>2</a:t>
                       </a:r>
-                      <a:endParaRPr lang="en-US" sz="1200" b="0" i="0" u="none" strike="noStrike">
+                      <a:endParaRPr lang="en-US" sz="1200" b="0" i="0" u="none" strike="noStrike" dirty="0">
                         <a:solidFill>
                           <a:srgbClr val="000000"/>
                         </a:solidFill>
@@ -16991,12 +16806,12 @@
                     <a:p>
                       <a:pPr algn="r" fontAlgn="b"/>
                       <a:r>
-                        <a:rPr lang="en-US" sz="1200" u="none" strike="noStrike">
+                        <a:rPr lang="en-US" sz="1200" u="none" strike="noStrike" dirty="0">
                           <a:effectLst/>
                         </a:rPr>
                         <a:t>3</a:t>
                       </a:r>
-                      <a:endParaRPr lang="en-US" sz="1200" b="0" i="0" u="none" strike="noStrike">
+                      <a:endParaRPr lang="en-US" sz="1200" b="0" i="0" u="none" strike="noStrike" dirty="0">
                         <a:solidFill>
                           <a:srgbClr val="000000"/>
                         </a:solidFill>
@@ -17143,12 +16958,12 @@
                     <a:p>
                       <a:pPr algn="r" fontAlgn="b"/>
                       <a:r>
-                        <a:rPr lang="en-US" sz="1200" u="none" strike="noStrike">
+                        <a:rPr lang="en-US" sz="1200" u="none" strike="noStrike" dirty="0">
                           <a:effectLst/>
                         </a:rPr>
                         <a:t>4</a:t>
                       </a:r>
-                      <a:endParaRPr lang="en-US" sz="1200" b="0" i="0" u="none" strike="noStrike">
+                      <a:endParaRPr lang="en-US" sz="1200" b="0" i="0" u="none" strike="noStrike" dirty="0">
                         <a:solidFill>
                           <a:srgbClr val="000000"/>
                         </a:solidFill>
@@ -17219,12 +17034,12 @@
                     <a:p>
                       <a:pPr algn="r" fontAlgn="b"/>
                       <a:r>
-                        <a:rPr lang="en-US" sz="1200" u="none" strike="noStrike">
+                        <a:rPr lang="en-US" sz="1200" u="none" strike="noStrike" dirty="0">
                           <a:effectLst/>
                         </a:rPr>
                         <a:t>4</a:t>
                       </a:r>
-                      <a:endParaRPr lang="en-US" sz="1200" b="0" i="0" u="none" strike="noStrike">
+                      <a:endParaRPr lang="en-US" sz="1200" b="0" i="0" u="none" strike="noStrike" dirty="0">
                         <a:solidFill>
                           <a:srgbClr val="000000"/>
                         </a:solidFill>
@@ -17295,12 +17110,12 @@
                     <a:p>
                       <a:pPr algn="r" fontAlgn="b"/>
                       <a:r>
-                        <a:rPr lang="en-US" sz="1200" u="none" strike="noStrike">
+                        <a:rPr lang="en-US" sz="1200" u="none" strike="noStrike" dirty="0">
                           <a:effectLst/>
                         </a:rPr>
                         <a:t>5</a:t>
                       </a:r>
-                      <a:endParaRPr lang="en-US" sz="1200" b="0" i="0" u="none" strike="noStrike">
+                      <a:endParaRPr lang="en-US" sz="1200" b="0" i="0" u="none" strike="noStrike" dirty="0">
                         <a:solidFill>
                           <a:srgbClr val="000000"/>
                         </a:solidFill>
@@ -17371,12 +17186,12 @@
                     <a:p>
                       <a:pPr algn="r" fontAlgn="b"/>
                       <a:r>
-                        <a:rPr lang="en-US" sz="1200" u="none" strike="noStrike">
+                        <a:rPr lang="en-US" sz="1200" u="none" strike="noStrike" dirty="0">
                           <a:effectLst/>
                         </a:rPr>
                         <a:t>11</a:t>
                       </a:r>
-                      <a:endParaRPr lang="en-US" sz="1200" b="0" i="0" u="none" strike="noStrike">
+                      <a:endParaRPr lang="en-US" sz="1200" b="0" i="0" u="none" strike="noStrike" dirty="0">
                         <a:solidFill>
                           <a:srgbClr val="000000"/>
                         </a:solidFill>
@@ -17523,12 +17338,12 @@
                     <a:p>
                       <a:pPr algn="r" fontAlgn="b"/>
                       <a:r>
-                        <a:rPr lang="en-US" sz="1200" u="none" strike="noStrike">
+                        <a:rPr lang="en-US" sz="1200" u="none" strike="noStrike" dirty="0">
                           <a:effectLst/>
                         </a:rPr>
                         <a:t>73</a:t>
                       </a:r>
-                      <a:endParaRPr lang="en-US" sz="1200" b="0" i="0" u="none" strike="noStrike">
+                      <a:endParaRPr lang="en-US" sz="1200" b="0" i="0" u="none" strike="noStrike" dirty="0">
                         <a:solidFill>
                           <a:srgbClr val="000000"/>
                         </a:solidFill>
@@ -17599,12 +17414,12 @@
                     <a:p>
                       <a:pPr algn="r" fontAlgn="b"/>
                       <a:r>
-                        <a:rPr lang="en-US" sz="1200" u="none" strike="noStrike">
+                        <a:rPr lang="en-US" sz="1200" u="none" strike="noStrike" dirty="0">
                           <a:effectLst/>
                         </a:rPr>
                         <a:t>460</a:t>
                       </a:r>
-                      <a:endParaRPr lang="en-US" sz="1200" b="0" i="0" u="none" strike="noStrike">
+                      <a:endParaRPr lang="en-US" sz="1200" b="0" i="0" u="none" strike="noStrike" dirty="0">
                         <a:solidFill>
                           <a:srgbClr val="000000"/>
                         </a:solidFill>
@@ -17675,12 +17490,12 @@
                     <a:p>
                       <a:pPr algn="r" fontAlgn="b"/>
                       <a:r>
-                        <a:rPr lang="en-US" sz="1200" u="none" strike="noStrike">
+                        <a:rPr lang="en-US" sz="1200" u="none" strike="noStrike" dirty="0">
                           <a:effectLst/>
                         </a:rPr>
                         <a:t>6379</a:t>
                       </a:r>
-                      <a:endParaRPr lang="en-US" sz="1200" b="0" i="0" u="none" strike="noStrike">
+                      <a:endParaRPr lang="en-US" sz="1200" b="0" i="0" u="none" strike="noStrike" dirty="0">
                         <a:solidFill>
                           <a:srgbClr val="000000"/>
                         </a:solidFill>
@@ -17751,12 +17566,12 @@
                     <a:p>
                       <a:pPr algn="r" fontAlgn="b"/>
                       <a:r>
-                        <a:rPr lang="en-US" sz="1200" u="none" strike="noStrike">
+                        <a:rPr lang="en-US" sz="1200" u="none" strike="noStrike" dirty="0">
                           <a:effectLst/>
                         </a:rPr>
                         <a:t>9995</a:t>
                       </a:r>
-                      <a:endParaRPr lang="en-US" sz="1200" b="0" i="0" u="none" strike="noStrike">
+                      <a:endParaRPr lang="en-US" sz="1200" b="0" i="0" u="none" strike="noStrike" dirty="0">
                         <a:solidFill>
                           <a:srgbClr val="000000"/>
                         </a:solidFill>
@@ -17813,7 +17628,7 @@
 </p:sld>
 </file>
 
-<file path=ppt/slides/slide27.xml><?xml version="1.0" encoding="utf-8"?>
+<file path=ppt/slides/slide26.xml><?xml version="1.0" encoding="utf-8"?>
 <p:sld xmlns:a="http://schemas.openxmlformats.org/drawingml/2006/main" xmlns:r="http://schemas.openxmlformats.org/officeDocument/2006/relationships" xmlns:p="http://schemas.openxmlformats.org/presentationml/2006/main">
   <p:cSld>
     <p:spTree>
@@ -19772,7 +19587,7 @@
 </p:sld>
 </file>
 
-<file path=ppt/slides/slide28.xml><?xml version="1.0" encoding="utf-8"?>
+<file path=ppt/slides/slide27.xml><?xml version="1.0" encoding="utf-8"?>
 <p:sld xmlns:a="http://schemas.openxmlformats.org/drawingml/2006/main" xmlns:r="http://schemas.openxmlformats.org/officeDocument/2006/relationships" xmlns:p="http://schemas.openxmlformats.org/presentationml/2006/main">
   <p:cSld>
     <p:spTree>
@@ -21753,7 +21568,7 @@
 </p:sld>
 </file>
 
-<file path=ppt/slides/slide29.xml><?xml version="1.0" encoding="utf-8"?>
+<file path=ppt/slides/slide28.xml><?xml version="1.0" encoding="utf-8"?>
 <p:sld xmlns:a="http://schemas.openxmlformats.org/drawingml/2006/main" xmlns:r="http://schemas.openxmlformats.org/officeDocument/2006/relationships" xmlns:p="http://schemas.openxmlformats.org/presentationml/2006/main">
   <p:cSld>
     <p:spTree>
@@ -21855,6 +21670,82 @@
     <p:extLst>
       <p:ext uri="{BB962C8B-B14F-4D97-AF65-F5344CB8AC3E}">
         <p14:creationId xmlns:p14="http://schemas.microsoft.com/office/powerpoint/2010/main" val="1041358674"/>
+      </p:ext>
+    </p:extLst>
+  </p:cSld>
+  <p:clrMapOvr>
+    <a:masterClrMapping/>
+  </p:clrMapOvr>
+</p:sld>
+</file>
+
+<file path=ppt/slides/slide29.xml><?xml version="1.0" encoding="utf-8"?>
+<p:sld xmlns:a="http://schemas.openxmlformats.org/drawingml/2006/main" xmlns:r="http://schemas.openxmlformats.org/officeDocument/2006/relationships" xmlns:p="http://schemas.openxmlformats.org/presentationml/2006/main">
+  <p:cSld>
+    <p:spTree>
+      <p:nvGrpSpPr>
+        <p:cNvPr id="1" name=""/>
+        <p:cNvGrpSpPr/>
+        <p:nvPr/>
+      </p:nvGrpSpPr>
+      <p:grpSpPr>
+        <a:xfrm>
+          <a:off x="0" y="0"/>
+          <a:ext cx="0" cy="0"/>
+          <a:chOff x="0" y="0"/>
+          <a:chExt cx="0" cy="0"/>
+        </a:xfrm>
+      </p:grpSpPr>
+      <p:sp>
+        <p:nvSpPr>
+          <p:cNvPr id="4" name="Title 3"/>
+          <p:cNvSpPr>
+            <a:spLocks noGrp="1"/>
+          </p:cNvSpPr>
+          <p:nvPr>
+            <p:ph type="ctrTitle"/>
+          </p:nvPr>
+        </p:nvSpPr>
+        <p:spPr/>
+        <p:txBody>
+          <a:bodyPr/>
+          <a:lstStyle/>
+          <a:p>
+            <a:pPr algn="ctr"/>
+            <a:r>
+              <a:rPr lang="en-US" dirty="0"/>
+              <a:t>Eda</a:t>
+            </a:r>
+          </a:p>
+        </p:txBody>
+      </p:sp>
+      <p:sp>
+        <p:nvSpPr>
+          <p:cNvPr id="5" name="Subtitle 4"/>
+          <p:cNvSpPr>
+            <a:spLocks noGrp="1"/>
+          </p:cNvSpPr>
+          <p:nvPr>
+            <p:ph type="subTitle" idx="1"/>
+          </p:nvPr>
+        </p:nvSpPr>
+        <p:spPr/>
+        <p:txBody>
+          <a:bodyPr/>
+          <a:lstStyle/>
+          <a:p>
+            <a:pPr algn="ctr"/>
+            <a:r>
+              <a:rPr lang="en-US" dirty="0"/>
+              <a:t>Exploratory Data Analysis</a:t>
+            </a:r>
+          </a:p>
+        </p:txBody>
+      </p:sp>
+    </p:spTree>
+    <p:extLst>
+      <p:ext uri="{BB962C8B-B14F-4D97-AF65-F5344CB8AC3E}">
+        <p14:creationId xmlns:p14="http://schemas.microsoft.com/office/powerpoint/2010/main" val="3407163315"/>
       </p:ext>
     </p:extLst>
   </p:cSld>
@@ -22157,82 +22048,6 @@
       </p:grpSpPr>
       <p:sp>
         <p:nvSpPr>
-          <p:cNvPr id="4" name="Title 3"/>
-          <p:cNvSpPr>
-            <a:spLocks noGrp="1"/>
-          </p:cNvSpPr>
-          <p:nvPr>
-            <p:ph type="ctrTitle"/>
-          </p:nvPr>
-        </p:nvSpPr>
-        <p:spPr/>
-        <p:txBody>
-          <a:bodyPr/>
-          <a:lstStyle/>
-          <a:p>
-            <a:pPr algn="ctr"/>
-            <a:r>
-              <a:rPr lang="en-US" dirty="0"/>
-              <a:t>Eda</a:t>
-            </a:r>
-          </a:p>
-        </p:txBody>
-      </p:sp>
-      <p:sp>
-        <p:nvSpPr>
-          <p:cNvPr id="5" name="Subtitle 4"/>
-          <p:cNvSpPr>
-            <a:spLocks noGrp="1"/>
-          </p:cNvSpPr>
-          <p:nvPr>
-            <p:ph type="subTitle" idx="1"/>
-          </p:nvPr>
-        </p:nvSpPr>
-        <p:spPr/>
-        <p:txBody>
-          <a:bodyPr/>
-          <a:lstStyle/>
-          <a:p>
-            <a:pPr algn="ctr"/>
-            <a:r>
-              <a:rPr lang="en-US" dirty="0"/>
-              <a:t>Exploratory Data Analysis</a:t>
-            </a:r>
-          </a:p>
-        </p:txBody>
-      </p:sp>
-    </p:spTree>
-    <p:extLst>
-      <p:ext uri="{BB962C8B-B14F-4D97-AF65-F5344CB8AC3E}">
-        <p14:creationId xmlns:p14="http://schemas.microsoft.com/office/powerpoint/2010/main" val="3407163315"/>
-      </p:ext>
-    </p:extLst>
-  </p:cSld>
-  <p:clrMapOvr>
-    <a:masterClrMapping/>
-  </p:clrMapOvr>
-</p:sld>
-</file>
-
-<file path=ppt/slides/slide31.xml><?xml version="1.0" encoding="utf-8"?>
-<p:sld xmlns:a="http://schemas.openxmlformats.org/drawingml/2006/main" xmlns:r="http://schemas.openxmlformats.org/officeDocument/2006/relationships" xmlns:p="http://schemas.openxmlformats.org/presentationml/2006/main">
-  <p:cSld>
-    <p:spTree>
-      <p:nvGrpSpPr>
-        <p:cNvPr id="1" name=""/>
-        <p:cNvGrpSpPr/>
-        <p:nvPr/>
-      </p:nvGrpSpPr>
-      <p:grpSpPr>
-        <a:xfrm>
-          <a:off x="0" y="0"/>
-          <a:ext cx="0" cy="0"/>
-          <a:chOff x="0" y="0"/>
-          <a:chExt cx="0" cy="0"/>
-        </a:xfrm>
-      </p:grpSpPr>
-      <p:sp>
-        <p:nvSpPr>
           <p:cNvPr id="9" name="Title 8">
             <a:extLst>
               <a:ext uri="{FF2B5EF4-FFF2-40B4-BE49-F238E27FC236}">
@@ -22403,7 +22218,7 @@
 </p:sld>
 </file>
 
-<file path=ppt/slides/slide32.xml><?xml version="1.0" encoding="utf-8"?>
+<file path=ppt/slides/slide31.xml><?xml version="1.0" encoding="utf-8"?>
 <p:sld xmlns:a="http://schemas.openxmlformats.org/drawingml/2006/main" xmlns:r="http://schemas.openxmlformats.org/officeDocument/2006/relationships" xmlns:p="http://schemas.openxmlformats.org/presentationml/2006/main">
   <p:cSld>
     <p:spTree>
@@ -22592,7 +22407,7 @@
 </p:sld>
 </file>
 
-<file path=ppt/slides/slide33.xml><?xml version="1.0" encoding="utf-8"?>
+<file path=ppt/slides/slide32.xml><?xml version="1.0" encoding="utf-8"?>
 <p:sld xmlns:a="http://schemas.openxmlformats.org/drawingml/2006/main" xmlns:r="http://schemas.openxmlformats.org/officeDocument/2006/relationships" xmlns:p="http://schemas.openxmlformats.org/presentationml/2006/main">
   <p:cSld>
     <p:spTree>
@@ -22779,7 +22594,7 @@
 </p:sld>
 </file>
 
-<file path=ppt/slides/slide34.xml><?xml version="1.0" encoding="utf-8"?>
+<file path=ppt/slides/slide33.xml><?xml version="1.0" encoding="utf-8"?>
 <p:sld xmlns:a="http://schemas.openxmlformats.org/drawingml/2006/main" xmlns:r="http://schemas.openxmlformats.org/officeDocument/2006/relationships" xmlns:p="http://schemas.openxmlformats.org/presentationml/2006/main">
   <p:cSld>
     <p:spTree>
@@ -22971,7 +22786,7 @@
 </p:sld>
 </file>
 
-<file path=ppt/slides/slide35.xml><?xml version="1.0" encoding="utf-8"?>
+<file path=ppt/slides/slide34.xml><?xml version="1.0" encoding="utf-8"?>
 <p:sld xmlns:a="http://schemas.openxmlformats.org/drawingml/2006/main" xmlns:r="http://schemas.openxmlformats.org/officeDocument/2006/relationships" xmlns:p="http://schemas.openxmlformats.org/presentationml/2006/main">
   <p:cSld>
     <p:spTree>
@@ -23158,7 +22973,7 @@
 </p:sld>
 </file>
 
-<file path=ppt/slides/slide36.xml><?xml version="1.0" encoding="utf-8"?>
+<file path=ppt/slides/slide35.xml><?xml version="1.0" encoding="utf-8"?>
 <p:sld xmlns:a="http://schemas.openxmlformats.org/drawingml/2006/main" xmlns:r="http://schemas.openxmlformats.org/officeDocument/2006/relationships" xmlns:p="http://schemas.openxmlformats.org/presentationml/2006/main">
   <p:cSld>
     <p:spTree>
@@ -23309,7 +23124,7 @@
 </p:sld>
 </file>
 
-<file path=ppt/slides/slide37.xml><?xml version="1.0" encoding="utf-8"?>
+<file path=ppt/slides/slide36.xml><?xml version="1.0" encoding="utf-8"?>
 <p:sld xmlns:a="http://schemas.openxmlformats.org/drawingml/2006/main" xmlns:r="http://schemas.openxmlformats.org/officeDocument/2006/relationships" xmlns:p="http://schemas.openxmlformats.org/presentationml/2006/main">
   <p:cSld>
     <p:spTree>
@@ -24023,7 +23838,7 @@
                     <a:p>
                       <a:pPr algn="l" fontAlgn="ctr"/>
                       <a:r>
-                        <a:rPr lang="en-US" sz="1100" u="none" strike="noStrike">
+                        <a:rPr lang="en-US" sz="1100" u="none" strike="noStrike" dirty="0">
                           <a:effectLst/>
                         </a:rPr>
                         <a:t>✅ Keep</a:t>
@@ -24980,7 +24795,7 @@
 </p:sld>
 </file>
 
-<file path=ppt/slides/slide38.xml><?xml version="1.0" encoding="utf-8"?>
+<file path=ppt/slides/slide37.xml><?xml version="1.0" encoding="utf-8"?>
 <p:sld xmlns:a="http://schemas.openxmlformats.org/drawingml/2006/main" xmlns:r="http://schemas.openxmlformats.org/officeDocument/2006/relationships" xmlns:p="http://schemas.openxmlformats.org/presentationml/2006/main">
   <p:cSld>
     <p:spTree>
@@ -25033,7 +24848,7 @@
 </p:sld>
 </file>
 
-<file path=ppt/slides/slide39.xml><?xml version="1.0" encoding="utf-8"?>
+<file path=ppt/slides/slide38.xml><?xml version="1.0" encoding="utf-8"?>
 <p:sld xmlns:a="http://schemas.openxmlformats.org/drawingml/2006/main" xmlns:r="http://schemas.openxmlformats.org/officeDocument/2006/relationships" xmlns:p="http://schemas.openxmlformats.org/presentationml/2006/main">
   <p:cSld>
     <p:spTree>
@@ -25087,60 +24902,7 @@
 </p:sld>
 </file>
 
-<file path=ppt/slides/slide4.xml><?xml version="1.0" encoding="utf-8"?>
-<p:sld xmlns:a="http://schemas.openxmlformats.org/drawingml/2006/main" xmlns:r="http://schemas.openxmlformats.org/officeDocument/2006/relationships" xmlns:p="http://schemas.openxmlformats.org/presentationml/2006/main">
-  <p:cSld>
-    <p:spTree>
-      <p:nvGrpSpPr>
-        <p:cNvPr id="1" name=""/>
-        <p:cNvGrpSpPr/>
-        <p:nvPr/>
-      </p:nvGrpSpPr>
-      <p:grpSpPr>
-        <a:xfrm>
-          <a:off x="0" y="0"/>
-          <a:ext cx="0" cy="0"/>
-          <a:chOff x="0" y="0"/>
-          <a:chExt cx="0" cy="0"/>
-        </a:xfrm>
-      </p:grpSpPr>
-      <p:sp>
-        <p:nvSpPr>
-          <p:cNvPr id="4" name="Title 3"/>
-          <p:cNvSpPr>
-            <a:spLocks noGrp="1"/>
-          </p:cNvSpPr>
-          <p:nvPr>
-            <p:ph type="ctrTitle"/>
-          </p:nvPr>
-        </p:nvSpPr>
-        <p:spPr/>
-        <p:txBody>
-          <a:bodyPr/>
-          <a:lstStyle/>
-          <a:p>
-            <a:pPr algn="ctr"/>
-            <a:r>
-              <a:rPr lang="en-US" dirty="0"/>
-              <a:t>Introduction</a:t>
-            </a:r>
-          </a:p>
-        </p:txBody>
-      </p:sp>
-    </p:spTree>
-    <p:extLst>
-      <p:ext uri="{BB962C8B-B14F-4D97-AF65-F5344CB8AC3E}">
-        <p14:creationId xmlns:p14="http://schemas.microsoft.com/office/powerpoint/2010/main" val="3436539167"/>
-      </p:ext>
-    </p:extLst>
-  </p:cSld>
-  <p:clrMapOvr>
-    <a:masterClrMapping/>
-  </p:clrMapOvr>
-</p:sld>
-</file>
-
-<file path=ppt/slides/slide40.xml><?xml version="1.0" encoding="utf-8"?>
+<file path=ppt/slides/slide39.xml><?xml version="1.0" encoding="utf-8"?>
 <p:sld xmlns:a="http://schemas.openxmlformats.org/drawingml/2006/main" xmlns:r="http://schemas.openxmlformats.org/officeDocument/2006/relationships" xmlns:p="http://schemas.openxmlformats.org/presentationml/2006/main">
   <p:cSld>
     <p:spTree>
@@ -25305,7 +25067,60 @@
 </p:sld>
 </file>
 
-<file path=ppt/slides/slide41.xml><?xml version="1.0" encoding="utf-8"?>
+<file path=ppt/slides/slide4.xml><?xml version="1.0" encoding="utf-8"?>
+<p:sld xmlns:a="http://schemas.openxmlformats.org/drawingml/2006/main" xmlns:r="http://schemas.openxmlformats.org/officeDocument/2006/relationships" xmlns:p="http://schemas.openxmlformats.org/presentationml/2006/main">
+  <p:cSld>
+    <p:spTree>
+      <p:nvGrpSpPr>
+        <p:cNvPr id="1" name=""/>
+        <p:cNvGrpSpPr/>
+        <p:nvPr/>
+      </p:nvGrpSpPr>
+      <p:grpSpPr>
+        <a:xfrm>
+          <a:off x="0" y="0"/>
+          <a:ext cx="0" cy="0"/>
+          <a:chOff x="0" y="0"/>
+          <a:chExt cx="0" cy="0"/>
+        </a:xfrm>
+      </p:grpSpPr>
+      <p:sp>
+        <p:nvSpPr>
+          <p:cNvPr id="4" name="Title 3"/>
+          <p:cNvSpPr>
+            <a:spLocks noGrp="1"/>
+          </p:cNvSpPr>
+          <p:nvPr>
+            <p:ph type="ctrTitle"/>
+          </p:nvPr>
+        </p:nvSpPr>
+        <p:spPr/>
+        <p:txBody>
+          <a:bodyPr/>
+          <a:lstStyle/>
+          <a:p>
+            <a:pPr algn="ctr"/>
+            <a:r>
+              <a:rPr lang="en-US" dirty="0"/>
+              <a:t>Introduction</a:t>
+            </a:r>
+          </a:p>
+        </p:txBody>
+      </p:sp>
+    </p:spTree>
+    <p:extLst>
+      <p:ext uri="{BB962C8B-B14F-4D97-AF65-F5344CB8AC3E}">
+        <p14:creationId xmlns:p14="http://schemas.microsoft.com/office/powerpoint/2010/main" val="3436539167"/>
+      </p:ext>
+    </p:extLst>
+  </p:cSld>
+  <p:clrMapOvr>
+    <a:masterClrMapping/>
+  </p:clrMapOvr>
+</p:sld>
+</file>
+
+<file path=ppt/slides/slide40.xml><?xml version="1.0" encoding="utf-8"?>
 <p:sld xmlns:a="http://schemas.openxmlformats.org/drawingml/2006/main" xmlns:r="http://schemas.openxmlformats.org/officeDocument/2006/relationships" xmlns:p="http://schemas.openxmlformats.org/presentationml/2006/main">
   <p:cSld>
     <p:spTree>
@@ -25455,7 +25270,7 @@
 </p:sld>
 </file>
 
-<file path=ppt/slides/slide42.xml><?xml version="1.0" encoding="utf-8"?>
+<file path=ppt/slides/slide41.xml><?xml version="1.0" encoding="utf-8"?>
 <p:sld xmlns:a="http://schemas.openxmlformats.org/drawingml/2006/main" xmlns:r="http://schemas.openxmlformats.org/officeDocument/2006/relationships" xmlns:p="http://schemas.openxmlformats.org/presentationml/2006/main">
   <p:cSld>
     <p:spTree>
@@ -25539,7 +25354,7 @@
 </p:sld>
 </file>
 
-<file path=ppt/slides/slide43.xml><?xml version="1.0" encoding="utf-8"?>
+<file path=ppt/slides/slide42.xml><?xml version="1.0" encoding="utf-8"?>
 <p:sld xmlns:a="http://schemas.openxmlformats.org/drawingml/2006/main" xmlns:r="http://schemas.openxmlformats.org/officeDocument/2006/relationships" xmlns:p="http://schemas.openxmlformats.org/presentationml/2006/main">
   <p:cSld>
     <p:spTree>
@@ -26883,7 +26698,7 @@
 </p:sld>
 </file>
 
-<file path=ppt/slides/slide44.xml><?xml version="1.0" encoding="utf-8"?>
+<file path=ppt/slides/slide43.xml><?xml version="1.0" encoding="utf-8"?>
 <p:sld xmlns:a="http://schemas.openxmlformats.org/drawingml/2006/main" xmlns:r="http://schemas.openxmlformats.org/officeDocument/2006/relationships" xmlns:p="http://schemas.openxmlformats.org/presentationml/2006/main">
   <p:cSld>
     <p:spTree>
@@ -28227,7 +28042,7 @@
 </p:sld>
 </file>
 
-<file path=ppt/slides/slide45.xml><?xml version="1.0" encoding="utf-8"?>
+<file path=ppt/slides/slide44.xml><?xml version="1.0" encoding="utf-8"?>
 <p:sld xmlns:a="http://schemas.openxmlformats.org/drawingml/2006/main" xmlns:r="http://schemas.openxmlformats.org/officeDocument/2006/relationships" xmlns:p="http://schemas.openxmlformats.org/presentationml/2006/main">
   <p:cSld>
     <p:spTree>
@@ -29270,7 +29085,7 @@
 </p:sld>
 </file>
 
-<file path=ppt/slides/slide46.xml><?xml version="1.0" encoding="utf-8"?>
+<file path=ppt/slides/slide45.xml><?xml version="1.0" encoding="utf-8"?>
 <p:sld xmlns:a="http://schemas.openxmlformats.org/drawingml/2006/main" xmlns:r="http://schemas.openxmlformats.org/officeDocument/2006/relationships" xmlns:p="http://schemas.openxmlformats.org/presentationml/2006/main">
   <p:cSld>
     <p:spTree>
@@ -31655,7 +31470,7 @@
 </p:sld>
 </file>
 
-<file path=ppt/slides/slide47.xml><?xml version="1.0" encoding="utf-8"?>
+<file path=ppt/slides/slide46.xml><?xml version="1.0" encoding="utf-8"?>
 <p:sld xmlns:a="http://schemas.openxmlformats.org/drawingml/2006/main" xmlns:r="http://schemas.openxmlformats.org/officeDocument/2006/relationships" xmlns:p="http://schemas.openxmlformats.org/presentationml/2006/main">
   <p:cSld>
     <p:spTree>
@@ -35171,7 +34986,7 @@
 </p:sld>
 </file>
 
-<file path=ppt/slides/slide48.xml><?xml version="1.0" encoding="utf-8"?>
+<file path=ppt/slides/slide47.xml><?xml version="1.0" encoding="utf-8"?>
 <p:sld xmlns:a="http://schemas.openxmlformats.org/drawingml/2006/main" xmlns:r="http://schemas.openxmlformats.org/officeDocument/2006/relationships" xmlns:p="http://schemas.openxmlformats.org/presentationml/2006/main">
   <p:cSld>
     <p:spTree>
@@ -36894,7 +36709,7 @@
 </p:sld>
 </file>
 
-<file path=ppt/slides/slide49.xml><?xml version="1.0" encoding="utf-8"?>
+<file path=ppt/slides/slide48.xml><?xml version="1.0" encoding="utf-8"?>
 <p:sld xmlns:a="http://schemas.openxmlformats.org/drawingml/2006/main" xmlns:r="http://schemas.openxmlformats.org/officeDocument/2006/relationships" xmlns:p="http://schemas.openxmlformats.org/presentationml/2006/main">
   <p:cSld>
     <p:spTree>
@@ -37929,6 +37744,1050 @@
     <p:extLst>
       <p:ext uri="{BB962C8B-B14F-4D97-AF65-F5344CB8AC3E}">
         <p14:creationId xmlns:p14="http://schemas.microsoft.com/office/powerpoint/2010/main" val="2503330609"/>
+      </p:ext>
+    </p:extLst>
+  </p:cSld>
+  <p:clrMapOvr>
+    <a:masterClrMapping/>
+  </p:clrMapOvr>
+</p:sld>
+</file>
+
+<file path=ppt/slides/slide49.xml><?xml version="1.0" encoding="utf-8"?>
+<p:sld xmlns:a="http://schemas.openxmlformats.org/drawingml/2006/main" xmlns:r="http://schemas.openxmlformats.org/officeDocument/2006/relationships" xmlns:p="http://schemas.openxmlformats.org/presentationml/2006/main">
+  <p:cSld>
+    <p:spTree>
+      <p:nvGrpSpPr>
+        <p:cNvPr id="1" name=""/>
+        <p:cNvGrpSpPr/>
+        <p:nvPr/>
+      </p:nvGrpSpPr>
+      <p:grpSpPr>
+        <a:xfrm>
+          <a:off x="0" y="0"/>
+          <a:ext cx="0" cy="0"/>
+          <a:chOff x="0" y="0"/>
+          <a:chExt cx="0" cy="0"/>
+        </a:xfrm>
+      </p:grpSpPr>
+      <p:sp>
+        <p:nvSpPr>
+          <p:cNvPr id="3" name="Title 2"/>
+          <p:cNvSpPr>
+            <a:spLocks noGrp="1"/>
+          </p:cNvSpPr>
+          <p:nvPr>
+            <p:ph type="title"/>
+          </p:nvPr>
+        </p:nvSpPr>
+        <p:spPr/>
+        <p:txBody>
+          <a:bodyPr/>
+          <a:lstStyle/>
+          <a:p>
+            <a:r>
+              <a:rPr lang="en-US" b="1" dirty="0"/>
+              <a:t>Customer Activity</a:t>
+            </a:r>
+            <a:endParaRPr lang="en-US" dirty="0"/>
+          </a:p>
+        </p:txBody>
+      </p:sp>
+      <p:graphicFrame>
+        <p:nvGraphicFramePr>
+          <p:cNvPr id="5" name="Table 4"/>
+          <p:cNvGraphicFramePr>
+            <a:graphicFrameLocks noGrp="1"/>
+          </p:cNvGraphicFramePr>
+          <p:nvPr>
+            <p:extLst>
+              <p:ext uri="{D42A27DB-BD31-4B8C-83A1-F6EECF244321}">
+                <p14:modId xmlns:p14="http://schemas.microsoft.com/office/powerpoint/2010/main" val="3900487541"/>
+              </p:ext>
+            </p:extLst>
+          </p:nvPr>
+        </p:nvGraphicFramePr>
+        <p:xfrm>
+          <a:off x="1096963" y="2281655"/>
+          <a:ext cx="4767505" cy="1595752"/>
+        </p:xfrm>
+        <a:graphic>
+          <a:graphicData uri="http://schemas.openxmlformats.org/drawingml/2006/table">
+            <a:tbl>
+              <a:tblPr firstRow="1" firstCol="1" bandRow="1"/>
+              <a:tblGrid>
+                <a:gridCol w="2888155">
+                  <a:extLst>
+                    <a:ext uri="{9D8B030D-6E8A-4147-A177-3AD203B41FA5}">
+                      <a16:colId xmlns:a16="http://schemas.microsoft.com/office/drawing/2014/main" val="1133598743"/>
+                    </a:ext>
+                  </a:extLst>
+                </a:gridCol>
+                <a:gridCol w="871500">
+                  <a:extLst>
+                    <a:ext uri="{9D8B030D-6E8A-4147-A177-3AD203B41FA5}">
+                      <a16:colId xmlns:a16="http://schemas.microsoft.com/office/drawing/2014/main" val="3378607610"/>
+                    </a:ext>
+                  </a:extLst>
+                </a:gridCol>
+                <a:gridCol w="1007850">
+                  <a:extLst>
+                    <a:ext uri="{9D8B030D-6E8A-4147-A177-3AD203B41FA5}">
+                      <a16:colId xmlns:a16="http://schemas.microsoft.com/office/drawing/2014/main" val="4003640810"/>
+                    </a:ext>
+                  </a:extLst>
+                </a:gridCol>
+              </a:tblGrid>
+              <a:tr h="398938">
+                <a:tc>
+                  <a:txBody>
+                    <a:bodyPr/>
+                    <a:lstStyle/>
+                    <a:p>
+                      <a:pPr marL="0" marR="0" algn="ctr">
+                        <a:lnSpc>
+                          <a:spcPct val="107000"/>
+                        </a:lnSpc>
+                        <a:spcBef>
+                          <a:spcPts val="0"/>
+                        </a:spcBef>
+                        <a:spcAft>
+                          <a:spcPts val="0"/>
+                        </a:spcAft>
+                      </a:pPr>
+                      <a:r>
+                        <a:rPr lang="en-US" sz="1200" dirty="0">
+                          <a:effectLst/>
+                          <a:latin typeface="Calibri" panose="020F0502020204030204" pitchFamily="34" charset="0"/>
+                          <a:ea typeface="Calibri" panose="020F0502020204030204" pitchFamily="34" charset="0"/>
+                          <a:cs typeface="Arial" panose="020B0604020202020204" pitchFamily="34" charset="0"/>
+                        </a:rPr>
+                        <a:t> </a:t>
+                      </a:r>
+                      <a:endParaRPr lang="en-US" sz="1100" dirty="0">
+                        <a:effectLst/>
+                        <a:latin typeface="Calibri" panose="020F0502020204030204" pitchFamily="34" charset="0"/>
+                        <a:ea typeface="Calibri" panose="020F0502020204030204" pitchFamily="34" charset="0"/>
+                        <a:cs typeface="Arial" panose="020B0604020202020204" pitchFamily="34" charset="0"/>
+                      </a:endParaRPr>
+                    </a:p>
+                  </a:txBody>
+                  <a:tcPr marL="68580" marR="68580" marT="0" marB="0" anchor="ctr">
+                    <a:lnL w="12700" cap="flat" cmpd="sng" algn="ctr">
+                      <a:solidFill>
+                        <a:srgbClr val="BFBFBF"/>
+                      </a:solidFill>
+                      <a:prstDash val="solid"/>
+                      <a:round/>
+                      <a:headEnd type="none" w="med" len="med"/>
+                      <a:tailEnd type="none" w="med" len="med"/>
+                    </a:lnL>
+                    <a:lnR w="12700" cap="flat" cmpd="sng" algn="ctr">
+                      <a:solidFill>
+                        <a:srgbClr val="BFBFBF"/>
+                      </a:solidFill>
+                      <a:prstDash val="solid"/>
+                      <a:round/>
+                      <a:headEnd type="none" w="med" len="med"/>
+                      <a:tailEnd type="none" w="med" len="med"/>
+                    </a:lnR>
+                    <a:lnT w="12700" cap="flat" cmpd="sng" algn="ctr">
+                      <a:solidFill>
+                        <a:srgbClr val="BFBFBF"/>
+                      </a:solidFill>
+                      <a:prstDash val="solid"/>
+                      <a:round/>
+                      <a:headEnd type="none" w="med" len="med"/>
+                      <a:tailEnd type="none" w="med" len="med"/>
+                    </a:lnT>
+                    <a:lnB w="12700" cap="flat" cmpd="sng" algn="ctr">
+                      <a:solidFill>
+                        <a:srgbClr val="BFBFBF"/>
+                      </a:solidFill>
+                      <a:prstDash val="solid"/>
+                      <a:round/>
+                      <a:headEnd type="none" w="med" len="med"/>
+                      <a:tailEnd type="none" w="med" len="med"/>
+                    </a:lnB>
+                  </a:tcPr>
+                </a:tc>
+                <a:tc>
+                  <a:txBody>
+                    <a:bodyPr/>
+                    <a:lstStyle/>
+                    <a:p>
+                      <a:pPr marL="0" marR="0" algn="ctr">
+                        <a:lnSpc>
+                          <a:spcPct val="107000"/>
+                        </a:lnSpc>
+                        <a:spcBef>
+                          <a:spcPts val="0"/>
+                        </a:spcBef>
+                        <a:spcAft>
+                          <a:spcPts val="0"/>
+                        </a:spcAft>
+                      </a:pPr>
+                      <a:r>
+                        <a:rPr lang="en-US" sz="1200" b="1" dirty="0">
+                          <a:effectLst/>
+                          <a:latin typeface="Calibri" panose="020F0502020204030204" pitchFamily="34" charset="0"/>
+                          <a:ea typeface="Calibri" panose="020F0502020204030204" pitchFamily="34" charset="0"/>
+                          <a:cs typeface="Arial" panose="020B0604020202020204" pitchFamily="34" charset="0"/>
+                        </a:rPr>
+                        <a:t>Active</a:t>
+                      </a:r>
+                      <a:endParaRPr lang="en-US" sz="1100" dirty="0">
+                        <a:effectLst/>
+                        <a:latin typeface="Calibri" panose="020F0502020204030204" pitchFamily="34" charset="0"/>
+                        <a:ea typeface="Calibri" panose="020F0502020204030204" pitchFamily="34" charset="0"/>
+                        <a:cs typeface="Arial" panose="020B0604020202020204" pitchFamily="34" charset="0"/>
+                      </a:endParaRPr>
+                    </a:p>
+                  </a:txBody>
+                  <a:tcPr marL="68580" marR="68580" marT="0" marB="0" anchor="ctr">
+                    <a:lnL w="12700" cap="flat" cmpd="sng" algn="ctr">
+                      <a:solidFill>
+                        <a:srgbClr val="BFBFBF"/>
+                      </a:solidFill>
+                      <a:prstDash val="solid"/>
+                      <a:round/>
+                      <a:headEnd type="none" w="med" len="med"/>
+                      <a:tailEnd type="none" w="med" len="med"/>
+                    </a:lnL>
+                    <a:lnR w="12700" cap="flat" cmpd="sng" algn="ctr">
+                      <a:solidFill>
+                        <a:srgbClr val="BFBFBF"/>
+                      </a:solidFill>
+                      <a:prstDash val="solid"/>
+                      <a:round/>
+                      <a:headEnd type="none" w="med" len="med"/>
+                      <a:tailEnd type="none" w="med" len="med"/>
+                    </a:lnR>
+                    <a:lnT w="12700" cap="flat" cmpd="sng" algn="ctr">
+                      <a:solidFill>
+                        <a:srgbClr val="BFBFBF"/>
+                      </a:solidFill>
+                      <a:prstDash val="solid"/>
+                      <a:round/>
+                      <a:headEnd type="none" w="med" len="med"/>
+                      <a:tailEnd type="none" w="med" len="med"/>
+                    </a:lnT>
+                    <a:lnB w="12700" cap="flat" cmpd="sng" algn="ctr">
+                      <a:solidFill>
+                        <a:srgbClr val="BFBFBF"/>
+                      </a:solidFill>
+                      <a:prstDash val="solid"/>
+                      <a:round/>
+                      <a:headEnd type="none" w="med" len="med"/>
+                      <a:tailEnd type="none" w="med" len="med"/>
+                    </a:lnB>
+                  </a:tcPr>
+                </a:tc>
+                <a:tc>
+                  <a:txBody>
+                    <a:bodyPr/>
+                    <a:lstStyle/>
+                    <a:p>
+                      <a:pPr marL="0" marR="0" algn="ctr">
+                        <a:lnSpc>
+                          <a:spcPct val="107000"/>
+                        </a:lnSpc>
+                        <a:spcBef>
+                          <a:spcPts val="0"/>
+                        </a:spcBef>
+                        <a:spcAft>
+                          <a:spcPts val="0"/>
+                        </a:spcAft>
+                      </a:pPr>
+                      <a:r>
+                        <a:rPr lang="en-US" sz="1200" b="1">
+                          <a:effectLst/>
+                          <a:latin typeface="Calibri" panose="020F0502020204030204" pitchFamily="34" charset="0"/>
+                          <a:ea typeface="Calibri" panose="020F0502020204030204" pitchFamily="34" charset="0"/>
+                          <a:cs typeface="Arial" panose="020B0604020202020204" pitchFamily="34" charset="0"/>
+                        </a:rPr>
+                        <a:t>Inactive</a:t>
+                      </a:r>
+                      <a:endParaRPr lang="en-US" sz="1100">
+                        <a:effectLst/>
+                        <a:latin typeface="Calibri" panose="020F0502020204030204" pitchFamily="34" charset="0"/>
+                        <a:ea typeface="Calibri" panose="020F0502020204030204" pitchFamily="34" charset="0"/>
+                        <a:cs typeface="Arial" panose="020B0604020202020204" pitchFamily="34" charset="0"/>
+                      </a:endParaRPr>
+                    </a:p>
+                  </a:txBody>
+                  <a:tcPr marL="68580" marR="68580" marT="0" marB="0" anchor="ctr">
+                    <a:lnL w="12700" cap="flat" cmpd="sng" algn="ctr">
+                      <a:solidFill>
+                        <a:srgbClr val="BFBFBF"/>
+                      </a:solidFill>
+                      <a:prstDash val="solid"/>
+                      <a:round/>
+                      <a:headEnd type="none" w="med" len="med"/>
+                      <a:tailEnd type="none" w="med" len="med"/>
+                    </a:lnL>
+                    <a:lnR w="12700" cap="flat" cmpd="sng" algn="ctr">
+                      <a:solidFill>
+                        <a:srgbClr val="BFBFBF"/>
+                      </a:solidFill>
+                      <a:prstDash val="solid"/>
+                      <a:round/>
+                      <a:headEnd type="none" w="med" len="med"/>
+                      <a:tailEnd type="none" w="med" len="med"/>
+                    </a:lnR>
+                    <a:lnT w="12700" cap="flat" cmpd="sng" algn="ctr">
+                      <a:solidFill>
+                        <a:srgbClr val="BFBFBF"/>
+                      </a:solidFill>
+                      <a:prstDash val="solid"/>
+                      <a:round/>
+                      <a:headEnd type="none" w="med" len="med"/>
+                      <a:tailEnd type="none" w="med" len="med"/>
+                    </a:lnT>
+                    <a:lnB w="12700" cap="flat" cmpd="sng" algn="ctr">
+                      <a:solidFill>
+                        <a:srgbClr val="BFBFBF"/>
+                      </a:solidFill>
+                      <a:prstDash val="solid"/>
+                      <a:round/>
+                      <a:headEnd type="none" w="med" len="med"/>
+                      <a:tailEnd type="none" w="med" len="med"/>
+                    </a:lnB>
+                  </a:tcPr>
+                </a:tc>
+                <a:extLst>
+                  <a:ext uri="{0D108BD9-81ED-4DB2-BD59-A6C34878D82A}">
+                    <a16:rowId xmlns:a16="http://schemas.microsoft.com/office/drawing/2014/main" val="2946242688"/>
+                  </a:ext>
+                </a:extLst>
+              </a:tr>
+              <a:tr h="398938">
+                <a:tc>
+                  <a:txBody>
+                    <a:bodyPr/>
+                    <a:lstStyle/>
+                    <a:p>
+                      <a:pPr marL="0" marR="0">
+                        <a:lnSpc>
+                          <a:spcPct val="107000"/>
+                        </a:lnSpc>
+                        <a:spcBef>
+                          <a:spcPts val="0"/>
+                        </a:spcBef>
+                        <a:spcAft>
+                          <a:spcPts val="0"/>
+                        </a:spcAft>
+                      </a:pPr>
+                      <a:r>
+                        <a:rPr lang="en-US" sz="1200" b="1" dirty="0">
+                          <a:effectLst/>
+                          <a:latin typeface="Calibri" panose="020F0502020204030204" pitchFamily="34" charset="0"/>
+                          <a:ea typeface="Calibri" panose="020F0502020204030204" pitchFamily="34" charset="0"/>
+                          <a:cs typeface="Arial" panose="020B0604020202020204" pitchFamily="34" charset="0"/>
+                        </a:rPr>
+                        <a:t>Total Customers</a:t>
+                      </a:r>
+                      <a:endParaRPr lang="en-US" sz="1100" dirty="0">
+                        <a:effectLst/>
+                        <a:latin typeface="Calibri" panose="020F0502020204030204" pitchFamily="34" charset="0"/>
+                        <a:ea typeface="Calibri" panose="020F0502020204030204" pitchFamily="34" charset="0"/>
+                        <a:cs typeface="Arial" panose="020B0604020202020204" pitchFamily="34" charset="0"/>
+                      </a:endParaRPr>
+                    </a:p>
+                  </a:txBody>
+                  <a:tcPr marL="68580" marR="68580" marT="0" marB="0" anchor="ctr">
+                    <a:lnL w="12700" cap="flat" cmpd="sng" algn="ctr">
+                      <a:solidFill>
+                        <a:srgbClr val="BFBFBF"/>
+                      </a:solidFill>
+                      <a:prstDash val="solid"/>
+                      <a:round/>
+                      <a:headEnd type="none" w="med" len="med"/>
+                      <a:tailEnd type="none" w="med" len="med"/>
+                    </a:lnL>
+                    <a:lnR w="12700" cap="flat" cmpd="sng" algn="ctr">
+                      <a:solidFill>
+                        <a:srgbClr val="BFBFBF"/>
+                      </a:solidFill>
+                      <a:prstDash val="solid"/>
+                      <a:round/>
+                      <a:headEnd type="none" w="med" len="med"/>
+                      <a:tailEnd type="none" w="med" len="med"/>
+                    </a:lnR>
+                    <a:lnT w="12700" cap="flat" cmpd="sng" algn="ctr">
+                      <a:solidFill>
+                        <a:srgbClr val="BFBFBF"/>
+                      </a:solidFill>
+                      <a:prstDash val="solid"/>
+                      <a:round/>
+                      <a:headEnd type="none" w="med" len="med"/>
+                      <a:tailEnd type="none" w="med" len="med"/>
+                    </a:lnT>
+                    <a:lnB w="12700" cap="flat" cmpd="sng" algn="ctr">
+                      <a:solidFill>
+                        <a:srgbClr val="BFBFBF"/>
+                      </a:solidFill>
+                      <a:prstDash val="solid"/>
+                      <a:round/>
+                      <a:headEnd type="none" w="med" len="med"/>
+                      <a:tailEnd type="none" w="med" len="med"/>
+                    </a:lnB>
+                    <a:solidFill>
+                      <a:srgbClr val="F2F2F2"/>
+                    </a:solidFill>
+                  </a:tcPr>
+                </a:tc>
+                <a:tc>
+                  <a:txBody>
+                    <a:bodyPr/>
+                    <a:lstStyle/>
+                    <a:p>
+                      <a:pPr marL="0" marR="0" algn="ctr">
+                        <a:lnSpc>
+                          <a:spcPct val="107000"/>
+                        </a:lnSpc>
+                        <a:spcBef>
+                          <a:spcPts val="0"/>
+                        </a:spcBef>
+                        <a:spcAft>
+                          <a:spcPts val="0"/>
+                        </a:spcAft>
+                      </a:pPr>
+                      <a:r>
+                        <a:rPr lang="en-US" sz="1200" dirty="0">
+                          <a:effectLst/>
+                          <a:latin typeface="Calibri" panose="020F0502020204030204" pitchFamily="34" charset="0"/>
+                          <a:ea typeface="Calibri" panose="020F0502020204030204" pitchFamily="34" charset="0"/>
+                          <a:cs typeface="Arial" panose="020B0604020202020204" pitchFamily="34" charset="0"/>
+                        </a:rPr>
+                        <a:t>5147</a:t>
+                      </a:r>
+                      <a:endParaRPr lang="en-US" sz="1100" dirty="0">
+                        <a:effectLst/>
+                        <a:latin typeface="Calibri" panose="020F0502020204030204" pitchFamily="34" charset="0"/>
+                        <a:ea typeface="Calibri" panose="020F0502020204030204" pitchFamily="34" charset="0"/>
+                        <a:cs typeface="Arial" panose="020B0604020202020204" pitchFamily="34" charset="0"/>
+                      </a:endParaRPr>
+                    </a:p>
+                  </a:txBody>
+                  <a:tcPr marL="68580" marR="68580" marT="0" marB="0" anchor="ctr">
+                    <a:lnL w="12700" cap="flat" cmpd="sng" algn="ctr">
+                      <a:solidFill>
+                        <a:srgbClr val="BFBFBF"/>
+                      </a:solidFill>
+                      <a:prstDash val="solid"/>
+                      <a:round/>
+                      <a:headEnd type="none" w="med" len="med"/>
+                      <a:tailEnd type="none" w="med" len="med"/>
+                    </a:lnL>
+                    <a:lnR w="12700" cap="flat" cmpd="sng" algn="ctr">
+                      <a:solidFill>
+                        <a:srgbClr val="BFBFBF"/>
+                      </a:solidFill>
+                      <a:prstDash val="solid"/>
+                      <a:round/>
+                      <a:headEnd type="none" w="med" len="med"/>
+                      <a:tailEnd type="none" w="med" len="med"/>
+                    </a:lnR>
+                    <a:lnT w="12700" cap="flat" cmpd="sng" algn="ctr">
+                      <a:solidFill>
+                        <a:srgbClr val="BFBFBF"/>
+                      </a:solidFill>
+                      <a:prstDash val="solid"/>
+                      <a:round/>
+                      <a:headEnd type="none" w="med" len="med"/>
+                      <a:tailEnd type="none" w="med" len="med"/>
+                    </a:lnT>
+                    <a:lnB w="12700" cap="flat" cmpd="sng" algn="ctr">
+                      <a:solidFill>
+                        <a:srgbClr val="BFBFBF"/>
+                      </a:solidFill>
+                      <a:prstDash val="solid"/>
+                      <a:round/>
+                      <a:headEnd type="none" w="med" len="med"/>
+                      <a:tailEnd type="none" w="med" len="med"/>
+                    </a:lnB>
+                    <a:solidFill>
+                      <a:srgbClr val="F2F2F2"/>
+                    </a:solidFill>
+                  </a:tcPr>
+                </a:tc>
+                <a:tc>
+                  <a:txBody>
+                    <a:bodyPr/>
+                    <a:lstStyle/>
+                    <a:p>
+                      <a:pPr marL="0" marR="0" algn="ctr">
+                        <a:lnSpc>
+                          <a:spcPct val="107000"/>
+                        </a:lnSpc>
+                        <a:spcBef>
+                          <a:spcPts val="0"/>
+                        </a:spcBef>
+                        <a:spcAft>
+                          <a:spcPts val="0"/>
+                        </a:spcAft>
+                      </a:pPr>
+                      <a:r>
+                        <a:rPr lang="en-US" sz="1200" dirty="0">
+                          <a:effectLst/>
+                          <a:latin typeface="Calibri" panose="020F0502020204030204" pitchFamily="34" charset="0"/>
+                          <a:ea typeface="Calibri" panose="020F0502020204030204" pitchFamily="34" charset="0"/>
+                          <a:cs typeface="Arial" panose="020B0604020202020204" pitchFamily="34" charset="0"/>
+                        </a:rPr>
+                        <a:t>4849</a:t>
+                      </a:r>
+                      <a:endParaRPr lang="en-US" sz="1100" dirty="0">
+                        <a:effectLst/>
+                        <a:latin typeface="Calibri" panose="020F0502020204030204" pitchFamily="34" charset="0"/>
+                        <a:ea typeface="Calibri" panose="020F0502020204030204" pitchFamily="34" charset="0"/>
+                        <a:cs typeface="Arial" panose="020B0604020202020204" pitchFamily="34" charset="0"/>
+                      </a:endParaRPr>
+                    </a:p>
+                  </a:txBody>
+                  <a:tcPr marL="68580" marR="68580" marT="0" marB="0" anchor="ctr">
+                    <a:lnL w="12700" cap="flat" cmpd="sng" algn="ctr">
+                      <a:solidFill>
+                        <a:srgbClr val="BFBFBF"/>
+                      </a:solidFill>
+                      <a:prstDash val="solid"/>
+                      <a:round/>
+                      <a:headEnd type="none" w="med" len="med"/>
+                      <a:tailEnd type="none" w="med" len="med"/>
+                    </a:lnL>
+                    <a:lnR w="12700" cap="flat" cmpd="sng" algn="ctr">
+                      <a:solidFill>
+                        <a:srgbClr val="BFBFBF"/>
+                      </a:solidFill>
+                      <a:prstDash val="solid"/>
+                      <a:round/>
+                      <a:headEnd type="none" w="med" len="med"/>
+                      <a:tailEnd type="none" w="med" len="med"/>
+                    </a:lnR>
+                    <a:lnT w="12700" cap="flat" cmpd="sng" algn="ctr">
+                      <a:solidFill>
+                        <a:srgbClr val="BFBFBF"/>
+                      </a:solidFill>
+                      <a:prstDash val="solid"/>
+                      <a:round/>
+                      <a:headEnd type="none" w="med" len="med"/>
+                      <a:tailEnd type="none" w="med" len="med"/>
+                    </a:lnT>
+                    <a:lnB w="12700" cap="flat" cmpd="sng" algn="ctr">
+                      <a:solidFill>
+                        <a:srgbClr val="BFBFBF"/>
+                      </a:solidFill>
+                      <a:prstDash val="solid"/>
+                      <a:round/>
+                      <a:headEnd type="none" w="med" len="med"/>
+                      <a:tailEnd type="none" w="med" len="med"/>
+                    </a:lnB>
+                    <a:solidFill>
+                      <a:srgbClr val="F2F2F2"/>
+                    </a:solidFill>
+                  </a:tcPr>
+                </a:tc>
+                <a:extLst>
+                  <a:ext uri="{0D108BD9-81ED-4DB2-BD59-A6C34878D82A}">
+                    <a16:rowId xmlns:a16="http://schemas.microsoft.com/office/drawing/2014/main" val="1603898590"/>
+                  </a:ext>
+                </a:extLst>
+              </a:tr>
+              <a:tr h="398938">
+                <a:tc>
+                  <a:txBody>
+                    <a:bodyPr/>
+                    <a:lstStyle/>
+                    <a:p>
+                      <a:pPr marL="0" marR="0">
+                        <a:lnSpc>
+                          <a:spcPct val="107000"/>
+                        </a:lnSpc>
+                        <a:spcBef>
+                          <a:spcPts val="0"/>
+                        </a:spcBef>
+                        <a:spcAft>
+                          <a:spcPts val="0"/>
+                        </a:spcAft>
+                      </a:pPr>
+                      <a:r>
+                        <a:rPr lang="en-US" sz="1200" b="1">
+                          <a:effectLst/>
+                          <a:latin typeface="Calibri" panose="020F0502020204030204" pitchFamily="34" charset="0"/>
+                          <a:ea typeface="Calibri" panose="020F0502020204030204" pitchFamily="34" charset="0"/>
+                          <a:cs typeface="Arial" panose="020B0604020202020204" pitchFamily="34" charset="0"/>
+                        </a:rPr>
+                        <a:t>Total Churned Customers</a:t>
+                      </a:r>
+                      <a:endParaRPr lang="en-US" sz="1100">
+                        <a:effectLst/>
+                        <a:latin typeface="Calibri" panose="020F0502020204030204" pitchFamily="34" charset="0"/>
+                        <a:ea typeface="Calibri" panose="020F0502020204030204" pitchFamily="34" charset="0"/>
+                        <a:cs typeface="Arial" panose="020B0604020202020204" pitchFamily="34" charset="0"/>
+                      </a:endParaRPr>
+                    </a:p>
+                  </a:txBody>
+                  <a:tcPr marL="68580" marR="68580" marT="0" marB="0" anchor="ctr">
+                    <a:lnL w="12700" cap="flat" cmpd="sng" algn="ctr">
+                      <a:solidFill>
+                        <a:srgbClr val="BFBFBF"/>
+                      </a:solidFill>
+                      <a:prstDash val="solid"/>
+                      <a:round/>
+                      <a:headEnd type="none" w="med" len="med"/>
+                      <a:tailEnd type="none" w="med" len="med"/>
+                    </a:lnL>
+                    <a:lnR w="12700" cap="flat" cmpd="sng" algn="ctr">
+                      <a:solidFill>
+                        <a:srgbClr val="BFBFBF"/>
+                      </a:solidFill>
+                      <a:prstDash val="solid"/>
+                      <a:round/>
+                      <a:headEnd type="none" w="med" len="med"/>
+                      <a:tailEnd type="none" w="med" len="med"/>
+                    </a:lnR>
+                    <a:lnT w="12700" cap="flat" cmpd="sng" algn="ctr">
+                      <a:solidFill>
+                        <a:srgbClr val="BFBFBF"/>
+                      </a:solidFill>
+                      <a:prstDash val="solid"/>
+                      <a:round/>
+                      <a:headEnd type="none" w="med" len="med"/>
+                      <a:tailEnd type="none" w="med" len="med"/>
+                    </a:lnT>
+                    <a:lnB w="12700" cap="flat" cmpd="sng" algn="ctr">
+                      <a:solidFill>
+                        <a:srgbClr val="BFBFBF"/>
+                      </a:solidFill>
+                      <a:prstDash val="solid"/>
+                      <a:round/>
+                      <a:headEnd type="none" w="med" len="med"/>
+                      <a:tailEnd type="none" w="med" len="med"/>
+                    </a:lnB>
+                  </a:tcPr>
+                </a:tc>
+                <a:tc>
+                  <a:txBody>
+                    <a:bodyPr/>
+                    <a:lstStyle/>
+                    <a:p>
+                      <a:pPr marL="0" marR="0" algn="ctr">
+                        <a:lnSpc>
+                          <a:spcPct val="107000"/>
+                        </a:lnSpc>
+                        <a:spcBef>
+                          <a:spcPts val="0"/>
+                        </a:spcBef>
+                        <a:spcAft>
+                          <a:spcPts val="0"/>
+                        </a:spcAft>
+                      </a:pPr>
+                      <a:r>
+                        <a:rPr lang="en-US" sz="1200" dirty="0">
+                          <a:effectLst/>
+                          <a:latin typeface="Calibri" panose="020F0502020204030204" pitchFamily="34" charset="0"/>
+                          <a:ea typeface="Calibri" panose="020F0502020204030204" pitchFamily="34" charset="0"/>
+                          <a:cs typeface="Arial" panose="020B0604020202020204" pitchFamily="34" charset="0"/>
+                        </a:rPr>
+                        <a:t>735</a:t>
+                      </a:r>
+                      <a:endParaRPr lang="en-US" sz="1100" dirty="0">
+                        <a:effectLst/>
+                        <a:latin typeface="Calibri" panose="020F0502020204030204" pitchFamily="34" charset="0"/>
+                        <a:ea typeface="Calibri" panose="020F0502020204030204" pitchFamily="34" charset="0"/>
+                        <a:cs typeface="Arial" panose="020B0604020202020204" pitchFamily="34" charset="0"/>
+                      </a:endParaRPr>
+                    </a:p>
+                  </a:txBody>
+                  <a:tcPr marL="68580" marR="68580" marT="0" marB="0" anchor="ctr">
+                    <a:lnL w="12700" cap="flat" cmpd="sng" algn="ctr">
+                      <a:solidFill>
+                        <a:srgbClr val="BFBFBF"/>
+                      </a:solidFill>
+                      <a:prstDash val="solid"/>
+                      <a:round/>
+                      <a:headEnd type="none" w="med" len="med"/>
+                      <a:tailEnd type="none" w="med" len="med"/>
+                    </a:lnL>
+                    <a:lnR w="12700" cap="flat" cmpd="sng" algn="ctr">
+                      <a:solidFill>
+                        <a:srgbClr val="BFBFBF"/>
+                      </a:solidFill>
+                      <a:prstDash val="solid"/>
+                      <a:round/>
+                      <a:headEnd type="none" w="med" len="med"/>
+                      <a:tailEnd type="none" w="med" len="med"/>
+                    </a:lnR>
+                    <a:lnT w="12700" cap="flat" cmpd="sng" algn="ctr">
+                      <a:solidFill>
+                        <a:srgbClr val="BFBFBF"/>
+                      </a:solidFill>
+                      <a:prstDash val="solid"/>
+                      <a:round/>
+                      <a:headEnd type="none" w="med" len="med"/>
+                      <a:tailEnd type="none" w="med" len="med"/>
+                    </a:lnT>
+                    <a:lnB w="12700" cap="flat" cmpd="sng" algn="ctr">
+                      <a:solidFill>
+                        <a:srgbClr val="BFBFBF"/>
+                      </a:solidFill>
+                      <a:prstDash val="solid"/>
+                      <a:round/>
+                      <a:headEnd type="none" w="med" len="med"/>
+                      <a:tailEnd type="none" w="med" len="med"/>
+                    </a:lnB>
+                  </a:tcPr>
+                </a:tc>
+                <a:tc>
+                  <a:txBody>
+                    <a:bodyPr/>
+                    <a:lstStyle/>
+                    <a:p>
+                      <a:pPr marL="0" marR="0" algn="ctr">
+                        <a:lnSpc>
+                          <a:spcPct val="107000"/>
+                        </a:lnSpc>
+                        <a:spcBef>
+                          <a:spcPts val="0"/>
+                        </a:spcBef>
+                        <a:spcAft>
+                          <a:spcPts val="0"/>
+                        </a:spcAft>
+                      </a:pPr>
+                      <a:r>
+                        <a:rPr lang="en-US" sz="1200" dirty="0">
+                          <a:effectLst/>
+                          <a:latin typeface="Calibri" panose="020F0502020204030204" pitchFamily="34" charset="0"/>
+                          <a:ea typeface="Calibri" panose="020F0502020204030204" pitchFamily="34" charset="0"/>
+                          <a:cs typeface="Arial" panose="020B0604020202020204" pitchFamily="34" charset="0"/>
+                        </a:rPr>
+                        <a:t>1302</a:t>
+                      </a:r>
+                      <a:endParaRPr lang="en-US" sz="1100" dirty="0">
+                        <a:effectLst/>
+                        <a:latin typeface="Calibri" panose="020F0502020204030204" pitchFamily="34" charset="0"/>
+                        <a:ea typeface="Calibri" panose="020F0502020204030204" pitchFamily="34" charset="0"/>
+                        <a:cs typeface="Arial" panose="020B0604020202020204" pitchFamily="34" charset="0"/>
+                      </a:endParaRPr>
+                    </a:p>
+                  </a:txBody>
+                  <a:tcPr marL="68580" marR="68580" marT="0" marB="0" anchor="ctr">
+                    <a:lnL w="12700" cap="flat" cmpd="sng" algn="ctr">
+                      <a:solidFill>
+                        <a:srgbClr val="BFBFBF"/>
+                      </a:solidFill>
+                      <a:prstDash val="solid"/>
+                      <a:round/>
+                      <a:headEnd type="none" w="med" len="med"/>
+                      <a:tailEnd type="none" w="med" len="med"/>
+                    </a:lnL>
+                    <a:lnR w="12700" cap="flat" cmpd="sng" algn="ctr">
+                      <a:solidFill>
+                        <a:srgbClr val="BFBFBF"/>
+                      </a:solidFill>
+                      <a:prstDash val="solid"/>
+                      <a:round/>
+                      <a:headEnd type="none" w="med" len="med"/>
+                      <a:tailEnd type="none" w="med" len="med"/>
+                    </a:lnR>
+                    <a:lnT w="12700" cap="flat" cmpd="sng" algn="ctr">
+                      <a:solidFill>
+                        <a:srgbClr val="BFBFBF"/>
+                      </a:solidFill>
+                      <a:prstDash val="solid"/>
+                      <a:round/>
+                      <a:headEnd type="none" w="med" len="med"/>
+                      <a:tailEnd type="none" w="med" len="med"/>
+                    </a:lnT>
+                    <a:lnB w="12700" cap="flat" cmpd="sng" algn="ctr">
+                      <a:solidFill>
+                        <a:srgbClr val="BFBFBF"/>
+                      </a:solidFill>
+                      <a:prstDash val="solid"/>
+                      <a:round/>
+                      <a:headEnd type="none" w="med" len="med"/>
+                      <a:tailEnd type="none" w="med" len="med"/>
+                    </a:lnB>
+                  </a:tcPr>
+                </a:tc>
+                <a:extLst>
+                  <a:ext uri="{0D108BD9-81ED-4DB2-BD59-A6C34878D82A}">
+                    <a16:rowId xmlns:a16="http://schemas.microsoft.com/office/drawing/2014/main" val="584269350"/>
+                  </a:ext>
+                </a:extLst>
+              </a:tr>
+              <a:tr h="398938">
+                <a:tc>
+                  <a:txBody>
+                    <a:bodyPr/>
+                    <a:lstStyle/>
+                    <a:p>
+                      <a:pPr marL="0" marR="0">
+                        <a:lnSpc>
+                          <a:spcPct val="107000"/>
+                        </a:lnSpc>
+                        <a:spcBef>
+                          <a:spcPts val="0"/>
+                        </a:spcBef>
+                        <a:spcAft>
+                          <a:spcPts val="0"/>
+                        </a:spcAft>
+                        <a:tabLst>
+                          <a:tab pos="375285" algn="l"/>
+                          <a:tab pos="1618615" algn="ctr"/>
+                        </a:tabLst>
+                      </a:pPr>
+                      <a:r>
+                        <a:rPr lang="en-US" sz="1200" b="1">
+                          <a:effectLst/>
+                          <a:latin typeface="Calibri" panose="020F0502020204030204" pitchFamily="34" charset="0"/>
+                          <a:ea typeface="Calibri" panose="020F0502020204030204" pitchFamily="34" charset="0"/>
+                          <a:cs typeface="Arial" panose="020B0604020202020204" pitchFamily="34" charset="0"/>
+                        </a:rPr>
+                        <a:t>Churn Rate Per Total Customers</a:t>
+                      </a:r>
+                      <a:endParaRPr lang="en-US" sz="1100">
+                        <a:effectLst/>
+                        <a:latin typeface="Calibri" panose="020F0502020204030204" pitchFamily="34" charset="0"/>
+                        <a:ea typeface="Calibri" panose="020F0502020204030204" pitchFamily="34" charset="0"/>
+                        <a:cs typeface="Arial" panose="020B0604020202020204" pitchFamily="34" charset="0"/>
+                      </a:endParaRPr>
+                    </a:p>
+                  </a:txBody>
+                  <a:tcPr marL="68580" marR="68580" marT="0" marB="0" anchor="ctr">
+                    <a:lnL w="12700" cap="flat" cmpd="sng" algn="ctr">
+                      <a:solidFill>
+                        <a:srgbClr val="BFBFBF"/>
+                      </a:solidFill>
+                      <a:prstDash val="solid"/>
+                      <a:round/>
+                      <a:headEnd type="none" w="med" len="med"/>
+                      <a:tailEnd type="none" w="med" len="med"/>
+                    </a:lnL>
+                    <a:lnR w="12700" cap="flat" cmpd="sng" algn="ctr">
+                      <a:solidFill>
+                        <a:srgbClr val="BFBFBF"/>
+                      </a:solidFill>
+                      <a:prstDash val="solid"/>
+                      <a:round/>
+                      <a:headEnd type="none" w="med" len="med"/>
+                      <a:tailEnd type="none" w="med" len="med"/>
+                    </a:lnR>
+                    <a:lnT w="12700" cap="flat" cmpd="sng" algn="ctr">
+                      <a:solidFill>
+                        <a:srgbClr val="BFBFBF"/>
+                      </a:solidFill>
+                      <a:prstDash val="solid"/>
+                      <a:round/>
+                      <a:headEnd type="none" w="med" len="med"/>
+                      <a:tailEnd type="none" w="med" len="med"/>
+                    </a:lnT>
+                    <a:lnB w="12700" cap="flat" cmpd="sng" algn="ctr">
+                      <a:solidFill>
+                        <a:srgbClr val="BFBFBF"/>
+                      </a:solidFill>
+                      <a:prstDash val="solid"/>
+                      <a:round/>
+                      <a:headEnd type="none" w="med" len="med"/>
+                      <a:tailEnd type="none" w="med" len="med"/>
+                    </a:lnB>
+                    <a:solidFill>
+                      <a:srgbClr val="F2F2F2"/>
+                    </a:solidFill>
+                  </a:tcPr>
+                </a:tc>
+                <a:tc>
+                  <a:txBody>
+                    <a:bodyPr/>
+                    <a:lstStyle/>
+                    <a:p>
+                      <a:pPr marL="0" marR="0" algn="ctr">
+                        <a:lnSpc>
+                          <a:spcPct val="107000"/>
+                        </a:lnSpc>
+                        <a:spcBef>
+                          <a:spcPts val="0"/>
+                        </a:spcBef>
+                        <a:spcAft>
+                          <a:spcPts val="0"/>
+                        </a:spcAft>
+                      </a:pPr>
+                      <a:r>
+                        <a:rPr lang="en-US" sz="1200">
+                          <a:effectLst/>
+                          <a:latin typeface="Calibri" panose="020F0502020204030204" pitchFamily="34" charset="0"/>
+                          <a:ea typeface="Calibri" panose="020F0502020204030204" pitchFamily="34" charset="0"/>
+                          <a:cs typeface="Arial" panose="020B0604020202020204" pitchFamily="34" charset="0"/>
+                        </a:rPr>
+                        <a:t>14.3%</a:t>
+                      </a:r>
+                      <a:endParaRPr lang="en-US" sz="1100">
+                        <a:effectLst/>
+                        <a:latin typeface="Calibri" panose="020F0502020204030204" pitchFamily="34" charset="0"/>
+                        <a:ea typeface="Calibri" panose="020F0502020204030204" pitchFamily="34" charset="0"/>
+                        <a:cs typeface="Arial" panose="020B0604020202020204" pitchFamily="34" charset="0"/>
+                      </a:endParaRPr>
+                    </a:p>
+                  </a:txBody>
+                  <a:tcPr marL="68580" marR="68580" marT="0" marB="0" anchor="ctr">
+                    <a:lnL w="12700" cap="flat" cmpd="sng" algn="ctr">
+                      <a:solidFill>
+                        <a:srgbClr val="BFBFBF"/>
+                      </a:solidFill>
+                      <a:prstDash val="solid"/>
+                      <a:round/>
+                      <a:headEnd type="none" w="med" len="med"/>
+                      <a:tailEnd type="none" w="med" len="med"/>
+                    </a:lnL>
+                    <a:lnR w="12700" cap="flat" cmpd="sng" algn="ctr">
+                      <a:solidFill>
+                        <a:srgbClr val="BFBFBF"/>
+                      </a:solidFill>
+                      <a:prstDash val="solid"/>
+                      <a:round/>
+                      <a:headEnd type="none" w="med" len="med"/>
+                      <a:tailEnd type="none" w="med" len="med"/>
+                    </a:lnR>
+                    <a:lnT w="12700" cap="flat" cmpd="sng" algn="ctr">
+                      <a:solidFill>
+                        <a:srgbClr val="BFBFBF"/>
+                      </a:solidFill>
+                      <a:prstDash val="solid"/>
+                      <a:round/>
+                      <a:headEnd type="none" w="med" len="med"/>
+                      <a:tailEnd type="none" w="med" len="med"/>
+                    </a:lnT>
+                    <a:lnB w="12700" cap="flat" cmpd="sng" algn="ctr">
+                      <a:solidFill>
+                        <a:srgbClr val="BFBFBF"/>
+                      </a:solidFill>
+                      <a:prstDash val="solid"/>
+                      <a:round/>
+                      <a:headEnd type="none" w="med" len="med"/>
+                      <a:tailEnd type="none" w="med" len="med"/>
+                    </a:lnB>
+                    <a:solidFill>
+                      <a:srgbClr val="F2F2F2"/>
+                    </a:solidFill>
+                  </a:tcPr>
+                </a:tc>
+                <a:tc>
+                  <a:txBody>
+                    <a:bodyPr/>
+                    <a:lstStyle/>
+                    <a:p>
+                      <a:pPr marL="0" marR="0" algn="ctr">
+                        <a:lnSpc>
+                          <a:spcPct val="107000"/>
+                        </a:lnSpc>
+                        <a:spcBef>
+                          <a:spcPts val="0"/>
+                        </a:spcBef>
+                        <a:spcAft>
+                          <a:spcPts val="0"/>
+                        </a:spcAft>
+                      </a:pPr>
+                      <a:r>
+                        <a:rPr lang="en-US" sz="1200" dirty="0">
+                          <a:effectLst/>
+                          <a:latin typeface="Calibri" panose="020F0502020204030204" pitchFamily="34" charset="0"/>
+                          <a:ea typeface="Calibri" panose="020F0502020204030204" pitchFamily="34" charset="0"/>
+                          <a:cs typeface="Arial" panose="020B0604020202020204" pitchFamily="34" charset="0"/>
+                        </a:rPr>
+                        <a:t>26.9%</a:t>
+                      </a:r>
+                      <a:endParaRPr lang="en-US" sz="1100" dirty="0">
+                        <a:effectLst/>
+                        <a:latin typeface="Calibri" panose="020F0502020204030204" pitchFamily="34" charset="0"/>
+                        <a:ea typeface="Calibri" panose="020F0502020204030204" pitchFamily="34" charset="0"/>
+                        <a:cs typeface="Arial" panose="020B0604020202020204" pitchFamily="34" charset="0"/>
+                      </a:endParaRPr>
+                    </a:p>
+                  </a:txBody>
+                  <a:tcPr marL="68580" marR="68580" marT="0" marB="0" anchor="ctr">
+                    <a:lnL w="12700" cap="flat" cmpd="sng" algn="ctr">
+                      <a:solidFill>
+                        <a:srgbClr val="BFBFBF"/>
+                      </a:solidFill>
+                      <a:prstDash val="solid"/>
+                      <a:round/>
+                      <a:headEnd type="none" w="med" len="med"/>
+                      <a:tailEnd type="none" w="med" len="med"/>
+                    </a:lnL>
+                    <a:lnR w="12700" cap="flat" cmpd="sng" algn="ctr">
+                      <a:solidFill>
+                        <a:srgbClr val="BFBFBF"/>
+                      </a:solidFill>
+                      <a:prstDash val="solid"/>
+                      <a:round/>
+                      <a:headEnd type="none" w="med" len="med"/>
+                      <a:tailEnd type="none" w="med" len="med"/>
+                    </a:lnR>
+                    <a:lnT w="12700" cap="flat" cmpd="sng" algn="ctr">
+                      <a:solidFill>
+                        <a:srgbClr val="BFBFBF"/>
+                      </a:solidFill>
+                      <a:prstDash val="solid"/>
+                      <a:round/>
+                      <a:headEnd type="none" w="med" len="med"/>
+                      <a:tailEnd type="none" w="med" len="med"/>
+                    </a:lnT>
+                    <a:lnB w="12700" cap="flat" cmpd="sng" algn="ctr">
+                      <a:solidFill>
+                        <a:srgbClr val="BFBFBF"/>
+                      </a:solidFill>
+                      <a:prstDash val="solid"/>
+                      <a:round/>
+                      <a:headEnd type="none" w="med" len="med"/>
+                      <a:tailEnd type="none" w="med" len="med"/>
+                    </a:lnB>
+                    <a:solidFill>
+                      <a:srgbClr val="F2F2F2"/>
+                    </a:solidFill>
+                  </a:tcPr>
+                </a:tc>
+                <a:extLst>
+                  <a:ext uri="{0D108BD9-81ED-4DB2-BD59-A6C34878D82A}">
+                    <a16:rowId xmlns:a16="http://schemas.microsoft.com/office/drawing/2014/main" val="3816900473"/>
+                  </a:ext>
+                </a:extLst>
+              </a:tr>
+            </a:tbl>
+          </a:graphicData>
+        </a:graphic>
+      </p:graphicFrame>
+      <p:pic>
+        <p:nvPicPr>
+          <p:cNvPr id="8" name="Picture Placeholder 7"/>
+          <p:cNvPicPr>
+            <a:picLocks noGrp="1" noChangeAspect="1"/>
+          </p:cNvPicPr>
+          <p:nvPr>
+            <p:ph type="pic" sz="quarter" idx="13"/>
+          </p:nvPr>
+        </p:nvPicPr>
+        <p:blipFill rotWithShape="1">
+          <a:blip r:embed="rId2">
+            <a:extLst>
+              <a:ext uri="{28A0092B-C50C-407E-A947-70E740481C1C}">
+                <a14:useLocalDpi xmlns:a14="http://schemas.microsoft.com/office/drawing/2010/main" val="0"/>
+              </a:ext>
+            </a:extLst>
+          </a:blip>
+          <a:srcRect l="16903" t="17640" r="7225" b="26435"/>
+          <a:stretch/>
+        </p:blipFill>
+        <p:spPr>
+          <a:xfrm>
+            <a:off x="6876661" y="1091682"/>
+            <a:ext cx="4273422" cy="4040155"/>
+          </a:xfrm>
+        </p:spPr>
+      </p:pic>
+    </p:spTree>
+    <p:extLst>
+      <p:ext uri="{BB962C8B-B14F-4D97-AF65-F5344CB8AC3E}">
+        <p14:creationId xmlns:p14="http://schemas.microsoft.com/office/powerpoint/2010/main" val="3528336251"/>
       </p:ext>
     </p:extLst>
   </p:cSld>
@@ -38149,1050 +39008,6 @@
       </p:grpSpPr>
       <p:sp>
         <p:nvSpPr>
-          <p:cNvPr id="3" name="Title 2"/>
-          <p:cNvSpPr>
-            <a:spLocks noGrp="1"/>
-          </p:cNvSpPr>
-          <p:nvPr>
-            <p:ph type="title"/>
-          </p:nvPr>
-        </p:nvSpPr>
-        <p:spPr/>
-        <p:txBody>
-          <a:bodyPr/>
-          <a:lstStyle/>
-          <a:p>
-            <a:r>
-              <a:rPr lang="en-US" b="1" dirty="0"/>
-              <a:t>Customer Activity</a:t>
-            </a:r>
-            <a:endParaRPr lang="en-US" dirty="0"/>
-          </a:p>
-        </p:txBody>
-      </p:sp>
-      <p:graphicFrame>
-        <p:nvGraphicFramePr>
-          <p:cNvPr id="5" name="Table 4"/>
-          <p:cNvGraphicFramePr>
-            <a:graphicFrameLocks noGrp="1"/>
-          </p:cNvGraphicFramePr>
-          <p:nvPr>
-            <p:extLst>
-              <p:ext uri="{D42A27DB-BD31-4B8C-83A1-F6EECF244321}">
-                <p14:modId xmlns:p14="http://schemas.microsoft.com/office/powerpoint/2010/main" val="3900487541"/>
-              </p:ext>
-            </p:extLst>
-          </p:nvPr>
-        </p:nvGraphicFramePr>
-        <p:xfrm>
-          <a:off x="1096963" y="2281655"/>
-          <a:ext cx="4767505" cy="1595752"/>
-        </p:xfrm>
-        <a:graphic>
-          <a:graphicData uri="http://schemas.openxmlformats.org/drawingml/2006/table">
-            <a:tbl>
-              <a:tblPr firstRow="1" firstCol="1" bandRow="1"/>
-              <a:tblGrid>
-                <a:gridCol w="2888155">
-                  <a:extLst>
-                    <a:ext uri="{9D8B030D-6E8A-4147-A177-3AD203B41FA5}">
-                      <a16:colId xmlns:a16="http://schemas.microsoft.com/office/drawing/2014/main" val="1133598743"/>
-                    </a:ext>
-                  </a:extLst>
-                </a:gridCol>
-                <a:gridCol w="871500">
-                  <a:extLst>
-                    <a:ext uri="{9D8B030D-6E8A-4147-A177-3AD203B41FA5}">
-                      <a16:colId xmlns:a16="http://schemas.microsoft.com/office/drawing/2014/main" val="3378607610"/>
-                    </a:ext>
-                  </a:extLst>
-                </a:gridCol>
-                <a:gridCol w="1007850">
-                  <a:extLst>
-                    <a:ext uri="{9D8B030D-6E8A-4147-A177-3AD203B41FA5}">
-                      <a16:colId xmlns:a16="http://schemas.microsoft.com/office/drawing/2014/main" val="4003640810"/>
-                    </a:ext>
-                  </a:extLst>
-                </a:gridCol>
-              </a:tblGrid>
-              <a:tr h="398938">
-                <a:tc>
-                  <a:txBody>
-                    <a:bodyPr/>
-                    <a:lstStyle/>
-                    <a:p>
-                      <a:pPr marL="0" marR="0" algn="ctr">
-                        <a:lnSpc>
-                          <a:spcPct val="107000"/>
-                        </a:lnSpc>
-                        <a:spcBef>
-                          <a:spcPts val="0"/>
-                        </a:spcBef>
-                        <a:spcAft>
-                          <a:spcPts val="0"/>
-                        </a:spcAft>
-                      </a:pPr>
-                      <a:r>
-                        <a:rPr lang="en-US" sz="1200" dirty="0">
-                          <a:effectLst/>
-                          <a:latin typeface="Calibri" panose="020F0502020204030204" pitchFamily="34" charset="0"/>
-                          <a:ea typeface="Calibri" panose="020F0502020204030204" pitchFamily="34" charset="0"/>
-                          <a:cs typeface="Arial" panose="020B0604020202020204" pitchFamily="34" charset="0"/>
-                        </a:rPr>
-                        <a:t> </a:t>
-                      </a:r>
-                      <a:endParaRPr lang="en-US" sz="1100" dirty="0">
-                        <a:effectLst/>
-                        <a:latin typeface="Calibri" panose="020F0502020204030204" pitchFamily="34" charset="0"/>
-                        <a:ea typeface="Calibri" panose="020F0502020204030204" pitchFamily="34" charset="0"/>
-                        <a:cs typeface="Arial" panose="020B0604020202020204" pitchFamily="34" charset="0"/>
-                      </a:endParaRPr>
-                    </a:p>
-                  </a:txBody>
-                  <a:tcPr marL="68580" marR="68580" marT="0" marB="0" anchor="ctr">
-                    <a:lnL w="12700" cap="flat" cmpd="sng" algn="ctr">
-                      <a:solidFill>
-                        <a:srgbClr val="BFBFBF"/>
-                      </a:solidFill>
-                      <a:prstDash val="solid"/>
-                      <a:round/>
-                      <a:headEnd type="none" w="med" len="med"/>
-                      <a:tailEnd type="none" w="med" len="med"/>
-                    </a:lnL>
-                    <a:lnR w="12700" cap="flat" cmpd="sng" algn="ctr">
-                      <a:solidFill>
-                        <a:srgbClr val="BFBFBF"/>
-                      </a:solidFill>
-                      <a:prstDash val="solid"/>
-                      <a:round/>
-                      <a:headEnd type="none" w="med" len="med"/>
-                      <a:tailEnd type="none" w="med" len="med"/>
-                    </a:lnR>
-                    <a:lnT w="12700" cap="flat" cmpd="sng" algn="ctr">
-                      <a:solidFill>
-                        <a:srgbClr val="BFBFBF"/>
-                      </a:solidFill>
-                      <a:prstDash val="solid"/>
-                      <a:round/>
-                      <a:headEnd type="none" w="med" len="med"/>
-                      <a:tailEnd type="none" w="med" len="med"/>
-                    </a:lnT>
-                    <a:lnB w="12700" cap="flat" cmpd="sng" algn="ctr">
-                      <a:solidFill>
-                        <a:srgbClr val="BFBFBF"/>
-                      </a:solidFill>
-                      <a:prstDash val="solid"/>
-                      <a:round/>
-                      <a:headEnd type="none" w="med" len="med"/>
-                      <a:tailEnd type="none" w="med" len="med"/>
-                    </a:lnB>
-                  </a:tcPr>
-                </a:tc>
-                <a:tc>
-                  <a:txBody>
-                    <a:bodyPr/>
-                    <a:lstStyle/>
-                    <a:p>
-                      <a:pPr marL="0" marR="0" algn="ctr">
-                        <a:lnSpc>
-                          <a:spcPct val="107000"/>
-                        </a:lnSpc>
-                        <a:spcBef>
-                          <a:spcPts val="0"/>
-                        </a:spcBef>
-                        <a:spcAft>
-                          <a:spcPts val="0"/>
-                        </a:spcAft>
-                      </a:pPr>
-                      <a:r>
-                        <a:rPr lang="en-US" sz="1200" b="1" dirty="0">
-                          <a:effectLst/>
-                          <a:latin typeface="Calibri" panose="020F0502020204030204" pitchFamily="34" charset="0"/>
-                          <a:ea typeface="Calibri" panose="020F0502020204030204" pitchFamily="34" charset="0"/>
-                          <a:cs typeface="Arial" panose="020B0604020202020204" pitchFamily="34" charset="0"/>
-                        </a:rPr>
-                        <a:t>Active</a:t>
-                      </a:r>
-                      <a:endParaRPr lang="en-US" sz="1100" dirty="0">
-                        <a:effectLst/>
-                        <a:latin typeface="Calibri" panose="020F0502020204030204" pitchFamily="34" charset="0"/>
-                        <a:ea typeface="Calibri" panose="020F0502020204030204" pitchFamily="34" charset="0"/>
-                        <a:cs typeface="Arial" panose="020B0604020202020204" pitchFamily="34" charset="0"/>
-                      </a:endParaRPr>
-                    </a:p>
-                  </a:txBody>
-                  <a:tcPr marL="68580" marR="68580" marT="0" marB="0" anchor="ctr">
-                    <a:lnL w="12700" cap="flat" cmpd="sng" algn="ctr">
-                      <a:solidFill>
-                        <a:srgbClr val="BFBFBF"/>
-                      </a:solidFill>
-                      <a:prstDash val="solid"/>
-                      <a:round/>
-                      <a:headEnd type="none" w="med" len="med"/>
-                      <a:tailEnd type="none" w="med" len="med"/>
-                    </a:lnL>
-                    <a:lnR w="12700" cap="flat" cmpd="sng" algn="ctr">
-                      <a:solidFill>
-                        <a:srgbClr val="BFBFBF"/>
-                      </a:solidFill>
-                      <a:prstDash val="solid"/>
-                      <a:round/>
-                      <a:headEnd type="none" w="med" len="med"/>
-                      <a:tailEnd type="none" w="med" len="med"/>
-                    </a:lnR>
-                    <a:lnT w="12700" cap="flat" cmpd="sng" algn="ctr">
-                      <a:solidFill>
-                        <a:srgbClr val="BFBFBF"/>
-                      </a:solidFill>
-                      <a:prstDash val="solid"/>
-                      <a:round/>
-                      <a:headEnd type="none" w="med" len="med"/>
-                      <a:tailEnd type="none" w="med" len="med"/>
-                    </a:lnT>
-                    <a:lnB w="12700" cap="flat" cmpd="sng" algn="ctr">
-                      <a:solidFill>
-                        <a:srgbClr val="BFBFBF"/>
-                      </a:solidFill>
-                      <a:prstDash val="solid"/>
-                      <a:round/>
-                      <a:headEnd type="none" w="med" len="med"/>
-                      <a:tailEnd type="none" w="med" len="med"/>
-                    </a:lnB>
-                  </a:tcPr>
-                </a:tc>
-                <a:tc>
-                  <a:txBody>
-                    <a:bodyPr/>
-                    <a:lstStyle/>
-                    <a:p>
-                      <a:pPr marL="0" marR="0" algn="ctr">
-                        <a:lnSpc>
-                          <a:spcPct val="107000"/>
-                        </a:lnSpc>
-                        <a:spcBef>
-                          <a:spcPts val="0"/>
-                        </a:spcBef>
-                        <a:spcAft>
-                          <a:spcPts val="0"/>
-                        </a:spcAft>
-                      </a:pPr>
-                      <a:r>
-                        <a:rPr lang="en-US" sz="1200" b="1">
-                          <a:effectLst/>
-                          <a:latin typeface="Calibri" panose="020F0502020204030204" pitchFamily="34" charset="0"/>
-                          <a:ea typeface="Calibri" panose="020F0502020204030204" pitchFamily="34" charset="0"/>
-                          <a:cs typeface="Arial" panose="020B0604020202020204" pitchFamily="34" charset="0"/>
-                        </a:rPr>
-                        <a:t>Inactive</a:t>
-                      </a:r>
-                      <a:endParaRPr lang="en-US" sz="1100">
-                        <a:effectLst/>
-                        <a:latin typeface="Calibri" panose="020F0502020204030204" pitchFamily="34" charset="0"/>
-                        <a:ea typeface="Calibri" panose="020F0502020204030204" pitchFamily="34" charset="0"/>
-                        <a:cs typeface="Arial" panose="020B0604020202020204" pitchFamily="34" charset="0"/>
-                      </a:endParaRPr>
-                    </a:p>
-                  </a:txBody>
-                  <a:tcPr marL="68580" marR="68580" marT="0" marB="0" anchor="ctr">
-                    <a:lnL w="12700" cap="flat" cmpd="sng" algn="ctr">
-                      <a:solidFill>
-                        <a:srgbClr val="BFBFBF"/>
-                      </a:solidFill>
-                      <a:prstDash val="solid"/>
-                      <a:round/>
-                      <a:headEnd type="none" w="med" len="med"/>
-                      <a:tailEnd type="none" w="med" len="med"/>
-                    </a:lnL>
-                    <a:lnR w="12700" cap="flat" cmpd="sng" algn="ctr">
-                      <a:solidFill>
-                        <a:srgbClr val="BFBFBF"/>
-                      </a:solidFill>
-                      <a:prstDash val="solid"/>
-                      <a:round/>
-                      <a:headEnd type="none" w="med" len="med"/>
-                      <a:tailEnd type="none" w="med" len="med"/>
-                    </a:lnR>
-                    <a:lnT w="12700" cap="flat" cmpd="sng" algn="ctr">
-                      <a:solidFill>
-                        <a:srgbClr val="BFBFBF"/>
-                      </a:solidFill>
-                      <a:prstDash val="solid"/>
-                      <a:round/>
-                      <a:headEnd type="none" w="med" len="med"/>
-                      <a:tailEnd type="none" w="med" len="med"/>
-                    </a:lnT>
-                    <a:lnB w="12700" cap="flat" cmpd="sng" algn="ctr">
-                      <a:solidFill>
-                        <a:srgbClr val="BFBFBF"/>
-                      </a:solidFill>
-                      <a:prstDash val="solid"/>
-                      <a:round/>
-                      <a:headEnd type="none" w="med" len="med"/>
-                      <a:tailEnd type="none" w="med" len="med"/>
-                    </a:lnB>
-                  </a:tcPr>
-                </a:tc>
-                <a:extLst>
-                  <a:ext uri="{0D108BD9-81ED-4DB2-BD59-A6C34878D82A}">
-                    <a16:rowId xmlns:a16="http://schemas.microsoft.com/office/drawing/2014/main" val="2946242688"/>
-                  </a:ext>
-                </a:extLst>
-              </a:tr>
-              <a:tr h="398938">
-                <a:tc>
-                  <a:txBody>
-                    <a:bodyPr/>
-                    <a:lstStyle/>
-                    <a:p>
-                      <a:pPr marL="0" marR="0">
-                        <a:lnSpc>
-                          <a:spcPct val="107000"/>
-                        </a:lnSpc>
-                        <a:spcBef>
-                          <a:spcPts val="0"/>
-                        </a:spcBef>
-                        <a:spcAft>
-                          <a:spcPts val="0"/>
-                        </a:spcAft>
-                      </a:pPr>
-                      <a:r>
-                        <a:rPr lang="en-US" sz="1200" b="1" dirty="0">
-                          <a:effectLst/>
-                          <a:latin typeface="Calibri" panose="020F0502020204030204" pitchFamily="34" charset="0"/>
-                          <a:ea typeface="Calibri" panose="020F0502020204030204" pitchFamily="34" charset="0"/>
-                          <a:cs typeface="Arial" panose="020B0604020202020204" pitchFamily="34" charset="0"/>
-                        </a:rPr>
-                        <a:t>Total Customers</a:t>
-                      </a:r>
-                      <a:endParaRPr lang="en-US" sz="1100" dirty="0">
-                        <a:effectLst/>
-                        <a:latin typeface="Calibri" panose="020F0502020204030204" pitchFamily="34" charset="0"/>
-                        <a:ea typeface="Calibri" panose="020F0502020204030204" pitchFamily="34" charset="0"/>
-                        <a:cs typeface="Arial" panose="020B0604020202020204" pitchFamily="34" charset="0"/>
-                      </a:endParaRPr>
-                    </a:p>
-                  </a:txBody>
-                  <a:tcPr marL="68580" marR="68580" marT="0" marB="0" anchor="ctr">
-                    <a:lnL w="12700" cap="flat" cmpd="sng" algn="ctr">
-                      <a:solidFill>
-                        <a:srgbClr val="BFBFBF"/>
-                      </a:solidFill>
-                      <a:prstDash val="solid"/>
-                      <a:round/>
-                      <a:headEnd type="none" w="med" len="med"/>
-                      <a:tailEnd type="none" w="med" len="med"/>
-                    </a:lnL>
-                    <a:lnR w="12700" cap="flat" cmpd="sng" algn="ctr">
-                      <a:solidFill>
-                        <a:srgbClr val="BFBFBF"/>
-                      </a:solidFill>
-                      <a:prstDash val="solid"/>
-                      <a:round/>
-                      <a:headEnd type="none" w="med" len="med"/>
-                      <a:tailEnd type="none" w="med" len="med"/>
-                    </a:lnR>
-                    <a:lnT w="12700" cap="flat" cmpd="sng" algn="ctr">
-                      <a:solidFill>
-                        <a:srgbClr val="BFBFBF"/>
-                      </a:solidFill>
-                      <a:prstDash val="solid"/>
-                      <a:round/>
-                      <a:headEnd type="none" w="med" len="med"/>
-                      <a:tailEnd type="none" w="med" len="med"/>
-                    </a:lnT>
-                    <a:lnB w="12700" cap="flat" cmpd="sng" algn="ctr">
-                      <a:solidFill>
-                        <a:srgbClr val="BFBFBF"/>
-                      </a:solidFill>
-                      <a:prstDash val="solid"/>
-                      <a:round/>
-                      <a:headEnd type="none" w="med" len="med"/>
-                      <a:tailEnd type="none" w="med" len="med"/>
-                    </a:lnB>
-                    <a:solidFill>
-                      <a:srgbClr val="F2F2F2"/>
-                    </a:solidFill>
-                  </a:tcPr>
-                </a:tc>
-                <a:tc>
-                  <a:txBody>
-                    <a:bodyPr/>
-                    <a:lstStyle/>
-                    <a:p>
-                      <a:pPr marL="0" marR="0" algn="ctr">
-                        <a:lnSpc>
-                          <a:spcPct val="107000"/>
-                        </a:lnSpc>
-                        <a:spcBef>
-                          <a:spcPts val="0"/>
-                        </a:spcBef>
-                        <a:spcAft>
-                          <a:spcPts val="0"/>
-                        </a:spcAft>
-                      </a:pPr>
-                      <a:r>
-                        <a:rPr lang="en-US" sz="1200" dirty="0">
-                          <a:effectLst/>
-                          <a:latin typeface="Calibri" panose="020F0502020204030204" pitchFamily="34" charset="0"/>
-                          <a:ea typeface="Calibri" panose="020F0502020204030204" pitchFamily="34" charset="0"/>
-                          <a:cs typeface="Arial" panose="020B0604020202020204" pitchFamily="34" charset="0"/>
-                        </a:rPr>
-                        <a:t>5147</a:t>
-                      </a:r>
-                      <a:endParaRPr lang="en-US" sz="1100" dirty="0">
-                        <a:effectLst/>
-                        <a:latin typeface="Calibri" panose="020F0502020204030204" pitchFamily="34" charset="0"/>
-                        <a:ea typeface="Calibri" panose="020F0502020204030204" pitchFamily="34" charset="0"/>
-                        <a:cs typeface="Arial" panose="020B0604020202020204" pitchFamily="34" charset="0"/>
-                      </a:endParaRPr>
-                    </a:p>
-                  </a:txBody>
-                  <a:tcPr marL="68580" marR="68580" marT="0" marB="0" anchor="ctr">
-                    <a:lnL w="12700" cap="flat" cmpd="sng" algn="ctr">
-                      <a:solidFill>
-                        <a:srgbClr val="BFBFBF"/>
-                      </a:solidFill>
-                      <a:prstDash val="solid"/>
-                      <a:round/>
-                      <a:headEnd type="none" w="med" len="med"/>
-                      <a:tailEnd type="none" w="med" len="med"/>
-                    </a:lnL>
-                    <a:lnR w="12700" cap="flat" cmpd="sng" algn="ctr">
-                      <a:solidFill>
-                        <a:srgbClr val="BFBFBF"/>
-                      </a:solidFill>
-                      <a:prstDash val="solid"/>
-                      <a:round/>
-                      <a:headEnd type="none" w="med" len="med"/>
-                      <a:tailEnd type="none" w="med" len="med"/>
-                    </a:lnR>
-                    <a:lnT w="12700" cap="flat" cmpd="sng" algn="ctr">
-                      <a:solidFill>
-                        <a:srgbClr val="BFBFBF"/>
-                      </a:solidFill>
-                      <a:prstDash val="solid"/>
-                      <a:round/>
-                      <a:headEnd type="none" w="med" len="med"/>
-                      <a:tailEnd type="none" w="med" len="med"/>
-                    </a:lnT>
-                    <a:lnB w="12700" cap="flat" cmpd="sng" algn="ctr">
-                      <a:solidFill>
-                        <a:srgbClr val="BFBFBF"/>
-                      </a:solidFill>
-                      <a:prstDash val="solid"/>
-                      <a:round/>
-                      <a:headEnd type="none" w="med" len="med"/>
-                      <a:tailEnd type="none" w="med" len="med"/>
-                    </a:lnB>
-                    <a:solidFill>
-                      <a:srgbClr val="F2F2F2"/>
-                    </a:solidFill>
-                  </a:tcPr>
-                </a:tc>
-                <a:tc>
-                  <a:txBody>
-                    <a:bodyPr/>
-                    <a:lstStyle/>
-                    <a:p>
-                      <a:pPr marL="0" marR="0" algn="ctr">
-                        <a:lnSpc>
-                          <a:spcPct val="107000"/>
-                        </a:lnSpc>
-                        <a:spcBef>
-                          <a:spcPts val="0"/>
-                        </a:spcBef>
-                        <a:spcAft>
-                          <a:spcPts val="0"/>
-                        </a:spcAft>
-                      </a:pPr>
-                      <a:r>
-                        <a:rPr lang="en-US" sz="1200" dirty="0">
-                          <a:effectLst/>
-                          <a:latin typeface="Calibri" panose="020F0502020204030204" pitchFamily="34" charset="0"/>
-                          <a:ea typeface="Calibri" panose="020F0502020204030204" pitchFamily="34" charset="0"/>
-                          <a:cs typeface="Arial" panose="020B0604020202020204" pitchFamily="34" charset="0"/>
-                        </a:rPr>
-                        <a:t>4849</a:t>
-                      </a:r>
-                      <a:endParaRPr lang="en-US" sz="1100" dirty="0">
-                        <a:effectLst/>
-                        <a:latin typeface="Calibri" panose="020F0502020204030204" pitchFamily="34" charset="0"/>
-                        <a:ea typeface="Calibri" panose="020F0502020204030204" pitchFamily="34" charset="0"/>
-                        <a:cs typeface="Arial" panose="020B0604020202020204" pitchFamily="34" charset="0"/>
-                      </a:endParaRPr>
-                    </a:p>
-                  </a:txBody>
-                  <a:tcPr marL="68580" marR="68580" marT="0" marB="0" anchor="ctr">
-                    <a:lnL w="12700" cap="flat" cmpd="sng" algn="ctr">
-                      <a:solidFill>
-                        <a:srgbClr val="BFBFBF"/>
-                      </a:solidFill>
-                      <a:prstDash val="solid"/>
-                      <a:round/>
-                      <a:headEnd type="none" w="med" len="med"/>
-                      <a:tailEnd type="none" w="med" len="med"/>
-                    </a:lnL>
-                    <a:lnR w="12700" cap="flat" cmpd="sng" algn="ctr">
-                      <a:solidFill>
-                        <a:srgbClr val="BFBFBF"/>
-                      </a:solidFill>
-                      <a:prstDash val="solid"/>
-                      <a:round/>
-                      <a:headEnd type="none" w="med" len="med"/>
-                      <a:tailEnd type="none" w="med" len="med"/>
-                    </a:lnR>
-                    <a:lnT w="12700" cap="flat" cmpd="sng" algn="ctr">
-                      <a:solidFill>
-                        <a:srgbClr val="BFBFBF"/>
-                      </a:solidFill>
-                      <a:prstDash val="solid"/>
-                      <a:round/>
-                      <a:headEnd type="none" w="med" len="med"/>
-                      <a:tailEnd type="none" w="med" len="med"/>
-                    </a:lnT>
-                    <a:lnB w="12700" cap="flat" cmpd="sng" algn="ctr">
-                      <a:solidFill>
-                        <a:srgbClr val="BFBFBF"/>
-                      </a:solidFill>
-                      <a:prstDash val="solid"/>
-                      <a:round/>
-                      <a:headEnd type="none" w="med" len="med"/>
-                      <a:tailEnd type="none" w="med" len="med"/>
-                    </a:lnB>
-                    <a:solidFill>
-                      <a:srgbClr val="F2F2F2"/>
-                    </a:solidFill>
-                  </a:tcPr>
-                </a:tc>
-                <a:extLst>
-                  <a:ext uri="{0D108BD9-81ED-4DB2-BD59-A6C34878D82A}">
-                    <a16:rowId xmlns:a16="http://schemas.microsoft.com/office/drawing/2014/main" val="1603898590"/>
-                  </a:ext>
-                </a:extLst>
-              </a:tr>
-              <a:tr h="398938">
-                <a:tc>
-                  <a:txBody>
-                    <a:bodyPr/>
-                    <a:lstStyle/>
-                    <a:p>
-                      <a:pPr marL="0" marR="0">
-                        <a:lnSpc>
-                          <a:spcPct val="107000"/>
-                        </a:lnSpc>
-                        <a:spcBef>
-                          <a:spcPts val="0"/>
-                        </a:spcBef>
-                        <a:spcAft>
-                          <a:spcPts val="0"/>
-                        </a:spcAft>
-                      </a:pPr>
-                      <a:r>
-                        <a:rPr lang="en-US" sz="1200" b="1">
-                          <a:effectLst/>
-                          <a:latin typeface="Calibri" panose="020F0502020204030204" pitchFamily="34" charset="0"/>
-                          <a:ea typeface="Calibri" panose="020F0502020204030204" pitchFamily="34" charset="0"/>
-                          <a:cs typeface="Arial" panose="020B0604020202020204" pitchFamily="34" charset="0"/>
-                        </a:rPr>
-                        <a:t>Total Churned Customers</a:t>
-                      </a:r>
-                      <a:endParaRPr lang="en-US" sz="1100">
-                        <a:effectLst/>
-                        <a:latin typeface="Calibri" panose="020F0502020204030204" pitchFamily="34" charset="0"/>
-                        <a:ea typeface="Calibri" panose="020F0502020204030204" pitchFamily="34" charset="0"/>
-                        <a:cs typeface="Arial" panose="020B0604020202020204" pitchFamily="34" charset="0"/>
-                      </a:endParaRPr>
-                    </a:p>
-                  </a:txBody>
-                  <a:tcPr marL="68580" marR="68580" marT="0" marB="0" anchor="ctr">
-                    <a:lnL w="12700" cap="flat" cmpd="sng" algn="ctr">
-                      <a:solidFill>
-                        <a:srgbClr val="BFBFBF"/>
-                      </a:solidFill>
-                      <a:prstDash val="solid"/>
-                      <a:round/>
-                      <a:headEnd type="none" w="med" len="med"/>
-                      <a:tailEnd type="none" w="med" len="med"/>
-                    </a:lnL>
-                    <a:lnR w="12700" cap="flat" cmpd="sng" algn="ctr">
-                      <a:solidFill>
-                        <a:srgbClr val="BFBFBF"/>
-                      </a:solidFill>
-                      <a:prstDash val="solid"/>
-                      <a:round/>
-                      <a:headEnd type="none" w="med" len="med"/>
-                      <a:tailEnd type="none" w="med" len="med"/>
-                    </a:lnR>
-                    <a:lnT w="12700" cap="flat" cmpd="sng" algn="ctr">
-                      <a:solidFill>
-                        <a:srgbClr val="BFBFBF"/>
-                      </a:solidFill>
-                      <a:prstDash val="solid"/>
-                      <a:round/>
-                      <a:headEnd type="none" w="med" len="med"/>
-                      <a:tailEnd type="none" w="med" len="med"/>
-                    </a:lnT>
-                    <a:lnB w="12700" cap="flat" cmpd="sng" algn="ctr">
-                      <a:solidFill>
-                        <a:srgbClr val="BFBFBF"/>
-                      </a:solidFill>
-                      <a:prstDash val="solid"/>
-                      <a:round/>
-                      <a:headEnd type="none" w="med" len="med"/>
-                      <a:tailEnd type="none" w="med" len="med"/>
-                    </a:lnB>
-                  </a:tcPr>
-                </a:tc>
-                <a:tc>
-                  <a:txBody>
-                    <a:bodyPr/>
-                    <a:lstStyle/>
-                    <a:p>
-                      <a:pPr marL="0" marR="0" algn="ctr">
-                        <a:lnSpc>
-                          <a:spcPct val="107000"/>
-                        </a:lnSpc>
-                        <a:spcBef>
-                          <a:spcPts val="0"/>
-                        </a:spcBef>
-                        <a:spcAft>
-                          <a:spcPts val="0"/>
-                        </a:spcAft>
-                      </a:pPr>
-                      <a:r>
-                        <a:rPr lang="en-US" sz="1200" dirty="0">
-                          <a:effectLst/>
-                          <a:latin typeface="Calibri" panose="020F0502020204030204" pitchFamily="34" charset="0"/>
-                          <a:ea typeface="Calibri" panose="020F0502020204030204" pitchFamily="34" charset="0"/>
-                          <a:cs typeface="Arial" panose="020B0604020202020204" pitchFamily="34" charset="0"/>
-                        </a:rPr>
-                        <a:t>735</a:t>
-                      </a:r>
-                      <a:endParaRPr lang="en-US" sz="1100" dirty="0">
-                        <a:effectLst/>
-                        <a:latin typeface="Calibri" panose="020F0502020204030204" pitchFamily="34" charset="0"/>
-                        <a:ea typeface="Calibri" panose="020F0502020204030204" pitchFamily="34" charset="0"/>
-                        <a:cs typeface="Arial" panose="020B0604020202020204" pitchFamily="34" charset="0"/>
-                      </a:endParaRPr>
-                    </a:p>
-                  </a:txBody>
-                  <a:tcPr marL="68580" marR="68580" marT="0" marB="0" anchor="ctr">
-                    <a:lnL w="12700" cap="flat" cmpd="sng" algn="ctr">
-                      <a:solidFill>
-                        <a:srgbClr val="BFBFBF"/>
-                      </a:solidFill>
-                      <a:prstDash val="solid"/>
-                      <a:round/>
-                      <a:headEnd type="none" w="med" len="med"/>
-                      <a:tailEnd type="none" w="med" len="med"/>
-                    </a:lnL>
-                    <a:lnR w="12700" cap="flat" cmpd="sng" algn="ctr">
-                      <a:solidFill>
-                        <a:srgbClr val="BFBFBF"/>
-                      </a:solidFill>
-                      <a:prstDash val="solid"/>
-                      <a:round/>
-                      <a:headEnd type="none" w="med" len="med"/>
-                      <a:tailEnd type="none" w="med" len="med"/>
-                    </a:lnR>
-                    <a:lnT w="12700" cap="flat" cmpd="sng" algn="ctr">
-                      <a:solidFill>
-                        <a:srgbClr val="BFBFBF"/>
-                      </a:solidFill>
-                      <a:prstDash val="solid"/>
-                      <a:round/>
-                      <a:headEnd type="none" w="med" len="med"/>
-                      <a:tailEnd type="none" w="med" len="med"/>
-                    </a:lnT>
-                    <a:lnB w="12700" cap="flat" cmpd="sng" algn="ctr">
-                      <a:solidFill>
-                        <a:srgbClr val="BFBFBF"/>
-                      </a:solidFill>
-                      <a:prstDash val="solid"/>
-                      <a:round/>
-                      <a:headEnd type="none" w="med" len="med"/>
-                      <a:tailEnd type="none" w="med" len="med"/>
-                    </a:lnB>
-                  </a:tcPr>
-                </a:tc>
-                <a:tc>
-                  <a:txBody>
-                    <a:bodyPr/>
-                    <a:lstStyle/>
-                    <a:p>
-                      <a:pPr marL="0" marR="0" algn="ctr">
-                        <a:lnSpc>
-                          <a:spcPct val="107000"/>
-                        </a:lnSpc>
-                        <a:spcBef>
-                          <a:spcPts val="0"/>
-                        </a:spcBef>
-                        <a:spcAft>
-                          <a:spcPts val="0"/>
-                        </a:spcAft>
-                      </a:pPr>
-                      <a:r>
-                        <a:rPr lang="en-US" sz="1200" dirty="0">
-                          <a:effectLst/>
-                          <a:latin typeface="Calibri" panose="020F0502020204030204" pitchFamily="34" charset="0"/>
-                          <a:ea typeface="Calibri" panose="020F0502020204030204" pitchFamily="34" charset="0"/>
-                          <a:cs typeface="Arial" panose="020B0604020202020204" pitchFamily="34" charset="0"/>
-                        </a:rPr>
-                        <a:t>1302</a:t>
-                      </a:r>
-                      <a:endParaRPr lang="en-US" sz="1100" dirty="0">
-                        <a:effectLst/>
-                        <a:latin typeface="Calibri" panose="020F0502020204030204" pitchFamily="34" charset="0"/>
-                        <a:ea typeface="Calibri" panose="020F0502020204030204" pitchFamily="34" charset="0"/>
-                        <a:cs typeface="Arial" panose="020B0604020202020204" pitchFamily="34" charset="0"/>
-                      </a:endParaRPr>
-                    </a:p>
-                  </a:txBody>
-                  <a:tcPr marL="68580" marR="68580" marT="0" marB="0" anchor="ctr">
-                    <a:lnL w="12700" cap="flat" cmpd="sng" algn="ctr">
-                      <a:solidFill>
-                        <a:srgbClr val="BFBFBF"/>
-                      </a:solidFill>
-                      <a:prstDash val="solid"/>
-                      <a:round/>
-                      <a:headEnd type="none" w="med" len="med"/>
-                      <a:tailEnd type="none" w="med" len="med"/>
-                    </a:lnL>
-                    <a:lnR w="12700" cap="flat" cmpd="sng" algn="ctr">
-                      <a:solidFill>
-                        <a:srgbClr val="BFBFBF"/>
-                      </a:solidFill>
-                      <a:prstDash val="solid"/>
-                      <a:round/>
-                      <a:headEnd type="none" w="med" len="med"/>
-                      <a:tailEnd type="none" w="med" len="med"/>
-                    </a:lnR>
-                    <a:lnT w="12700" cap="flat" cmpd="sng" algn="ctr">
-                      <a:solidFill>
-                        <a:srgbClr val="BFBFBF"/>
-                      </a:solidFill>
-                      <a:prstDash val="solid"/>
-                      <a:round/>
-                      <a:headEnd type="none" w="med" len="med"/>
-                      <a:tailEnd type="none" w="med" len="med"/>
-                    </a:lnT>
-                    <a:lnB w="12700" cap="flat" cmpd="sng" algn="ctr">
-                      <a:solidFill>
-                        <a:srgbClr val="BFBFBF"/>
-                      </a:solidFill>
-                      <a:prstDash val="solid"/>
-                      <a:round/>
-                      <a:headEnd type="none" w="med" len="med"/>
-                      <a:tailEnd type="none" w="med" len="med"/>
-                    </a:lnB>
-                  </a:tcPr>
-                </a:tc>
-                <a:extLst>
-                  <a:ext uri="{0D108BD9-81ED-4DB2-BD59-A6C34878D82A}">
-                    <a16:rowId xmlns:a16="http://schemas.microsoft.com/office/drawing/2014/main" val="584269350"/>
-                  </a:ext>
-                </a:extLst>
-              </a:tr>
-              <a:tr h="398938">
-                <a:tc>
-                  <a:txBody>
-                    <a:bodyPr/>
-                    <a:lstStyle/>
-                    <a:p>
-                      <a:pPr marL="0" marR="0">
-                        <a:lnSpc>
-                          <a:spcPct val="107000"/>
-                        </a:lnSpc>
-                        <a:spcBef>
-                          <a:spcPts val="0"/>
-                        </a:spcBef>
-                        <a:spcAft>
-                          <a:spcPts val="0"/>
-                        </a:spcAft>
-                        <a:tabLst>
-                          <a:tab pos="375285" algn="l"/>
-                          <a:tab pos="1618615" algn="ctr"/>
-                        </a:tabLst>
-                      </a:pPr>
-                      <a:r>
-                        <a:rPr lang="en-US" sz="1200" b="1">
-                          <a:effectLst/>
-                          <a:latin typeface="Calibri" panose="020F0502020204030204" pitchFamily="34" charset="0"/>
-                          <a:ea typeface="Calibri" panose="020F0502020204030204" pitchFamily="34" charset="0"/>
-                          <a:cs typeface="Arial" panose="020B0604020202020204" pitchFamily="34" charset="0"/>
-                        </a:rPr>
-                        <a:t>Churn Rate Per Total Customers</a:t>
-                      </a:r>
-                      <a:endParaRPr lang="en-US" sz="1100">
-                        <a:effectLst/>
-                        <a:latin typeface="Calibri" panose="020F0502020204030204" pitchFamily="34" charset="0"/>
-                        <a:ea typeface="Calibri" panose="020F0502020204030204" pitchFamily="34" charset="0"/>
-                        <a:cs typeface="Arial" panose="020B0604020202020204" pitchFamily="34" charset="0"/>
-                      </a:endParaRPr>
-                    </a:p>
-                  </a:txBody>
-                  <a:tcPr marL="68580" marR="68580" marT="0" marB="0" anchor="ctr">
-                    <a:lnL w="12700" cap="flat" cmpd="sng" algn="ctr">
-                      <a:solidFill>
-                        <a:srgbClr val="BFBFBF"/>
-                      </a:solidFill>
-                      <a:prstDash val="solid"/>
-                      <a:round/>
-                      <a:headEnd type="none" w="med" len="med"/>
-                      <a:tailEnd type="none" w="med" len="med"/>
-                    </a:lnL>
-                    <a:lnR w="12700" cap="flat" cmpd="sng" algn="ctr">
-                      <a:solidFill>
-                        <a:srgbClr val="BFBFBF"/>
-                      </a:solidFill>
-                      <a:prstDash val="solid"/>
-                      <a:round/>
-                      <a:headEnd type="none" w="med" len="med"/>
-                      <a:tailEnd type="none" w="med" len="med"/>
-                    </a:lnR>
-                    <a:lnT w="12700" cap="flat" cmpd="sng" algn="ctr">
-                      <a:solidFill>
-                        <a:srgbClr val="BFBFBF"/>
-                      </a:solidFill>
-                      <a:prstDash val="solid"/>
-                      <a:round/>
-                      <a:headEnd type="none" w="med" len="med"/>
-                      <a:tailEnd type="none" w="med" len="med"/>
-                    </a:lnT>
-                    <a:lnB w="12700" cap="flat" cmpd="sng" algn="ctr">
-                      <a:solidFill>
-                        <a:srgbClr val="BFBFBF"/>
-                      </a:solidFill>
-                      <a:prstDash val="solid"/>
-                      <a:round/>
-                      <a:headEnd type="none" w="med" len="med"/>
-                      <a:tailEnd type="none" w="med" len="med"/>
-                    </a:lnB>
-                    <a:solidFill>
-                      <a:srgbClr val="F2F2F2"/>
-                    </a:solidFill>
-                  </a:tcPr>
-                </a:tc>
-                <a:tc>
-                  <a:txBody>
-                    <a:bodyPr/>
-                    <a:lstStyle/>
-                    <a:p>
-                      <a:pPr marL="0" marR="0" algn="ctr">
-                        <a:lnSpc>
-                          <a:spcPct val="107000"/>
-                        </a:lnSpc>
-                        <a:spcBef>
-                          <a:spcPts val="0"/>
-                        </a:spcBef>
-                        <a:spcAft>
-                          <a:spcPts val="0"/>
-                        </a:spcAft>
-                      </a:pPr>
-                      <a:r>
-                        <a:rPr lang="en-US" sz="1200">
-                          <a:effectLst/>
-                          <a:latin typeface="Calibri" panose="020F0502020204030204" pitchFamily="34" charset="0"/>
-                          <a:ea typeface="Calibri" panose="020F0502020204030204" pitchFamily="34" charset="0"/>
-                          <a:cs typeface="Arial" panose="020B0604020202020204" pitchFamily="34" charset="0"/>
-                        </a:rPr>
-                        <a:t>14.3%</a:t>
-                      </a:r>
-                      <a:endParaRPr lang="en-US" sz="1100">
-                        <a:effectLst/>
-                        <a:latin typeface="Calibri" panose="020F0502020204030204" pitchFamily="34" charset="0"/>
-                        <a:ea typeface="Calibri" panose="020F0502020204030204" pitchFamily="34" charset="0"/>
-                        <a:cs typeface="Arial" panose="020B0604020202020204" pitchFamily="34" charset="0"/>
-                      </a:endParaRPr>
-                    </a:p>
-                  </a:txBody>
-                  <a:tcPr marL="68580" marR="68580" marT="0" marB="0" anchor="ctr">
-                    <a:lnL w="12700" cap="flat" cmpd="sng" algn="ctr">
-                      <a:solidFill>
-                        <a:srgbClr val="BFBFBF"/>
-                      </a:solidFill>
-                      <a:prstDash val="solid"/>
-                      <a:round/>
-                      <a:headEnd type="none" w="med" len="med"/>
-                      <a:tailEnd type="none" w="med" len="med"/>
-                    </a:lnL>
-                    <a:lnR w="12700" cap="flat" cmpd="sng" algn="ctr">
-                      <a:solidFill>
-                        <a:srgbClr val="BFBFBF"/>
-                      </a:solidFill>
-                      <a:prstDash val="solid"/>
-                      <a:round/>
-                      <a:headEnd type="none" w="med" len="med"/>
-                      <a:tailEnd type="none" w="med" len="med"/>
-                    </a:lnR>
-                    <a:lnT w="12700" cap="flat" cmpd="sng" algn="ctr">
-                      <a:solidFill>
-                        <a:srgbClr val="BFBFBF"/>
-                      </a:solidFill>
-                      <a:prstDash val="solid"/>
-                      <a:round/>
-                      <a:headEnd type="none" w="med" len="med"/>
-                      <a:tailEnd type="none" w="med" len="med"/>
-                    </a:lnT>
-                    <a:lnB w="12700" cap="flat" cmpd="sng" algn="ctr">
-                      <a:solidFill>
-                        <a:srgbClr val="BFBFBF"/>
-                      </a:solidFill>
-                      <a:prstDash val="solid"/>
-                      <a:round/>
-                      <a:headEnd type="none" w="med" len="med"/>
-                      <a:tailEnd type="none" w="med" len="med"/>
-                    </a:lnB>
-                    <a:solidFill>
-                      <a:srgbClr val="F2F2F2"/>
-                    </a:solidFill>
-                  </a:tcPr>
-                </a:tc>
-                <a:tc>
-                  <a:txBody>
-                    <a:bodyPr/>
-                    <a:lstStyle/>
-                    <a:p>
-                      <a:pPr marL="0" marR="0" algn="ctr">
-                        <a:lnSpc>
-                          <a:spcPct val="107000"/>
-                        </a:lnSpc>
-                        <a:spcBef>
-                          <a:spcPts val="0"/>
-                        </a:spcBef>
-                        <a:spcAft>
-                          <a:spcPts val="0"/>
-                        </a:spcAft>
-                      </a:pPr>
-                      <a:r>
-                        <a:rPr lang="en-US" sz="1200" dirty="0">
-                          <a:effectLst/>
-                          <a:latin typeface="Calibri" panose="020F0502020204030204" pitchFamily="34" charset="0"/>
-                          <a:ea typeface="Calibri" panose="020F0502020204030204" pitchFamily="34" charset="0"/>
-                          <a:cs typeface="Arial" panose="020B0604020202020204" pitchFamily="34" charset="0"/>
-                        </a:rPr>
-                        <a:t>26.9%</a:t>
-                      </a:r>
-                      <a:endParaRPr lang="en-US" sz="1100" dirty="0">
-                        <a:effectLst/>
-                        <a:latin typeface="Calibri" panose="020F0502020204030204" pitchFamily="34" charset="0"/>
-                        <a:ea typeface="Calibri" panose="020F0502020204030204" pitchFamily="34" charset="0"/>
-                        <a:cs typeface="Arial" panose="020B0604020202020204" pitchFamily="34" charset="0"/>
-                      </a:endParaRPr>
-                    </a:p>
-                  </a:txBody>
-                  <a:tcPr marL="68580" marR="68580" marT="0" marB="0" anchor="ctr">
-                    <a:lnL w="12700" cap="flat" cmpd="sng" algn="ctr">
-                      <a:solidFill>
-                        <a:srgbClr val="BFBFBF"/>
-                      </a:solidFill>
-                      <a:prstDash val="solid"/>
-                      <a:round/>
-                      <a:headEnd type="none" w="med" len="med"/>
-                      <a:tailEnd type="none" w="med" len="med"/>
-                    </a:lnL>
-                    <a:lnR w="12700" cap="flat" cmpd="sng" algn="ctr">
-                      <a:solidFill>
-                        <a:srgbClr val="BFBFBF"/>
-                      </a:solidFill>
-                      <a:prstDash val="solid"/>
-                      <a:round/>
-                      <a:headEnd type="none" w="med" len="med"/>
-                      <a:tailEnd type="none" w="med" len="med"/>
-                    </a:lnR>
-                    <a:lnT w="12700" cap="flat" cmpd="sng" algn="ctr">
-                      <a:solidFill>
-                        <a:srgbClr val="BFBFBF"/>
-                      </a:solidFill>
-                      <a:prstDash val="solid"/>
-                      <a:round/>
-                      <a:headEnd type="none" w="med" len="med"/>
-                      <a:tailEnd type="none" w="med" len="med"/>
-                    </a:lnT>
-                    <a:lnB w="12700" cap="flat" cmpd="sng" algn="ctr">
-                      <a:solidFill>
-                        <a:srgbClr val="BFBFBF"/>
-                      </a:solidFill>
-                      <a:prstDash val="solid"/>
-                      <a:round/>
-                      <a:headEnd type="none" w="med" len="med"/>
-                      <a:tailEnd type="none" w="med" len="med"/>
-                    </a:lnB>
-                    <a:solidFill>
-                      <a:srgbClr val="F2F2F2"/>
-                    </a:solidFill>
-                  </a:tcPr>
-                </a:tc>
-                <a:extLst>
-                  <a:ext uri="{0D108BD9-81ED-4DB2-BD59-A6C34878D82A}">
-                    <a16:rowId xmlns:a16="http://schemas.microsoft.com/office/drawing/2014/main" val="3816900473"/>
-                  </a:ext>
-                </a:extLst>
-              </a:tr>
-            </a:tbl>
-          </a:graphicData>
-        </a:graphic>
-      </p:graphicFrame>
-      <p:pic>
-        <p:nvPicPr>
-          <p:cNvPr id="8" name="Picture Placeholder 7"/>
-          <p:cNvPicPr>
-            <a:picLocks noGrp="1" noChangeAspect="1"/>
-          </p:cNvPicPr>
-          <p:nvPr>
-            <p:ph type="pic" sz="quarter" idx="13"/>
-          </p:nvPr>
-        </p:nvPicPr>
-        <p:blipFill rotWithShape="1">
-          <a:blip r:embed="rId2">
-            <a:extLst>
-              <a:ext uri="{28A0092B-C50C-407E-A947-70E740481C1C}">
-                <a14:useLocalDpi xmlns:a14="http://schemas.microsoft.com/office/drawing/2010/main" val="0"/>
-              </a:ext>
-            </a:extLst>
-          </a:blip>
-          <a:srcRect l="16903" t="17640" r="7225" b="26435"/>
-          <a:stretch/>
-        </p:blipFill>
-        <p:spPr>
-          <a:xfrm>
-            <a:off x="6876661" y="1091682"/>
-            <a:ext cx="4273422" cy="4040155"/>
-          </a:xfrm>
-        </p:spPr>
-      </p:pic>
-    </p:spTree>
-    <p:extLst>
-      <p:ext uri="{BB962C8B-B14F-4D97-AF65-F5344CB8AC3E}">
-        <p14:creationId xmlns:p14="http://schemas.microsoft.com/office/powerpoint/2010/main" val="3528336251"/>
-      </p:ext>
-    </p:extLst>
-  </p:cSld>
-  <p:clrMapOvr>
-    <a:masterClrMapping/>
-  </p:clrMapOvr>
-</p:sld>
-</file>
-
-<file path=ppt/slides/slide51.xml><?xml version="1.0" encoding="utf-8"?>
-<p:sld xmlns:a="http://schemas.openxmlformats.org/drawingml/2006/main" xmlns:r="http://schemas.openxmlformats.org/officeDocument/2006/relationships" xmlns:p="http://schemas.openxmlformats.org/presentationml/2006/main">
-  <p:cSld>
-    <p:spTree>
-      <p:nvGrpSpPr>
-        <p:cNvPr id="1" name=""/>
-        <p:cNvGrpSpPr/>
-        <p:nvPr/>
-      </p:nvGrpSpPr>
-      <p:grpSpPr>
-        <a:xfrm>
-          <a:off x="0" y="0"/>
-          <a:ext cx="0" cy="0"/>
-          <a:chOff x="0" y="0"/>
-          <a:chExt cx="0" cy="0"/>
-        </a:xfrm>
-      </p:grpSpPr>
-      <p:sp>
-        <p:nvSpPr>
           <p:cNvPr id="4" name="Title 3"/>
           <p:cNvSpPr>
             <a:spLocks noGrp="1"/>
@@ -39250,7 +39065,7 @@
 </p:sld>
 </file>
 
-<file path=ppt/slides/slide52.xml><?xml version="1.0" encoding="utf-8"?>
+<file path=ppt/slides/slide51.xml><?xml version="1.0" encoding="utf-8"?>
 <p:sld xmlns:a="http://schemas.openxmlformats.org/drawingml/2006/main" xmlns:r="http://schemas.openxmlformats.org/officeDocument/2006/relationships" xmlns:p="http://schemas.openxmlformats.org/presentationml/2006/main">
   <p:cSld>
     <p:spTree>
@@ -39343,7 +39158,7 @@
 </p:sld>
 </file>
 
-<file path=ppt/slides/slide53.xml><?xml version="1.0" encoding="utf-8"?>
+<file path=ppt/slides/slide52.xml><?xml version="1.0" encoding="utf-8"?>
 <p:sld xmlns:a="http://schemas.openxmlformats.org/drawingml/2006/main" xmlns:r="http://schemas.openxmlformats.org/officeDocument/2006/relationships" xmlns:p="http://schemas.openxmlformats.org/presentationml/2006/main">
   <p:cSld>
     <p:spTree>
@@ -39432,7 +39247,7 @@
 </p:sld>
 </file>
 
-<file path=ppt/slides/slide54.xml><?xml version="1.0" encoding="utf-8"?>
+<file path=ppt/slides/slide53.xml><?xml version="1.0" encoding="utf-8"?>
 <p:sld xmlns:a="http://schemas.openxmlformats.org/drawingml/2006/main" xmlns:r="http://schemas.openxmlformats.org/officeDocument/2006/relationships" xmlns:p="http://schemas.openxmlformats.org/presentationml/2006/main">
   <p:cSld>
     <p:spTree>
@@ -39521,7 +39336,7 @@
 </p:sld>
 </file>
 
-<file path=ppt/slides/slide55.xml><?xml version="1.0" encoding="utf-8"?>
+<file path=ppt/slides/slide54.xml><?xml version="1.0" encoding="utf-8"?>
 <p:sld xmlns:a="http://schemas.openxmlformats.org/drawingml/2006/main" xmlns:r="http://schemas.openxmlformats.org/officeDocument/2006/relationships" xmlns:p="http://schemas.openxmlformats.org/presentationml/2006/main">
   <p:cSld>
     <p:spTree>
@@ -39717,7 +39532,7 @@
 </p:sld>
 </file>
 
-<file path=ppt/slides/slide56.xml><?xml version="1.0" encoding="utf-8"?>
+<file path=ppt/slides/slide55.xml><?xml version="1.0" encoding="utf-8"?>
 <p:sld xmlns:a="http://schemas.openxmlformats.org/drawingml/2006/main" xmlns:r="http://schemas.openxmlformats.org/officeDocument/2006/relationships" xmlns:p="http://schemas.openxmlformats.org/presentationml/2006/main">
   <p:cSld>
     <p:spTree>
@@ -40047,7 +39862,7 @@
 </p:sld>
 </file>
 
-<file path=ppt/slides/slide57.xml><?xml version="1.0" encoding="utf-8"?>
+<file path=ppt/slides/slide56.xml><?xml version="1.0" encoding="utf-8"?>
 <p:sld xmlns:a="http://schemas.openxmlformats.org/drawingml/2006/main" xmlns:r="http://schemas.openxmlformats.org/officeDocument/2006/relationships" xmlns:p="http://schemas.openxmlformats.org/presentationml/2006/main">
   <p:cSld>
     <p:spTree>
@@ -40354,7 +40169,7 @@
 </p:sld>
 </file>
 
-<file path=ppt/slides/slide58.xml><?xml version="1.0" encoding="utf-8"?>
+<file path=ppt/slides/slide57.xml><?xml version="1.0" encoding="utf-8"?>
 <p:sld xmlns:a="http://schemas.openxmlformats.org/drawingml/2006/main" xmlns:r="http://schemas.openxmlformats.org/officeDocument/2006/relationships" xmlns:p="http://schemas.openxmlformats.org/presentationml/2006/main">
   <p:cSld>
     <p:spTree>
@@ -40644,7 +40459,7 @@
 </p:sld>
 </file>
 
-<file path=ppt/slides/slide59.xml><?xml version="1.0" encoding="utf-8"?>
+<file path=ppt/slides/slide58.xml><?xml version="1.0" encoding="utf-8"?>
 <p:sld xmlns:a="http://schemas.openxmlformats.org/drawingml/2006/main" xmlns:r="http://schemas.openxmlformats.org/officeDocument/2006/relationships" xmlns:p="http://schemas.openxmlformats.org/presentationml/2006/main">
   <p:cSld>
     <p:spTree>
@@ -40942,93 +40757,7 @@
 </p:sld>
 </file>
 
-<file path=ppt/slides/slide6.xml><?xml version="1.0" encoding="utf-8"?>
-<p:sld xmlns:a="http://schemas.openxmlformats.org/drawingml/2006/main" xmlns:r="http://schemas.openxmlformats.org/officeDocument/2006/relationships" xmlns:p="http://schemas.openxmlformats.org/presentationml/2006/main">
-  <p:cSld>
-    <p:spTree>
-      <p:nvGrpSpPr>
-        <p:cNvPr id="1" name=""/>
-        <p:cNvGrpSpPr/>
-        <p:nvPr/>
-      </p:nvGrpSpPr>
-      <p:grpSpPr>
-        <a:xfrm>
-          <a:off x="0" y="0"/>
-          <a:ext cx="0" cy="0"/>
-          <a:chOff x="0" y="0"/>
-          <a:chExt cx="0" cy="0"/>
-        </a:xfrm>
-      </p:grpSpPr>
-      <p:pic>
-        <p:nvPicPr>
-          <p:cNvPr id="4" name="Content Placeholder 3"/>
-          <p:cNvPicPr>
-            <a:picLocks noGrp="1" noChangeAspect="1"/>
-          </p:cNvPicPr>
-          <p:nvPr>
-            <p:ph idx="1"/>
-          </p:nvPr>
-        </p:nvPicPr>
-        <p:blipFill>
-          <a:blip r:embed="rId2">
-            <a:extLst>
-              <a:ext uri="{28A0092B-C50C-407E-A947-70E740481C1C}">
-                <a14:useLocalDpi xmlns:a14="http://schemas.microsoft.com/office/drawing/2010/main" val="0"/>
-              </a:ext>
-            </a:extLst>
-          </a:blip>
-          <a:stretch>
-            <a:fillRect/>
-          </a:stretch>
-        </p:blipFill>
-        <p:spPr>
-          <a:xfrm>
-            <a:off x="1096963" y="2496699"/>
-            <a:ext cx="10058400" cy="2391587"/>
-          </a:xfrm>
-        </p:spPr>
-      </p:pic>
-      <p:sp>
-        <p:nvSpPr>
-          <p:cNvPr id="3" name="Title 2"/>
-          <p:cNvSpPr>
-            <a:spLocks noGrp="1"/>
-          </p:cNvSpPr>
-          <p:nvPr>
-            <p:ph type="title"/>
-          </p:nvPr>
-        </p:nvSpPr>
-        <p:spPr/>
-        <p:txBody>
-          <a:bodyPr/>
-          <a:lstStyle/>
-          <a:p>
-            <a:r>
-              <a:rPr lang="en-US" dirty="0">
-                <a:solidFill>
-                  <a:schemeClr val="tx1"/>
-                </a:solidFill>
-              </a:rPr>
-              <a:t>Customer churn demographic table</a:t>
-            </a:r>
-            <a:endParaRPr lang="en-US" dirty="0"/>
-          </a:p>
-        </p:txBody>
-      </p:sp>
-    </p:spTree>
-    <p:extLst>
-      <p:ext uri="{BB962C8B-B14F-4D97-AF65-F5344CB8AC3E}">
-        <p14:creationId xmlns:p14="http://schemas.microsoft.com/office/powerpoint/2010/main" val="1035632447"/>
-      </p:ext>
-    </p:extLst>
-  </p:cSld>
-  <p:clrMapOvr>
-    <a:masterClrMapping/>
-  </p:clrMapOvr>
-</p:sld>
-</file>
-
-<file path=ppt/slides/slide60.xml><?xml version="1.0" encoding="utf-8"?>
+<file path=ppt/slides/slide59.xml><?xml version="1.0" encoding="utf-8"?>
 <p:sld xmlns:a="http://schemas.openxmlformats.org/drawingml/2006/main" xmlns:r="http://schemas.openxmlformats.org/officeDocument/2006/relationships" xmlns:p="http://schemas.openxmlformats.org/presentationml/2006/main">
   <p:cSld>
     <p:spTree>
@@ -41309,7 +41038,93 @@
 </p:sld>
 </file>
 
-<file path=ppt/slides/slide61.xml><?xml version="1.0" encoding="utf-8"?>
+<file path=ppt/slides/slide6.xml><?xml version="1.0" encoding="utf-8"?>
+<p:sld xmlns:a="http://schemas.openxmlformats.org/drawingml/2006/main" xmlns:r="http://schemas.openxmlformats.org/officeDocument/2006/relationships" xmlns:p="http://schemas.openxmlformats.org/presentationml/2006/main">
+  <p:cSld>
+    <p:spTree>
+      <p:nvGrpSpPr>
+        <p:cNvPr id="1" name=""/>
+        <p:cNvGrpSpPr/>
+        <p:nvPr/>
+      </p:nvGrpSpPr>
+      <p:grpSpPr>
+        <a:xfrm>
+          <a:off x="0" y="0"/>
+          <a:ext cx="0" cy="0"/>
+          <a:chOff x="0" y="0"/>
+          <a:chExt cx="0" cy="0"/>
+        </a:xfrm>
+      </p:grpSpPr>
+      <p:pic>
+        <p:nvPicPr>
+          <p:cNvPr id="4" name="Content Placeholder 3"/>
+          <p:cNvPicPr>
+            <a:picLocks noGrp="1" noChangeAspect="1"/>
+          </p:cNvPicPr>
+          <p:nvPr>
+            <p:ph idx="1"/>
+          </p:nvPr>
+        </p:nvPicPr>
+        <p:blipFill>
+          <a:blip r:embed="rId2">
+            <a:extLst>
+              <a:ext uri="{28A0092B-C50C-407E-A947-70E740481C1C}">
+                <a14:useLocalDpi xmlns:a14="http://schemas.microsoft.com/office/drawing/2010/main" val="0"/>
+              </a:ext>
+            </a:extLst>
+          </a:blip>
+          <a:stretch>
+            <a:fillRect/>
+          </a:stretch>
+        </p:blipFill>
+        <p:spPr>
+          <a:xfrm>
+            <a:off x="1096963" y="2496699"/>
+            <a:ext cx="10058400" cy="2391587"/>
+          </a:xfrm>
+        </p:spPr>
+      </p:pic>
+      <p:sp>
+        <p:nvSpPr>
+          <p:cNvPr id="3" name="Title 2"/>
+          <p:cNvSpPr>
+            <a:spLocks noGrp="1"/>
+          </p:cNvSpPr>
+          <p:nvPr>
+            <p:ph type="title"/>
+          </p:nvPr>
+        </p:nvSpPr>
+        <p:spPr/>
+        <p:txBody>
+          <a:bodyPr/>
+          <a:lstStyle/>
+          <a:p>
+            <a:r>
+              <a:rPr lang="en-US" dirty="0">
+                <a:solidFill>
+                  <a:schemeClr val="tx1"/>
+                </a:solidFill>
+              </a:rPr>
+              <a:t>Customer churn demographic table</a:t>
+            </a:r>
+            <a:endParaRPr lang="en-US" dirty="0"/>
+          </a:p>
+        </p:txBody>
+      </p:sp>
+    </p:spTree>
+    <p:extLst>
+      <p:ext uri="{BB962C8B-B14F-4D97-AF65-F5344CB8AC3E}">
+        <p14:creationId xmlns:p14="http://schemas.microsoft.com/office/powerpoint/2010/main" val="1035632447"/>
+      </p:ext>
+    </p:extLst>
+  </p:cSld>
+  <p:clrMapOvr>
+    <a:masterClrMapping/>
+  </p:clrMapOvr>
+</p:sld>
+</file>
+
+<file path=ppt/slides/slide60.xml><?xml version="1.0" encoding="utf-8"?>
 <p:sld xmlns:a="http://schemas.openxmlformats.org/drawingml/2006/main" xmlns:r="http://schemas.openxmlformats.org/officeDocument/2006/relationships" xmlns:p="http://schemas.openxmlformats.org/presentationml/2006/main">
   <p:cSld>
     <p:spTree>
@@ -41607,7 +41422,7 @@
 </p:sld>
 </file>
 
-<file path=ppt/slides/slide62.xml><?xml version="1.0" encoding="utf-8"?>
+<file path=ppt/slides/slide61.xml><?xml version="1.0" encoding="utf-8"?>
 <p:sld xmlns:a="http://schemas.openxmlformats.org/drawingml/2006/main" xmlns:r="http://schemas.openxmlformats.org/officeDocument/2006/relationships" xmlns:p="http://schemas.openxmlformats.org/presentationml/2006/main">
   <p:cSld>
     <p:spTree>
@@ -41737,7 +41552,7 @@
 </p:sld>
 </file>
 
-<file path=ppt/slides/slide63.xml><?xml version="1.0" encoding="utf-8"?>
+<file path=ppt/slides/slide62.xml><?xml version="1.0" encoding="utf-8"?>
 <p:sld xmlns:a="http://schemas.openxmlformats.org/drawingml/2006/main" xmlns:r="http://schemas.openxmlformats.org/officeDocument/2006/relationships" xmlns:p="http://schemas.openxmlformats.org/presentationml/2006/main">
   <p:cSld>
     <p:spTree>
@@ -41954,7 +41769,7 @@
 </p:sld>
 </file>
 
-<file path=ppt/slides/slide64.xml><?xml version="1.0" encoding="utf-8"?>
+<file path=ppt/slides/slide63.xml><?xml version="1.0" encoding="utf-8"?>
 <p:sld xmlns:a="http://schemas.openxmlformats.org/drawingml/2006/main" xmlns:r="http://schemas.openxmlformats.org/officeDocument/2006/relationships" xmlns:p="http://schemas.openxmlformats.org/presentationml/2006/main">
   <p:cSld>
     <p:spTree>
@@ -42081,7 +41896,7 @@
 </p:sld>
 </file>
 
-<file path=ppt/slides/slide65.xml><?xml version="1.0" encoding="utf-8"?>
+<file path=ppt/slides/slide64.xml><?xml version="1.0" encoding="utf-8"?>
 <p:sld xmlns:a="http://schemas.openxmlformats.org/drawingml/2006/main" xmlns:r="http://schemas.openxmlformats.org/officeDocument/2006/relationships" xmlns:p="http://schemas.openxmlformats.org/presentationml/2006/main">
   <p:cSld>
     <p:spTree>
@@ -42235,7 +42050,7 @@
 </p:sld>
 </file>
 
-<file path=ppt/slides/slide66.xml><?xml version="1.0" encoding="utf-8"?>
+<file path=ppt/slides/slide65.xml><?xml version="1.0" encoding="utf-8"?>
 <p:sld xmlns:a="http://schemas.openxmlformats.org/drawingml/2006/main" xmlns:r="http://schemas.openxmlformats.org/officeDocument/2006/relationships" xmlns:p="http://schemas.openxmlformats.org/presentationml/2006/main">
   <p:cSld>
     <p:spTree>
@@ -42398,7 +42213,7 @@
 </p:sld>
 </file>
 
-<file path=ppt/slides/slide67.xml><?xml version="1.0" encoding="utf-8"?>
+<file path=ppt/slides/slide66.xml><?xml version="1.0" encoding="utf-8"?>
 <p:sld xmlns:a="http://schemas.openxmlformats.org/drawingml/2006/main" xmlns:r="http://schemas.openxmlformats.org/officeDocument/2006/relationships" xmlns:p="http://schemas.openxmlformats.org/presentationml/2006/main">
   <p:cSld>
     <p:spTree>
@@ -42527,7 +42342,7 @@
 </p:sld>
 </file>
 
-<file path=ppt/slides/slide68.xml><?xml version="1.0" encoding="utf-8"?>
+<file path=ppt/slides/slide67.xml><?xml version="1.0" encoding="utf-8"?>
 <p:sld xmlns:a="http://schemas.openxmlformats.org/drawingml/2006/main" xmlns:r="http://schemas.openxmlformats.org/officeDocument/2006/relationships" xmlns:p="http://schemas.openxmlformats.org/presentationml/2006/main">
   <p:cSld>
     <p:spTree>
@@ -42910,7 +42725,7 @@
 </p:sld>
 </file>
 
-<file path=ppt/slides/slide69.xml><?xml version="1.0" encoding="utf-8"?>
+<file path=ppt/slides/slide68.xml><?xml version="1.0" encoding="utf-8"?>
 <p:sld xmlns:a="http://schemas.openxmlformats.org/drawingml/2006/main" xmlns:r="http://schemas.openxmlformats.org/officeDocument/2006/relationships" xmlns:p="http://schemas.openxmlformats.org/presentationml/2006/main">
   <p:cSld>
     <p:spTree>
@@ -42977,6 +42792,87 @@
     <p:extLst>
       <p:ext uri="{BB962C8B-B14F-4D97-AF65-F5344CB8AC3E}">
         <p14:creationId xmlns:p14="http://schemas.microsoft.com/office/powerpoint/2010/main" val="1111606237"/>
+      </p:ext>
+    </p:extLst>
+  </p:cSld>
+  <p:clrMapOvr>
+    <a:masterClrMapping/>
+  </p:clrMapOvr>
+</p:sld>
+</file>
+
+<file path=ppt/slides/slide69.xml><?xml version="1.0" encoding="utf-8"?>
+<p:sld xmlns:a="http://schemas.openxmlformats.org/drawingml/2006/main" xmlns:r="http://schemas.openxmlformats.org/officeDocument/2006/relationships" xmlns:p="http://schemas.openxmlformats.org/presentationml/2006/main">
+  <p:cSld>
+    <p:spTree>
+      <p:nvGrpSpPr>
+        <p:cNvPr id="1" name=""/>
+        <p:cNvGrpSpPr/>
+        <p:nvPr/>
+      </p:nvGrpSpPr>
+      <p:grpSpPr>
+        <a:xfrm>
+          <a:off x="0" y="0"/>
+          <a:ext cx="0" cy="0"/>
+          <a:chOff x="0" y="0"/>
+          <a:chExt cx="0" cy="0"/>
+        </a:xfrm>
+      </p:grpSpPr>
+      <p:pic>
+        <p:nvPicPr>
+          <p:cNvPr id="4" name="Content Placeholder 3"/>
+          <p:cNvPicPr>
+            <a:picLocks noGrp="1" noChangeAspect="1"/>
+          </p:cNvPicPr>
+          <p:nvPr>
+            <p:ph idx="1"/>
+          </p:nvPr>
+        </p:nvPicPr>
+        <p:blipFill>
+          <a:blip r:embed="rId2">
+            <a:extLst>
+              <a:ext uri="{28A0092B-C50C-407E-A947-70E740481C1C}">
+                <a14:useLocalDpi xmlns:a14="http://schemas.microsoft.com/office/drawing/2010/main" val="0"/>
+              </a:ext>
+            </a:extLst>
+          </a:blip>
+          <a:stretch>
+            <a:fillRect/>
+          </a:stretch>
+        </p:blipFill>
+        <p:spPr>
+          <a:xfrm>
+            <a:off x="1097280" y="2232175"/>
+            <a:ext cx="8943535" cy="3355346"/>
+          </a:xfrm>
+        </p:spPr>
+      </p:pic>
+      <p:sp>
+        <p:nvSpPr>
+          <p:cNvPr id="3" name="Title 2"/>
+          <p:cNvSpPr>
+            <a:spLocks noGrp="1"/>
+          </p:cNvSpPr>
+          <p:nvPr>
+            <p:ph type="title"/>
+          </p:nvPr>
+        </p:nvSpPr>
+        <p:spPr/>
+        <p:txBody>
+          <a:bodyPr/>
+          <a:lstStyle/>
+          <a:p>
+            <a:r>
+              <a:rPr lang="en-US" dirty="0"/>
+              <a:t>Saving model weights</a:t>
+            </a:r>
+          </a:p>
+        </p:txBody>
+      </p:sp>
+    </p:spTree>
+    <p:extLst>
+      <p:ext uri="{BB962C8B-B14F-4D97-AF65-F5344CB8AC3E}">
+        <p14:creationId xmlns:p14="http://schemas.microsoft.com/office/powerpoint/2010/main" val="2494047046"/>
       </p:ext>
     </p:extLst>
   </p:cSld>
@@ -43068,87 +42964,6 @@
 </file>
 
 <file path=ppt/slides/slide70.xml><?xml version="1.0" encoding="utf-8"?>
-<p:sld xmlns:a="http://schemas.openxmlformats.org/drawingml/2006/main" xmlns:r="http://schemas.openxmlformats.org/officeDocument/2006/relationships" xmlns:p="http://schemas.openxmlformats.org/presentationml/2006/main">
-  <p:cSld>
-    <p:spTree>
-      <p:nvGrpSpPr>
-        <p:cNvPr id="1" name=""/>
-        <p:cNvGrpSpPr/>
-        <p:nvPr/>
-      </p:nvGrpSpPr>
-      <p:grpSpPr>
-        <a:xfrm>
-          <a:off x="0" y="0"/>
-          <a:ext cx="0" cy="0"/>
-          <a:chOff x="0" y="0"/>
-          <a:chExt cx="0" cy="0"/>
-        </a:xfrm>
-      </p:grpSpPr>
-      <p:pic>
-        <p:nvPicPr>
-          <p:cNvPr id="4" name="Content Placeholder 3"/>
-          <p:cNvPicPr>
-            <a:picLocks noGrp="1" noChangeAspect="1"/>
-          </p:cNvPicPr>
-          <p:nvPr>
-            <p:ph idx="1"/>
-          </p:nvPr>
-        </p:nvPicPr>
-        <p:blipFill>
-          <a:blip r:embed="rId2">
-            <a:extLst>
-              <a:ext uri="{28A0092B-C50C-407E-A947-70E740481C1C}">
-                <a14:useLocalDpi xmlns:a14="http://schemas.microsoft.com/office/drawing/2010/main" val="0"/>
-              </a:ext>
-            </a:extLst>
-          </a:blip>
-          <a:stretch>
-            <a:fillRect/>
-          </a:stretch>
-        </p:blipFill>
-        <p:spPr>
-          <a:xfrm>
-            <a:off x="1097280" y="2232175"/>
-            <a:ext cx="8943535" cy="3355346"/>
-          </a:xfrm>
-        </p:spPr>
-      </p:pic>
-      <p:sp>
-        <p:nvSpPr>
-          <p:cNvPr id="3" name="Title 2"/>
-          <p:cNvSpPr>
-            <a:spLocks noGrp="1"/>
-          </p:cNvSpPr>
-          <p:nvPr>
-            <p:ph type="title"/>
-          </p:nvPr>
-        </p:nvSpPr>
-        <p:spPr/>
-        <p:txBody>
-          <a:bodyPr/>
-          <a:lstStyle/>
-          <a:p>
-            <a:r>
-              <a:rPr lang="en-US" dirty="0"/>
-              <a:t>Saving model weights</a:t>
-            </a:r>
-          </a:p>
-        </p:txBody>
-      </p:sp>
-    </p:spTree>
-    <p:extLst>
-      <p:ext uri="{BB962C8B-B14F-4D97-AF65-F5344CB8AC3E}">
-        <p14:creationId xmlns:p14="http://schemas.microsoft.com/office/powerpoint/2010/main" val="2494047046"/>
-      </p:ext>
-    </p:extLst>
-  </p:cSld>
-  <p:clrMapOvr>
-    <a:masterClrMapping/>
-  </p:clrMapOvr>
-</p:sld>
-</file>
-
-<file path=ppt/slides/slide71.xml><?xml version="1.0" encoding="utf-8"?>
 <p:sld xmlns:a="http://schemas.openxmlformats.org/drawingml/2006/main" xmlns:r="http://schemas.openxmlformats.org/officeDocument/2006/relationships" xmlns:p="http://schemas.openxmlformats.org/presentationml/2006/main">
   <p:cSld>
     <p:spTree>
@@ -43280,7 +43095,7 @@
 </p:sld>
 </file>
 
-<file path=ppt/slides/slide72.xml><?xml version="1.0" encoding="utf-8"?>
+<file path=ppt/slides/slide71.xml><?xml version="1.0" encoding="utf-8"?>
 <p:sld xmlns:a="http://schemas.openxmlformats.org/drawingml/2006/main" xmlns:r="http://schemas.openxmlformats.org/officeDocument/2006/relationships" xmlns:p="http://schemas.openxmlformats.org/presentationml/2006/main">
   <p:cSld>
     <p:spTree>
@@ -43382,7 +43197,7 @@
 </p:sld>
 </file>
 
-<file path=ppt/slides/slide73.xml><?xml version="1.0" encoding="utf-8"?>
+<file path=ppt/slides/slide72.xml><?xml version="1.0" encoding="utf-8"?>
 <p:sld xmlns:a="http://schemas.openxmlformats.org/drawingml/2006/main" xmlns:r="http://schemas.openxmlformats.org/officeDocument/2006/relationships" xmlns:p="http://schemas.openxmlformats.org/presentationml/2006/main">
   <p:cSld>
     <p:spTree>
@@ -43561,7 +43376,7 @@
 </p:sld>
 </file>
 
-<file path=ppt/slides/slide74.xml><?xml version="1.0" encoding="utf-8"?>
+<file path=ppt/slides/slide73.xml><?xml version="1.0" encoding="utf-8"?>
 <p:sld xmlns:a="http://schemas.openxmlformats.org/drawingml/2006/main" xmlns:r="http://schemas.openxmlformats.org/officeDocument/2006/relationships" xmlns:p="http://schemas.openxmlformats.org/presentationml/2006/main">
   <p:cSld>
     <p:spTree>
@@ -43749,7 +43564,7 @@
 </p:sld>
 </file>
 
-<file path=ppt/slides/slide75.xml><?xml version="1.0" encoding="utf-8"?>
+<file path=ppt/slides/slide74.xml><?xml version="1.0" encoding="utf-8"?>
 <p:sld xmlns:a="http://schemas.openxmlformats.org/drawingml/2006/main" xmlns:r="http://schemas.openxmlformats.org/officeDocument/2006/relationships" xmlns:p="http://schemas.openxmlformats.org/presentationml/2006/main">
   <p:cSld>
     <p:spTree>
@@ -43877,7 +43692,7 @@
 </p:sld>
 </file>
 
-<file path=ppt/slides/slide76.xml><?xml version="1.0" encoding="utf-8"?>
+<file path=ppt/slides/slide75.xml><?xml version="1.0" encoding="utf-8"?>
 <p:sld xmlns:a="http://schemas.openxmlformats.org/drawingml/2006/main" xmlns:r="http://schemas.openxmlformats.org/officeDocument/2006/relationships" xmlns:p="http://schemas.openxmlformats.org/presentationml/2006/main">
   <p:cSld>
     <p:spTree>
@@ -44281,13 +44096,7 @@
       </p:grpSpPr>
       <p:sp>
         <p:nvSpPr>
-          <p:cNvPr id="19" name="Title 18">
-            <a:extLst>
-              <a:ext uri="{FF2B5EF4-FFF2-40B4-BE49-F238E27FC236}">
-                <a16:creationId xmlns:a16="http://schemas.microsoft.com/office/drawing/2014/main" id="{55BA9AC8-EA60-644D-9DDA-B76203EA1E87}"/>
-              </a:ext>
-            </a:extLst>
-          </p:cNvPr>
+          <p:cNvPr id="3" name="Title 2"/>
           <p:cNvSpPr>
             <a:spLocks noGrp="1"/>
           </p:cNvSpPr>
@@ -44297,9 +44106,7 @@
         </p:nvSpPr>
         <p:spPr/>
         <p:txBody>
-          <a:bodyPr>
-            <a:normAutofit/>
-          </a:bodyPr>
+          <a:bodyPr/>
           <a:lstStyle/>
           <a:p>
             <a:r>
@@ -44308,111 +44115,59 @@
                   <a:schemeClr val="tx1"/>
                 </a:solidFill>
               </a:rPr>
-              <a:t>Objectives</a:t>
+              <a:t>Metadata</a:t>
             </a:r>
+            <a:endParaRPr lang="en-US" dirty="0"/>
           </a:p>
         </p:txBody>
       </p:sp>
-      <p:sp>
-        <p:nvSpPr>
-          <p:cNvPr id="17" name="Content Placeholder 16">
+      <p:pic>
+        <p:nvPicPr>
+          <p:cNvPr id="1026" name="Picture 2" descr="Output image"/>
+          <p:cNvPicPr>
+            <a:picLocks noGrp="1" noChangeAspect="1" noChangeArrowheads="1"/>
+          </p:cNvPicPr>
+          <p:nvPr>
+            <p:ph idx="1"/>
+          </p:nvPr>
+        </p:nvPicPr>
+        <p:blipFill>
+          <a:blip r:embed="rId2">
             <a:extLst>
-              <a:ext uri="{FF2B5EF4-FFF2-40B4-BE49-F238E27FC236}">
-                <a16:creationId xmlns:a16="http://schemas.microsoft.com/office/drawing/2014/main" id="{8E7591AD-81F4-2E45-AE36-F4DA40C19031}"/>
+              <a:ext uri="{28A0092B-C50C-407E-A947-70E740481C1C}">
+                <a14:useLocalDpi xmlns:a14="http://schemas.microsoft.com/office/drawing/2010/main" val="0"/>
               </a:ext>
             </a:extLst>
-          </p:cNvPr>
-          <p:cNvSpPr>
-            <a:spLocks noGrp="1"/>
-          </p:cNvSpPr>
-          <p:nvPr>
-            <p:ph sz="half" idx="2"/>
-          </p:nvPr>
-        </p:nvSpPr>
-        <p:spPr/>
-        <p:txBody>
-          <a:bodyPr>
-            <a:normAutofit/>
-          </a:bodyPr>
-          <a:lstStyle/>
-          <a:p>
-            <a:pPr>
-              <a:lnSpc>
-                <a:spcPct val="150000"/>
-              </a:lnSpc>
-              <a:buFont typeface="Wingdings" panose="05000000000000000000" pitchFamily="2" charset="2"/>
-              <a:buChar char="Ø"/>
-            </a:pPr>
-            <a:r>
-              <a:rPr lang="en-US" sz="2000" b="1" dirty="0">
+          </a:blip>
+          <a:srcRect/>
+          <a:stretch>
+            <a:fillRect/>
+          </a:stretch>
+        </p:blipFill>
+        <p:spPr bwMode="auto">
+          <a:xfrm>
+            <a:off x="1097280" y="2062064"/>
+            <a:ext cx="10058400" cy="3589121"/>
+          </a:xfrm>
+          <a:prstGeom prst="rect">
+            <a:avLst/>
+          </a:prstGeom>
+          <a:noFill/>
+          <a:extLst>
+            <a:ext uri="{909E8E84-426E-40DD-AFC4-6F175D3DCCD1}">
+              <a14:hiddenFill xmlns:a14="http://schemas.microsoft.com/office/drawing/2010/main">
                 <a:solidFill>
-                  <a:srgbClr val="FF0000"/>
+                  <a:srgbClr val="FFFFFF"/>
                 </a:solidFill>
-                <a:cs typeface="Biome" panose="020B0503030204020804" pitchFamily="34" charset="0"/>
-              </a:rPr>
-              <a:t>ANALYZE</a:t>
-            </a:r>
-          </a:p>
-          <a:p>
-            <a:pPr>
-              <a:lnSpc>
-                <a:spcPct val="150000"/>
-              </a:lnSpc>
-              <a:buFont typeface="Wingdings" panose="05000000000000000000" pitchFamily="2" charset="2"/>
-              <a:buChar char="Ø"/>
-            </a:pPr>
-            <a:r>
-              <a:rPr lang="en-US" sz="2000" b="1" dirty="0">
-                <a:solidFill>
-                  <a:srgbClr val="FF0000"/>
-                </a:solidFill>
-                <a:cs typeface="Biome" panose="020B0503030204020804" pitchFamily="34" charset="0"/>
-              </a:rPr>
-              <a:t>DEVELOP </a:t>
-            </a:r>
-          </a:p>
-          <a:p>
-            <a:pPr>
-              <a:lnSpc>
-                <a:spcPct val="150000"/>
-              </a:lnSpc>
-              <a:buFont typeface="Wingdings" panose="05000000000000000000" pitchFamily="2" charset="2"/>
-              <a:buChar char="Ø"/>
-            </a:pPr>
-            <a:r>
-              <a:rPr lang="en-US" sz="2000" b="1" dirty="0">
-                <a:solidFill>
-                  <a:srgbClr val="FF0000"/>
-                </a:solidFill>
-                <a:cs typeface="Biome" panose="020B0503030204020804" pitchFamily="34" charset="0"/>
-              </a:rPr>
-              <a:t>IDENTIFY </a:t>
-            </a:r>
-          </a:p>
-          <a:p>
-            <a:pPr>
-              <a:lnSpc>
-                <a:spcPct val="150000"/>
-              </a:lnSpc>
-              <a:buFont typeface="Wingdings" panose="05000000000000000000" pitchFamily="2" charset="2"/>
-              <a:buChar char="Ø"/>
-            </a:pPr>
-            <a:r>
-              <a:rPr lang="en-US" sz="2000" b="1" dirty="0">
-                <a:solidFill>
-                  <a:srgbClr val="FF0000"/>
-                </a:solidFill>
-                <a:cs typeface="Biome" panose="020B0503030204020804" pitchFamily="34" charset="0"/>
-              </a:rPr>
-              <a:t>PROVIDE</a:t>
-            </a:r>
-          </a:p>
-        </p:txBody>
-      </p:sp>
+              </a14:hiddenFill>
+            </a:ext>
+          </a:extLst>
+        </p:spPr>
+      </p:pic>
     </p:spTree>
     <p:extLst>
       <p:ext uri="{BB962C8B-B14F-4D97-AF65-F5344CB8AC3E}">
-        <p14:creationId xmlns:p14="http://schemas.microsoft.com/office/powerpoint/2010/main" val="2268575965"/>
+        <p14:creationId xmlns:p14="http://schemas.microsoft.com/office/powerpoint/2010/main" val="3042920637"/>
       </p:ext>
     </p:extLst>
   </p:cSld>

--- a/Milestone_5_Final_Documentation_Presentation/Final Presentation/Customer Churn Presentation v5 last.pptx
+++ b/Milestone_5_Final_Documentation_Presentation/Final Presentation/Customer Churn Presentation v5 last.pptx
@@ -15,10 +15,10 @@
     <p:sldId id="384" r:id="rId6"/>
     <p:sldId id="357" r:id="rId7"/>
     <p:sldId id="359" r:id="rId8"/>
-    <p:sldId id="351" r:id="rId9"/>
-    <p:sldId id="364" r:id="rId10"/>
-    <p:sldId id="365" r:id="rId11"/>
-    <p:sldId id="366" r:id="rId12"/>
+    <p:sldId id="365" r:id="rId9"/>
+    <p:sldId id="366" r:id="rId10"/>
+    <p:sldId id="364" r:id="rId11"/>
+    <p:sldId id="351" r:id="rId12"/>
     <p:sldId id="372" r:id="rId13"/>
     <p:sldId id="459" r:id="rId14"/>
     <p:sldId id="374" r:id="rId15"/>
@@ -8748,7 +8748,13 @@
       </p:sp>
       <p:pic>
         <p:nvPicPr>
-          <p:cNvPr id="6" name="Content Placeholder 3"/>
+          <p:cNvPr id="4" name="Picture 3">
+            <a:extLst>
+              <a:ext uri="{FF2B5EF4-FFF2-40B4-BE49-F238E27FC236}">
+                <a16:creationId xmlns:a16="http://schemas.microsoft.com/office/drawing/2014/main" id="{66331CF6-921F-7086-8FD9-A82A92E53D8E}"/>
+              </a:ext>
+            </a:extLst>
+          </p:cNvPr>
           <p:cNvPicPr>
             <a:picLocks noChangeAspect="1"/>
           </p:cNvPicPr>
@@ -8762,8 +8768,8 @@
         </p:blipFill>
         <p:spPr>
           <a:xfrm>
-            <a:off x="6721564" y="784176"/>
-            <a:ext cx="4673266" cy="5338936"/>
+            <a:off x="6641636" y="873778"/>
+            <a:ext cx="4662813" cy="5110443"/>
           </a:xfrm>
           <a:prstGeom prst="rect">
             <a:avLst/>
@@ -38816,170 +38822,59 @@
       </p:grpSpPr>
       <p:sp>
         <p:nvSpPr>
-          <p:cNvPr id="3" name="Title 2">
-            <a:extLst>
-              <a:ext uri="{FF2B5EF4-FFF2-40B4-BE49-F238E27FC236}">
-                <a16:creationId xmlns:a16="http://schemas.microsoft.com/office/drawing/2014/main" id="{4391F52C-47D7-432A-87D0-D88597D07D07}"/>
-              </a:ext>
-            </a:extLst>
-          </p:cNvPr>
+          <p:cNvPr id="4" name="Title 3"/>
           <p:cNvSpPr>
             <a:spLocks noGrp="1"/>
           </p:cNvSpPr>
           <p:nvPr>
-            <p:ph type="title"/>
+            <p:ph type="ctrTitle"/>
           </p:nvPr>
         </p:nvSpPr>
         <p:spPr>
           <a:xfrm>
-            <a:off x="1097280" y="942871"/>
-            <a:ext cx="10058400" cy="1289304"/>
+            <a:off x="839755" y="758952"/>
+            <a:ext cx="10468947" cy="3566160"/>
           </a:xfrm>
         </p:spPr>
         <p:txBody>
           <a:bodyPr/>
           <a:lstStyle/>
           <a:p>
+            <a:pPr algn="ctr"/>
             <a:r>
-              <a:rPr lang="en-US" dirty="0">
-                <a:solidFill>
-                  <a:schemeClr val="tx1"/>
-                </a:solidFill>
-              </a:rPr>
-              <a:t>Dataset overview</a:t>
+              <a:rPr lang="en-US" dirty="0"/>
+              <a:t>Problem statement</a:t>
             </a:r>
-            <a:endParaRPr lang="en-US" dirty="0"/>
           </a:p>
         </p:txBody>
       </p:sp>
       <p:sp>
         <p:nvSpPr>
-          <p:cNvPr id="2" name="Content Placeholder 1">
-            <a:extLst>
-              <a:ext uri="{FF2B5EF4-FFF2-40B4-BE49-F238E27FC236}">
-                <a16:creationId xmlns:a16="http://schemas.microsoft.com/office/drawing/2014/main" id="{1517D772-EB16-4FBD-9504-365672A1530A}"/>
-              </a:ext>
-            </a:extLst>
-          </p:cNvPr>
+          <p:cNvPr id="5" name="Subtitle 4"/>
           <p:cNvSpPr>
             <a:spLocks noGrp="1"/>
           </p:cNvSpPr>
           <p:nvPr>
-            <p:ph idx="1"/>
+            <p:ph type="subTitle" idx="1"/>
           </p:nvPr>
         </p:nvSpPr>
         <p:spPr/>
         <p:txBody>
-          <a:bodyPr>
-            <a:normAutofit/>
-          </a:bodyPr>
+          <a:bodyPr/>
           <a:lstStyle/>
           <a:p>
-            <a:pPr>
-              <a:buNone/>
-            </a:pPr>
+            <a:pPr algn="ctr"/>
             <a:r>
-              <a:rPr lang="en-US" b="1" dirty="0"/>
-              <a:t>Dataset Purpose:</a:t>
+              <a:rPr lang="en-US" dirty="0"/>
+              <a:t>Objectives</a:t>
             </a:r>
-          </a:p>
-          <a:p>
-            <a:pPr lvl="1">
-              <a:buNone/>
-            </a:pPr>
-            <a:r>
-              <a:rPr lang="en-US" sz="1500" dirty="0"/>
-              <a:t>This dataset contains information about bank customers and their account activities. It is primarily used for customer churn analysis — predicting whether a customer will leave the bank.</a:t>
-            </a:r>
-          </a:p>
-          <a:p>
-            <a:pPr>
-              <a:buNone/>
-            </a:pPr>
-            <a:r>
-              <a:rPr lang="en-US" b="1" dirty="0"/>
-              <a:t>Number of Attributes:</a:t>
-            </a:r>
-          </a:p>
-          <a:p>
-            <a:pPr lvl="1">
-              <a:buNone/>
-            </a:pPr>
-            <a:r>
-              <a:rPr lang="en-US" sz="1500" dirty="0"/>
-              <a:t>14 columns describing customer demographics, account status, and banking activity.</a:t>
-            </a:r>
-          </a:p>
-          <a:p>
-            <a:pPr>
-              <a:buNone/>
-            </a:pPr>
-            <a:r>
-              <a:rPr lang="en-US" b="1" dirty="0"/>
-              <a:t>Key Features:</a:t>
-            </a:r>
-          </a:p>
-          <a:p>
-            <a:pPr lvl="1">
-              <a:buNone/>
-            </a:pPr>
-            <a:r>
-              <a:rPr lang="en-US" sz="1500" b="1" dirty="0"/>
-              <a:t>Customer Information: </a:t>
-            </a:r>
-            <a:r>
-              <a:rPr lang="en-US" sz="1500" dirty="0"/>
-              <a:t>Customer ID, Surname, Age, Gender, Geography.</a:t>
-            </a:r>
-          </a:p>
-          <a:p>
-            <a:pPr lvl="1">
-              <a:buNone/>
-            </a:pPr>
-            <a:r>
-              <a:rPr lang="en-US" sz="1500" b="1" dirty="0"/>
-              <a:t>Banking Behavior: </a:t>
-            </a:r>
-            <a:r>
-              <a:rPr lang="en-US" sz="1500" dirty="0"/>
-              <a:t>Credit Score, Tenure, Balance, Number of Products, Has Credit Card, Is Active Member.</a:t>
-            </a:r>
-          </a:p>
-          <a:p>
-            <a:pPr lvl="1">
-              <a:buNone/>
-            </a:pPr>
-            <a:r>
-              <a:rPr lang="en-US" sz="1500" b="1" dirty="0"/>
-              <a:t>Financial Data: </a:t>
-            </a:r>
-            <a:r>
-              <a:rPr lang="en-US" sz="1500" dirty="0"/>
-              <a:t>Estimated Salary.</a:t>
-            </a:r>
-          </a:p>
-          <a:p>
-            <a:pPr marL="201168" lvl="1" indent="0">
-              <a:buNone/>
-            </a:pPr>
-            <a:r>
-              <a:rPr lang="en-US" sz="1500" b="1" dirty="0"/>
-              <a:t>Target Variable: </a:t>
-            </a:r>
-            <a:r>
-              <a:rPr lang="en-US" sz="1500" dirty="0"/>
-              <a:t>Exited (1 = Customer left, 0 = Customer stayed).</a:t>
-            </a:r>
-          </a:p>
-          <a:p>
-            <a:endParaRPr lang="en-US" dirty="0"/>
           </a:p>
         </p:txBody>
       </p:sp>
     </p:spTree>
     <p:extLst>
       <p:ext uri="{BB962C8B-B14F-4D97-AF65-F5344CB8AC3E}">
-        <p14:creationId xmlns:p14="http://schemas.microsoft.com/office/powerpoint/2010/main" val="2323782088"/>
+        <p14:creationId xmlns:p14="http://schemas.microsoft.com/office/powerpoint/2010/main" val="91883779"/>
       </p:ext>
     </p:extLst>
   </p:cSld>
@@ -41055,38 +40950,15 @@
           <a:chExt cx="0" cy="0"/>
         </a:xfrm>
       </p:grpSpPr>
-      <p:pic>
-        <p:nvPicPr>
-          <p:cNvPr id="4" name="Content Placeholder 3"/>
-          <p:cNvPicPr>
-            <a:picLocks noGrp="1" noChangeAspect="1"/>
-          </p:cNvPicPr>
-          <p:nvPr>
-            <p:ph idx="1"/>
-          </p:nvPr>
-        </p:nvPicPr>
-        <p:blipFill>
-          <a:blip r:embed="rId2">
+      <p:sp>
+        <p:nvSpPr>
+          <p:cNvPr id="3" name="Title 2">
             <a:extLst>
-              <a:ext uri="{28A0092B-C50C-407E-A947-70E740481C1C}">
-                <a14:useLocalDpi xmlns:a14="http://schemas.microsoft.com/office/drawing/2010/main" val="0"/>
+              <a:ext uri="{FF2B5EF4-FFF2-40B4-BE49-F238E27FC236}">
+                <a16:creationId xmlns:a16="http://schemas.microsoft.com/office/drawing/2014/main" id="{4391F52C-47D7-432A-87D0-D88597D07D07}"/>
               </a:ext>
             </a:extLst>
-          </a:blip>
-          <a:stretch>
-            <a:fillRect/>
-          </a:stretch>
-        </p:blipFill>
-        <p:spPr>
-          <a:xfrm>
-            <a:off x="1096963" y="2496699"/>
-            <a:ext cx="10058400" cy="2391587"/>
-          </a:xfrm>
-        </p:spPr>
-      </p:pic>
-      <p:sp>
-        <p:nvSpPr>
-          <p:cNvPr id="3" name="Title 2"/>
+          </p:cNvPr>
           <p:cNvSpPr>
             <a:spLocks noGrp="1"/>
           </p:cNvSpPr>
@@ -41094,7 +40966,12 @@
             <p:ph type="title"/>
           </p:nvPr>
         </p:nvSpPr>
-        <p:spPr/>
+        <p:spPr>
+          <a:xfrm>
+            <a:off x="1097280" y="942871"/>
+            <a:ext cx="10058400" cy="1289304"/>
+          </a:xfrm>
+        </p:spPr>
         <p:txBody>
           <a:bodyPr/>
           <a:lstStyle/>
@@ -41105,16 +40982,153 @@
                   <a:schemeClr val="tx1"/>
                 </a:solidFill>
               </a:rPr>
-              <a:t>Customer churn demographic table</a:t>
+              <a:t>Problem statement</a:t>
             </a:r>
             <a:endParaRPr lang="en-US" dirty="0"/>
+          </a:p>
+        </p:txBody>
+      </p:sp>
+      <p:sp>
+        <p:nvSpPr>
+          <p:cNvPr id="2" name="Content Placeholder 1">
+            <a:extLst>
+              <a:ext uri="{FF2B5EF4-FFF2-40B4-BE49-F238E27FC236}">
+                <a16:creationId xmlns:a16="http://schemas.microsoft.com/office/drawing/2014/main" id="{1517D772-EB16-4FBD-9504-365672A1530A}"/>
+              </a:ext>
+            </a:extLst>
+          </p:cNvPr>
+          <p:cNvSpPr>
+            <a:spLocks noGrp="1"/>
+          </p:cNvSpPr>
+          <p:nvPr>
+            <p:ph idx="1"/>
+          </p:nvPr>
+        </p:nvSpPr>
+        <p:spPr/>
+        <p:txBody>
+          <a:bodyPr>
+            <a:normAutofit/>
+          </a:bodyPr>
+          <a:lstStyle/>
+          <a:p>
+            <a:pPr algn="just">
+              <a:lnSpc>
+                <a:spcPct val="150000"/>
+              </a:lnSpc>
+            </a:pPr>
+            <a:r>
+              <a:rPr lang="en-US" dirty="0"/>
+              <a:t>Customer </a:t>
+            </a:r>
+            <a:r>
+              <a:rPr lang="en-US" b="1" dirty="0"/>
+              <a:t>churn</a:t>
+            </a:r>
+            <a:r>
+              <a:rPr lang="en-US" dirty="0"/>
+              <a:t> poses a significant threat to banks by reducing </a:t>
+            </a:r>
+            <a:r>
+              <a:rPr lang="en-US" b="1" dirty="0"/>
+              <a:t>revenues</a:t>
+            </a:r>
+            <a:r>
+              <a:rPr lang="en-US" dirty="0"/>
+              <a:t> and increasing </a:t>
+            </a:r>
+            <a:r>
+              <a:rPr lang="en-US" b="1" dirty="0"/>
+              <a:t>customer acquisition costs</a:t>
+            </a:r>
+            <a:r>
+              <a:rPr lang="en-US" dirty="0"/>
+              <a:t>. Despite having access to extensive </a:t>
+            </a:r>
+            <a:r>
+              <a:rPr lang="en-US" b="1" dirty="0"/>
+              <a:t>demographic</a:t>
+            </a:r>
+            <a:r>
+              <a:rPr lang="en-US" dirty="0"/>
+              <a:t>, </a:t>
+            </a:r>
+            <a:r>
+              <a:rPr lang="en-US" b="1" dirty="0"/>
+              <a:t>financial</a:t>
+            </a:r>
+            <a:r>
+              <a:rPr lang="en-US" dirty="0"/>
+              <a:t>, and </a:t>
+            </a:r>
+            <a:r>
+              <a:rPr lang="en-US" b="1" dirty="0"/>
+              <a:t>behavioral data</a:t>
+            </a:r>
+            <a:r>
+              <a:rPr lang="en-US" dirty="0"/>
+              <a:t>, identifying customers at risk of leaving remains a challenge.</a:t>
+            </a:r>
+          </a:p>
+          <a:p>
+            <a:pPr algn="just">
+              <a:lnSpc>
+                <a:spcPct val="150000"/>
+              </a:lnSpc>
+            </a:pPr>
+            <a:r>
+              <a:rPr lang="en-US" dirty="0"/>
+              <a:t>This project addresses the need to analyze </a:t>
+            </a:r>
+            <a:r>
+              <a:rPr lang="en-US" b="1" dirty="0"/>
+              <a:t>customer data</a:t>
+            </a:r>
+            <a:r>
+              <a:rPr lang="en-US" dirty="0"/>
+              <a:t> to accurately </a:t>
+            </a:r>
+            <a:r>
+              <a:rPr lang="en-US" b="1" dirty="0"/>
+              <a:t>predict churn</a:t>
+            </a:r>
+            <a:r>
+              <a:rPr lang="en-US" dirty="0"/>
+              <a:t> and develop effective </a:t>
+            </a:r>
+            <a:r>
+              <a:rPr lang="en-US" b="1" dirty="0"/>
+              <a:t>retention strategies</a:t>
+            </a:r>
+            <a:r>
+              <a:rPr lang="en-US" dirty="0"/>
+              <a:t> that enhance </a:t>
+            </a:r>
+            <a:r>
+              <a:rPr lang="en-US" b="1" dirty="0"/>
+              <a:t>customer loyalty</a:t>
+            </a:r>
+            <a:r>
+              <a:rPr lang="en-US" dirty="0"/>
+              <a:t> and improve overall </a:t>
+            </a:r>
+            <a:r>
+              <a:rPr lang="en-US" b="1" dirty="0"/>
+              <a:t>bank performance</a:t>
+            </a:r>
+            <a:r>
+              <a:rPr lang="en-US" dirty="0"/>
+              <a:t>.</a:t>
+            </a:r>
+            <a:endParaRPr lang="en-US" dirty="0">
+              <a:cs typeface="Biome" panose="020B0503030204020804" pitchFamily="34" charset="0"/>
+            </a:endParaRPr>
           </a:p>
         </p:txBody>
       </p:sp>
     </p:spTree>
     <p:extLst>
       <p:ext uri="{BB962C8B-B14F-4D97-AF65-F5344CB8AC3E}">
-        <p14:creationId xmlns:p14="http://schemas.microsoft.com/office/powerpoint/2010/main" val="1035632447"/>
+        <p14:creationId xmlns:p14="http://schemas.microsoft.com/office/powerpoint/2010/main" val="3217968797"/>
       </p:ext>
     </p:extLst>
   </p:cSld>
@@ -42899,42 +42913,43 @@
           <a:chExt cx="0" cy="0"/>
         </a:xfrm>
       </p:grpSpPr>
+      <p:pic>
+        <p:nvPicPr>
+          <p:cNvPr id="4" name="Content Placeholder 3"/>
+          <p:cNvPicPr>
+            <a:picLocks noGrp="1" noChangeAspect="1"/>
+          </p:cNvPicPr>
+          <p:nvPr>
+            <p:ph idx="1"/>
+          </p:nvPr>
+        </p:nvPicPr>
+        <p:blipFill>
+          <a:blip r:embed="rId2">
+            <a:extLst>
+              <a:ext uri="{28A0092B-C50C-407E-A947-70E740481C1C}">
+                <a14:useLocalDpi xmlns:a14="http://schemas.microsoft.com/office/drawing/2010/main" val="0"/>
+              </a:ext>
+            </a:extLst>
+          </a:blip>
+          <a:stretch>
+            <a:fillRect/>
+          </a:stretch>
+        </p:blipFill>
+        <p:spPr>
+          <a:xfrm>
+            <a:off x="1096963" y="2496699"/>
+            <a:ext cx="10058400" cy="2391587"/>
+          </a:xfrm>
+        </p:spPr>
+      </p:pic>
       <p:sp>
         <p:nvSpPr>
-          <p:cNvPr id="4" name="Title 3"/>
+          <p:cNvPr id="3" name="Title 2"/>
           <p:cNvSpPr>
             <a:spLocks noGrp="1"/>
           </p:cNvSpPr>
           <p:nvPr>
-            <p:ph type="ctrTitle"/>
-          </p:nvPr>
-        </p:nvSpPr>
-        <p:spPr>
-          <a:xfrm>
-            <a:off x="839755" y="758952"/>
-            <a:ext cx="10468947" cy="3566160"/>
-          </a:xfrm>
-        </p:spPr>
-        <p:txBody>
-          <a:bodyPr/>
-          <a:lstStyle/>
-          <a:p>
-            <a:pPr algn="ctr"/>
-            <a:r>
-              <a:rPr lang="en-US" dirty="0"/>
-              <a:t>Problem statement</a:t>
-            </a:r>
-          </a:p>
-        </p:txBody>
-      </p:sp>
-      <p:sp>
-        <p:nvSpPr>
-          <p:cNvPr id="5" name="Subtitle 4"/>
-          <p:cNvSpPr>
-            <a:spLocks noGrp="1"/>
-          </p:cNvSpPr>
-          <p:nvPr>
-            <p:ph type="subTitle" idx="1"/>
+            <p:ph type="title"/>
           </p:nvPr>
         </p:nvSpPr>
         <p:spPr/>
@@ -42942,18 +42957,22 @@
           <a:bodyPr/>
           <a:lstStyle/>
           <a:p>
-            <a:pPr algn="ctr"/>
             <a:r>
-              <a:rPr lang="en-US" dirty="0"/>
-              <a:t>Objectives</a:t>
+              <a:rPr lang="en-US" dirty="0">
+                <a:solidFill>
+                  <a:schemeClr val="tx1"/>
+                </a:solidFill>
+              </a:rPr>
+              <a:t>Customer churn demographic table</a:t>
             </a:r>
+            <a:endParaRPr lang="en-US" dirty="0"/>
           </a:p>
         </p:txBody>
       </p:sp>
     </p:spTree>
     <p:extLst>
       <p:ext uri="{BB962C8B-B14F-4D97-AF65-F5344CB8AC3E}">
-        <p14:creationId xmlns:p14="http://schemas.microsoft.com/office/powerpoint/2010/main" val="91883779"/>
+        <p14:creationId xmlns:p14="http://schemas.microsoft.com/office/powerpoint/2010/main" val="1035632447"/>
       </p:ext>
     </p:extLst>
   </p:cSld>
@@ -43921,7 +43940,7 @@
                   <a:schemeClr val="tx1"/>
                 </a:solidFill>
               </a:rPr>
-              <a:t>Problem statement</a:t>
+              <a:t>Dataset overview</a:t>
             </a:r>
             <a:endParaRPr lang="en-US" dirty="0"/>
           </a:p>
@@ -43950,124 +43969,111 @@
           </a:bodyPr>
           <a:lstStyle/>
           <a:p>
-            <a:pPr algn="just">
-              <a:lnSpc>
-                <a:spcPct val="150000"/>
-              </a:lnSpc>
+            <a:pPr>
+              <a:buNone/>
             </a:pPr>
             <a:r>
-              <a:rPr lang="en-US" dirty="0"/>
-              <a:t>Customer </a:t>
-            </a:r>
-            <a:r>
               <a:rPr lang="en-US" b="1" dirty="0"/>
-              <a:t>churn</a:t>
-            </a:r>
-            <a:r>
-              <a:rPr lang="en-US" dirty="0"/>
-              <a:t> poses a significant threat to banks by reducing </a:t>
-            </a:r>
-            <a:r>
-              <a:rPr lang="en-US" b="1" dirty="0"/>
-              <a:t>revenues</a:t>
-            </a:r>
-            <a:r>
-              <a:rPr lang="en-US" dirty="0"/>
-              <a:t> and increasing </a:t>
-            </a:r>
-            <a:r>
-              <a:rPr lang="en-US" b="1" dirty="0"/>
-              <a:t>customer acquisition costs</a:t>
-            </a:r>
-            <a:r>
-              <a:rPr lang="en-US" dirty="0"/>
-              <a:t>. Despite having access to extensive </a:t>
-            </a:r>
-            <a:r>
-              <a:rPr lang="en-US" b="1" dirty="0"/>
-              <a:t>demographic</a:t>
-            </a:r>
-            <a:r>
-              <a:rPr lang="en-US" dirty="0"/>
-              <a:t>, </a:t>
-            </a:r>
-            <a:r>
-              <a:rPr lang="en-US" b="1" dirty="0"/>
-              <a:t>financial</a:t>
-            </a:r>
-            <a:r>
-              <a:rPr lang="en-US" dirty="0"/>
-              <a:t>, and </a:t>
-            </a:r>
-            <a:r>
-              <a:rPr lang="en-US" b="1" dirty="0"/>
-              <a:t>behavioral data</a:t>
-            </a:r>
-            <a:r>
-              <a:rPr lang="en-US" dirty="0"/>
-              <a:t>, identifying customers at risk of leaving remains a challenge.</a:t>
+              <a:t>Dataset Purpose:</a:t>
             </a:r>
           </a:p>
           <a:p>
-            <a:pPr algn="just">
-              <a:lnSpc>
-                <a:spcPct val="150000"/>
-              </a:lnSpc>
+            <a:pPr lvl="1">
+              <a:buNone/>
             </a:pPr>
             <a:r>
-              <a:rPr lang="en-US" dirty="0"/>
-              <a:t>This project addresses the need to analyze </a:t>
+              <a:rPr lang="en-US" sz="1500" dirty="0"/>
+              <a:t>This dataset contains information about bank customers and their account activities. It is primarily used for customer churn analysis — predicting whether a customer will leave the bank.</a:t>
+            </a:r>
+          </a:p>
+          <a:p>
+            <a:pPr>
+              <a:buNone/>
+            </a:pPr>
+            <a:r>
+              <a:rPr lang="en-US" b="1" dirty="0"/>
+              <a:t>Number of Attributes:</a:t>
+            </a:r>
+          </a:p>
+          <a:p>
+            <a:pPr lvl="1">
+              <a:buNone/>
+            </a:pPr>
+            <a:r>
+              <a:rPr lang="en-US" sz="1500" dirty="0"/>
+              <a:t>14 columns describing customer demographics, account status, and banking activity.</a:t>
+            </a:r>
+          </a:p>
+          <a:p>
+            <a:pPr>
+              <a:buNone/>
+            </a:pPr>
+            <a:r>
+              <a:rPr lang="en-US" b="1" dirty="0"/>
+              <a:t>Key Features:</a:t>
+            </a:r>
+          </a:p>
+          <a:p>
+            <a:pPr lvl="1">
+              <a:buNone/>
+            </a:pPr>
+            <a:r>
+              <a:rPr lang="en-US" sz="1500" b="1" dirty="0"/>
+              <a:t>Customer Information: </a:t>
             </a:r>
             <a:r>
-              <a:rPr lang="en-US" b="1" dirty="0"/>
-              <a:t>customer data</a:t>
+              <a:rPr lang="en-US" sz="1500" dirty="0"/>
+              <a:t>Customer ID, Surname, Age, Gender, Geography.</a:t>
+            </a:r>
+          </a:p>
+          <a:p>
+            <a:pPr lvl="1">
+              <a:buNone/>
+            </a:pPr>
+            <a:r>
+              <a:rPr lang="en-US" sz="1500" b="1" dirty="0"/>
+              <a:t>Banking Behavior: </a:t>
             </a:r>
             <a:r>
-              <a:rPr lang="en-US" dirty="0"/>
-              <a:t> to accurately </a:t>
+              <a:rPr lang="en-US" sz="1500" dirty="0"/>
+              <a:t>Credit Score, Tenure, Balance, Number of Products, Has Credit Card, Is Active Member.</a:t>
+            </a:r>
+          </a:p>
+          <a:p>
+            <a:pPr lvl="1">
+              <a:buNone/>
+            </a:pPr>
+            <a:r>
+              <a:rPr lang="en-US" sz="1500" b="1" dirty="0"/>
+              <a:t>Financial Data: </a:t>
             </a:r>
             <a:r>
-              <a:rPr lang="en-US" b="1" dirty="0"/>
-              <a:t>predict churn</a:t>
+              <a:rPr lang="en-US" sz="1500" dirty="0"/>
+              <a:t>Estimated Salary.</a:t>
+            </a:r>
+          </a:p>
+          <a:p>
+            <a:pPr marL="201168" lvl="1" indent="0">
+              <a:buNone/>
+            </a:pPr>
+            <a:r>
+              <a:rPr lang="en-US" sz="1500" b="1" dirty="0"/>
+              <a:t>Target Variable: </a:t>
             </a:r>
             <a:r>
-              <a:rPr lang="en-US" dirty="0"/>
-              <a:t> and develop effective </a:t>
+              <a:rPr lang="en-US" sz="1500" dirty="0"/>
+              <a:t>Exited (1 = Customer left, 0 = Customer stayed).</a:t>
             </a:r>
-            <a:r>
-              <a:rPr lang="en-US" b="1" dirty="0"/>
-              <a:t>retention strategies</a:t>
-            </a:r>
-            <a:r>
-              <a:rPr lang="en-US" dirty="0"/>
-              <a:t> that enhance </a:t>
-            </a:r>
-            <a:r>
-              <a:rPr lang="en-US" b="1" dirty="0"/>
-              <a:t>customer loyalty</a:t>
-            </a:r>
-            <a:r>
-              <a:rPr lang="en-US" dirty="0"/>
-              <a:t> and improve overall </a:t>
-            </a:r>
-            <a:r>
-              <a:rPr lang="en-US" b="1" dirty="0"/>
-              <a:t>bank performance</a:t>
-            </a:r>
-            <a:r>
-              <a:rPr lang="en-US" dirty="0"/>
-              <a:t>.</a:t>
-            </a:r>
-            <a:endParaRPr lang="en-US" dirty="0">
-              <a:cs typeface="Biome" panose="020B0503030204020804" pitchFamily="34" charset="0"/>
-            </a:endParaRPr>
+          </a:p>
+          <a:p>
+            <a:endParaRPr lang="en-US" dirty="0"/>
           </a:p>
         </p:txBody>
       </p:sp>
     </p:spTree>
     <p:extLst>
       <p:ext uri="{BB962C8B-B14F-4D97-AF65-F5344CB8AC3E}">
-        <p14:creationId xmlns:p14="http://schemas.microsoft.com/office/powerpoint/2010/main" val="3217968797"/>
+        <p14:creationId xmlns:p14="http://schemas.microsoft.com/office/powerpoint/2010/main" val="2323782088"/>
       </p:ext>
     </p:extLst>
   </p:cSld>
